--- a/project_1/rules_game.pptx
+++ b/project_1/rules_game.pptx
@@ -1,16 +1,17 @@
 
 <file path=ppt/presentation.xml><?xml version="1.0" encoding="utf-8"?>
-<p:presentation xmlns:a="http://schemas.openxmlformats.org/drawingml/2006/main" xmlns:r="http://schemas.openxmlformats.org/officeDocument/2006/relationships" xmlns:p="http://schemas.openxmlformats.org/presentationml/2006/main" xmlns:m="http://schemas.openxmlformats.org/officeDocument/2006/math" xmlns:a14="http://schemas.microsoft.com/office/drawing/2010/main">
+<p:presentation xmlns:a="http://schemas.openxmlformats.org/drawingml/2006/main" xmlns:r="http://schemas.openxmlformats.org/officeDocument/2006/relationships" xmlns:p="http://schemas.openxmlformats.org/presentationml/2006/main">
   <p:sldMasterIdLst>
-    <p:sldMasterId id="2147483648" r:id="rId5"/>
+    <p:sldMasterId id="2147483648" r:id="rId1"/>
   </p:sldMasterIdLst>
   <p:notesMasterIdLst>
-    <p:notesMasterId r:id="rId7"/>
+    <p:notesMasterId r:id="rId6"/>
   </p:notesMasterIdLst>
   <p:sldIdLst>
-    <p:sldId id="256" r:id="rId8"/>
-    <p:sldId id="257" r:id="rId9"/>
-    <p:sldId id="258" r:id="rId10"/>
+    <p:sldId id="256" r:id="rId2"/>
+    <p:sldId id="257" r:id="rId3"/>
+    <p:sldId id="258" r:id="rId4"/>
+    <p:sldId id="259" r:id="rId5"/>
   </p:sldIdLst>
   <p:sldSz cx="24384000" cy="13716000"/>
   <p:notesSz cx="6858000" cy="9144000"/>
@@ -30,7 +31,7 @@
       <a:buFontTx/>
       <a:buNone/>
       <a:tabLst/>
-      <a:defRPr b="0" baseline="0" cap="none" i="0" spc="0" strike="noStrike" sz="1800" u="none" kumimoji="0" normalizeH="0">
+      <a:defRPr kumimoji="0" sz="1800" b="0" i="0" u="none" strike="noStrike" cap="none" spc="0" normalizeH="0" baseline="0">
         <a:ln>
           <a:noFill/>
         </a:ln>
@@ -56,7 +57,7 @@
       <a:buFontTx/>
       <a:buNone/>
       <a:tabLst/>
-      <a:defRPr b="0" baseline="0" cap="none" i="0" spc="0" strike="noStrike" sz="2400" u="none" kumimoji="0" normalizeH="0">
+      <a:defRPr kumimoji="0" sz="2400" b="0" i="0" u="none" strike="noStrike" cap="none" spc="0" normalizeH="0" baseline="0">
         <a:ln>
           <a:noFill/>
         </a:ln>
@@ -86,7 +87,7 @@
       <a:buFontTx/>
       <a:buNone/>
       <a:tabLst/>
-      <a:defRPr b="0" baseline="0" cap="none" i="0" spc="0" strike="noStrike" sz="2400" u="none" kumimoji="0" normalizeH="0">
+      <a:defRPr kumimoji="0" sz="2400" b="0" i="0" u="none" strike="noStrike" cap="none" spc="0" normalizeH="0" baseline="0">
         <a:ln>
           <a:noFill/>
         </a:ln>
@@ -116,7 +117,7 @@
       <a:buFontTx/>
       <a:buNone/>
       <a:tabLst/>
-      <a:defRPr b="0" baseline="0" cap="none" i="0" spc="0" strike="noStrike" sz="2400" u="none" kumimoji="0" normalizeH="0">
+      <a:defRPr kumimoji="0" sz="2400" b="0" i="0" u="none" strike="noStrike" cap="none" spc="0" normalizeH="0" baseline="0">
         <a:ln>
           <a:noFill/>
         </a:ln>
@@ -146,7 +147,7 @@
       <a:buFontTx/>
       <a:buNone/>
       <a:tabLst/>
-      <a:defRPr b="0" baseline="0" cap="none" i="0" spc="0" strike="noStrike" sz="2400" u="none" kumimoji="0" normalizeH="0">
+      <a:defRPr kumimoji="0" sz="2400" b="0" i="0" u="none" strike="noStrike" cap="none" spc="0" normalizeH="0" baseline="0">
         <a:ln>
           <a:noFill/>
         </a:ln>
@@ -176,7 +177,7 @@
       <a:buFontTx/>
       <a:buNone/>
       <a:tabLst/>
-      <a:defRPr b="0" baseline="0" cap="none" i="0" spc="0" strike="noStrike" sz="2400" u="none" kumimoji="0" normalizeH="0">
+      <a:defRPr kumimoji="0" sz="2400" b="0" i="0" u="none" strike="noStrike" cap="none" spc="0" normalizeH="0" baseline="0">
         <a:ln>
           <a:noFill/>
         </a:ln>
@@ -206,7 +207,7 @@
       <a:buFontTx/>
       <a:buNone/>
       <a:tabLst/>
-      <a:defRPr b="0" baseline="0" cap="none" i="0" spc="0" strike="noStrike" sz="2400" u="none" kumimoji="0" normalizeH="0">
+      <a:defRPr kumimoji="0" sz="2400" b="0" i="0" u="none" strike="noStrike" cap="none" spc="0" normalizeH="0" baseline="0">
         <a:ln>
           <a:noFill/>
         </a:ln>
@@ -236,7 +237,7 @@
       <a:buFontTx/>
       <a:buNone/>
       <a:tabLst/>
-      <a:defRPr b="0" baseline="0" cap="none" i="0" spc="0" strike="noStrike" sz="2400" u="none" kumimoji="0" normalizeH="0">
+      <a:defRPr kumimoji="0" sz="2400" b="0" i="0" u="none" strike="noStrike" cap="none" spc="0" normalizeH="0" baseline="0">
         <a:ln>
           <a:noFill/>
         </a:ln>
@@ -266,7 +267,7 @@
       <a:buFontTx/>
       <a:buNone/>
       <a:tabLst/>
-      <a:defRPr b="0" baseline="0" cap="none" i="0" spc="0" strike="noStrike" sz="2400" u="none" kumimoji="0" normalizeH="0">
+      <a:defRPr kumimoji="0" sz="2400" b="0" i="0" u="none" strike="noStrike" cap="none" spc="0" normalizeH="0" baseline="0">
         <a:ln>
           <a:noFill/>
         </a:ln>
@@ -296,7 +297,7 @@
       <a:buFontTx/>
       <a:buNone/>
       <a:tabLst/>
-      <a:defRPr b="0" baseline="0" cap="none" i="0" spc="0" strike="noStrike" sz="2400" u="none" kumimoji="0" normalizeH="0">
+      <a:defRPr kumimoji="0" sz="2400" b="0" i="0" u="none" strike="noStrike" cap="none" spc="0" normalizeH="0" baseline="0">
         <a:ln>
           <a:noFill/>
         </a:ln>
@@ -315,13 +316,14 @@
 </p:presentation>
 </file>
 
-<file path=ppt/commentAuthors.xml><?xml version="1.0" encoding="utf-8"?>
-<p:cmAuthorLst xmlns:a="http://schemas.openxmlformats.org/drawingml/2006/main" xmlns:r="http://schemas.openxmlformats.org/officeDocument/2006/relationships" xmlns:p="http://schemas.openxmlformats.org/presentationml/2006/main" xmlns:m="http://schemas.openxmlformats.org/officeDocument/2006/math" xmlns:a14="http://schemas.microsoft.com/office/drawing/2010/main"/>
-</file>
-
 <file path=ppt/notesMasters/notesMaster1.xml><?xml version="1.0" encoding="utf-8"?>
-<p:notesMaster xmlns:a="http://schemas.openxmlformats.org/drawingml/2006/main" xmlns:r="http://schemas.openxmlformats.org/officeDocument/2006/relationships" xmlns:p="http://schemas.openxmlformats.org/presentationml/2006/main" xmlns:m="http://schemas.openxmlformats.org/officeDocument/2006/math" xmlns:a14="http://schemas.microsoft.com/office/drawing/2010/main">
+<p:notesMaster xmlns:a="http://schemas.openxmlformats.org/drawingml/2006/main" xmlns:r="http://schemas.openxmlformats.org/officeDocument/2006/relationships" xmlns:p="http://schemas.openxmlformats.org/presentationml/2006/main">
   <p:cSld>
+    <p:bg>
+      <p:bgRef idx="1001">
+        <a:schemeClr val="bg1"/>
+      </p:bgRef>
+    </p:bg>
     <p:spTree>
       <p:nvGrpSpPr>
         <p:cNvPr id="1" name=""/>
@@ -339,7 +341,9 @@
       <p:sp>
         <p:nvSpPr>
           <p:cNvPr id="148" name="Shape 148"/>
-          <p:cNvSpPr/>
+          <p:cNvSpPr>
+            <a:spLocks noGrp="1" noRot="1" noChangeAspect="1"/>
+          </p:cNvSpPr>
           <p:nvPr>
             <p:ph type="sldImg"/>
           </p:nvPr>
@@ -357,14 +361,16 @@
           <a:bodyPr/>
           <a:lstStyle/>
           <a:p>
-            <a:pPr/>
+            <a:endParaRPr/>
           </a:p>
         </p:txBody>
       </p:sp>
       <p:sp>
         <p:nvSpPr>
           <p:cNvPr id="149" name="Shape 149"/>
-          <p:cNvSpPr/>
+          <p:cNvSpPr>
+            <a:spLocks noGrp="1"/>
+          </p:cNvSpPr>
           <p:nvPr>
             <p:ph type="body" sz="quarter" idx="1"/>
           </p:nvPr>
@@ -382,7 +388,7 @@
           <a:bodyPr/>
           <a:lstStyle/>
           <a:p>
-            <a:pPr/>
+            <a:endParaRPr/>
           </a:p>
         </p:txBody>
       </p:sp>
@@ -494,7 +500,7 @@
 </file>
 
 <file path=ppt/slideLayouts/slideLayout1.xml><?xml version="1.0" encoding="utf-8"?>
-<p:sldLayout xmlns:a="http://schemas.openxmlformats.org/drawingml/2006/main" xmlns:r="http://schemas.openxmlformats.org/officeDocument/2006/relationships" xmlns:p="http://schemas.openxmlformats.org/presentationml/2006/main" xmlns:m="http://schemas.openxmlformats.org/officeDocument/2006/math" xmlns:a14="http://schemas.microsoft.com/office/drawing/2010/main" type="title" showMasterSp="1" showMasterPhAnim="1">
+<p:sldLayout xmlns:a="http://schemas.openxmlformats.org/drawingml/2006/main" xmlns:r="http://schemas.openxmlformats.org/officeDocument/2006/relationships" xmlns:p="http://schemas.openxmlformats.org/presentationml/2006/main" type="title">
   <p:cSld name="Заголовок">
     <p:spTree>
       <p:nvGrpSpPr>
@@ -513,7 +519,9 @@
       <p:sp>
         <p:nvSpPr>
           <p:cNvPr id="11" name="Автор и дата"/>
-          <p:cNvSpPr txBox="1"/>
+          <p:cNvSpPr txBox="1">
+            <a:spLocks noGrp="1"/>
+          </p:cNvSpPr>
           <p:nvPr>
             <p:ph type="body" sz="quarter" idx="21" hasCustomPrompt="1"/>
           </p:nvPr>
@@ -539,11 +547,10 @@
               </a:spcBef>
               <a:buSzTx/>
               <a:buNone/>
-              <a:defRPr b="1" sz="3600"/>
+              <a:defRPr sz="3600" b="1"/>
             </a:lvl1pPr>
           </a:lstStyle>
           <a:p>
-            <a:pPr/>
             <a:r>
               <a:t>Автор и дата</a:t>
             </a:r>
@@ -553,7 +560,9 @@
       <p:sp>
         <p:nvSpPr>
           <p:cNvPr id="12" name="Заголовок презентации"/>
-          <p:cNvSpPr txBox="1"/>
+          <p:cNvSpPr txBox="1">
+            <a:spLocks noGrp="1"/>
+          </p:cNvSpPr>
           <p:nvPr>
             <p:ph type="title" hasCustomPrompt="1"/>
           </p:nvPr>
@@ -571,11 +580,10 @@
           <a:bodyPr anchor="b"/>
           <a:lstStyle>
             <a:lvl1pPr>
-              <a:defRPr spc="-232" sz="11600"/>
+              <a:defRPr sz="11600" spc="-232"/>
             </a:lvl1pPr>
           </a:lstStyle>
           <a:p>
-            <a:pPr/>
             <a:r>
               <a:t>Заголовок презентации</a:t>
             </a:r>
@@ -585,7 +593,9 @@
       <p:sp>
         <p:nvSpPr>
           <p:cNvPr id="13" name="Уровень текста 1…"/>
-          <p:cNvSpPr txBox="1"/>
+          <p:cNvSpPr txBox="1">
+            <a:spLocks noGrp="1"/>
+          </p:cNvSpPr>
           <p:nvPr>
             <p:ph type="body" sz="quarter" idx="1" hasCustomPrompt="1"/>
           </p:nvPr>
@@ -611,7 +621,7 @@
               </a:spcBef>
               <a:buSzTx/>
               <a:buNone/>
-              <a:defRPr b="1" sz="5500"/>
+              <a:defRPr sz="5500" b="1"/>
             </a:lvl1pPr>
             <a:lvl2pPr marL="0" indent="457200" defTabSz="825500">
               <a:lnSpc>
@@ -622,7 +632,7 @@
               </a:spcBef>
               <a:buSzTx/>
               <a:buNone/>
-              <a:defRPr b="1" sz="5500"/>
+              <a:defRPr sz="5500" b="1"/>
             </a:lvl2pPr>
             <a:lvl3pPr marL="0" indent="914400" defTabSz="825500">
               <a:lnSpc>
@@ -633,7 +643,7 @@
               </a:spcBef>
               <a:buSzTx/>
               <a:buNone/>
-              <a:defRPr b="1" sz="5500"/>
+              <a:defRPr sz="5500" b="1"/>
             </a:lvl3pPr>
             <a:lvl4pPr marL="0" indent="1371600" defTabSz="825500">
               <a:lnSpc>
@@ -644,7 +654,7 @@
               </a:spcBef>
               <a:buSzTx/>
               <a:buNone/>
-              <a:defRPr b="1" sz="5500"/>
+              <a:defRPr sz="5500" b="1"/>
             </a:lvl4pPr>
             <a:lvl5pPr marL="0" indent="1828800" defTabSz="825500">
               <a:lnSpc>
@@ -655,45 +665,38 @@
               </a:spcBef>
               <a:buSzTx/>
               <a:buNone/>
-              <a:defRPr b="1" sz="5500"/>
+              <a:defRPr sz="5500" b="1"/>
             </a:lvl5pPr>
           </a:lstStyle>
           <a:p>
-            <a:pPr/>
             <a:r>
               <a:t>Подзаголовок презентации</a:t>
             </a:r>
           </a:p>
           <a:p>
             <a:pPr lvl="1"/>
-            <a:r>
-              <a:t/>
-            </a:r>
+            <a:endParaRPr/>
           </a:p>
           <a:p>
             <a:pPr lvl="2"/>
-            <a:r>
-              <a:t/>
-            </a:r>
+            <a:endParaRPr/>
           </a:p>
           <a:p>
             <a:pPr lvl="3"/>
-            <a:r>
-              <a:t/>
-            </a:r>
+            <a:endParaRPr/>
           </a:p>
           <a:p>
             <a:pPr lvl="4"/>
-            <a:r>
-              <a:t/>
-            </a:r>
+            <a:endParaRPr/>
           </a:p>
         </p:txBody>
       </p:sp>
       <p:sp>
         <p:nvSpPr>
           <p:cNvPr id="14" name="Номер слайда"/>
-          <p:cNvSpPr txBox="1"/>
+          <p:cNvSpPr txBox="1">
+            <a:spLocks noGrp="1"/>
+          </p:cNvSpPr>
           <p:nvPr>
             <p:ph type="sldNum" sz="quarter" idx="2"/>
           </p:nvPr>
@@ -711,8 +714,10 @@
           <a:bodyPr/>
           <a:lstStyle/>
           <a:p>
-            <a:pPr/>
-            <a:fld id="{86CB4B4D-7CA3-9044-876B-883B54F8677D}" type="slidenum"/>
+            <a:fld id="{86CB4B4D-7CA3-9044-876B-883B54F8677D}" type="slidenum">
+              <a:t>‹#›</a:t>
+            </a:fld>
+            <a:endParaRPr/>
           </a:p>
         </p:txBody>
       </p:sp>
@@ -721,12 +726,12 @@
   <p:clrMapOvr>
     <a:masterClrMapping/>
   </p:clrMapOvr>
-  <p:transition xmlns:p14="http://schemas.microsoft.com/office/powerpoint/2010/main" spd="med" advClick="1"/>
+  <p:transition spd="med"/>
 </p:sldLayout>
 </file>
 
 <file path=ppt/slideLayouts/slideLayout10.xml><?xml version="1.0" encoding="utf-8"?>
-<p:sldLayout xmlns:a="http://schemas.openxmlformats.org/drawingml/2006/main" xmlns:r="http://schemas.openxmlformats.org/officeDocument/2006/relationships" xmlns:p="http://schemas.openxmlformats.org/presentationml/2006/main" xmlns:m="http://schemas.openxmlformats.org/officeDocument/2006/math" xmlns:a14="http://schemas.microsoft.com/office/drawing/2010/main" type="tx" showMasterSp="1" showMasterPhAnim="1">
+<p:sldLayout xmlns:a="http://schemas.openxmlformats.org/drawingml/2006/main" xmlns:r="http://schemas.openxmlformats.org/officeDocument/2006/relationships" xmlns:p="http://schemas.openxmlformats.org/presentationml/2006/main" type="tx">
   <p:cSld name="Информационное сообщение">
     <p:spTree>
       <p:nvGrpSpPr>
@@ -745,7 +750,9 @@
       <p:sp>
         <p:nvSpPr>
           <p:cNvPr id="98" name="Уровень текста 1…"/>
-          <p:cNvSpPr txBox="1"/>
+          <p:cNvSpPr txBox="1">
+            <a:spLocks noGrp="1"/>
+          </p:cNvSpPr>
           <p:nvPr>
             <p:ph type="body" sz="half" idx="1" hasCustomPrompt="1"/>
           </p:nvPr>
@@ -771,7 +778,7 @@
               </a:spcBef>
               <a:buSzTx/>
               <a:buNone/>
-              <a:defRPr spc="-232" sz="11600">
+              <a:defRPr sz="11600" spc="-232">
                 <a:latin typeface="Helvetica Neue Medium"/>
                 <a:ea typeface="Helvetica Neue Medium"/>
                 <a:cs typeface="Helvetica Neue Medium"/>
@@ -787,7 +794,7 @@
               </a:spcBef>
               <a:buSzTx/>
               <a:buNone/>
-              <a:defRPr spc="-232" sz="11600">
+              <a:defRPr sz="11600" spc="-232">
                 <a:latin typeface="Helvetica Neue Medium"/>
                 <a:ea typeface="Helvetica Neue Medium"/>
                 <a:cs typeface="Helvetica Neue Medium"/>
@@ -803,7 +810,7 @@
               </a:spcBef>
               <a:buSzTx/>
               <a:buNone/>
-              <a:defRPr spc="-232" sz="11600">
+              <a:defRPr sz="11600" spc="-232">
                 <a:latin typeface="Helvetica Neue Medium"/>
                 <a:ea typeface="Helvetica Neue Medium"/>
                 <a:cs typeface="Helvetica Neue Medium"/>
@@ -819,7 +826,7 @@
               </a:spcBef>
               <a:buSzTx/>
               <a:buNone/>
-              <a:defRPr spc="-232" sz="11600">
+              <a:defRPr sz="11600" spc="-232">
                 <a:latin typeface="Helvetica Neue Medium"/>
                 <a:ea typeface="Helvetica Neue Medium"/>
                 <a:cs typeface="Helvetica Neue Medium"/>
@@ -835,7 +842,7 @@
               </a:spcBef>
               <a:buSzTx/>
               <a:buNone/>
-              <a:defRPr spc="-232" sz="11600">
+              <a:defRPr sz="11600" spc="-232">
                 <a:latin typeface="Helvetica Neue Medium"/>
                 <a:ea typeface="Helvetica Neue Medium"/>
                 <a:cs typeface="Helvetica Neue Medium"/>
@@ -844,41 +851,34 @@
             </a:lvl5pPr>
           </a:lstStyle>
           <a:p>
-            <a:pPr/>
             <a:r>
               <a:t>Информационное сообщение</a:t>
             </a:r>
           </a:p>
           <a:p>
             <a:pPr lvl="1"/>
-            <a:r>
-              <a:t/>
-            </a:r>
+            <a:endParaRPr/>
           </a:p>
           <a:p>
             <a:pPr lvl="2"/>
-            <a:r>
-              <a:t/>
-            </a:r>
+            <a:endParaRPr/>
           </a:p>
           <a:p>
             <a:pPr lvl="3"/>
-            <a:r>
-              <a:t/>
-            </a:r>
+            <a:endParaRPr/>
           </a:p>
           <a:p>
             <a:pPr lvl="4"/>
-            <a:r>
-              <a:t/>
-            </a:r>
+            <a:endParaRPr/>
           </a:p>
         </p:txBody>
       </p:sp>
       <p:sp>
         <p:nvSpPr>
           <p:cNvPr id="99" name="Номер слайда"/>
-          <p:cNvSpPr txBox="1"/>
+          <p:cNvSpPr txBox="1">
+            <a:spLocks noGrp="1"/>
+          </p:cNvSpPr>
           <p:nvPr>
             <p:ph type="sldNum" sz="quarter" idx="2"/>
           </p:nvPr>
@@ -892,8 +892,10 @@
           <a:bodyPr/>
           <a:lstStyle/>
           <a:p>
-            <a:pPr/>
-            <a:fld id="{86CB4B4D-7CA3-9044-876B-883B54F8677D}" type="slidenum"/>
+            <a:fld id="{86CB4B4D-7CA3-9044-876B-883B54F8677D}" type="slidenum">
+              <a:t>‹#›</a:t>
+            </a:fld>
+            <a:endParaRPr/>
           </a:p>
         </p:txBody>
       </p:sp>
@@ -902,12 +904,12 @@
   <p:clrMapOvr>
     <a:masterClrMapping/>
   </p:clrMapOvr>
-  <p:transition xmlns:p14="http://schemas.microsoft.com/office/powerpoint/2010/main" spd="med" advClick="1"/>
+  <p:transition spd="med"/>
 </p:sldLayout>
 </file>
 
 <file path=ppt/slideLayouts/slideLayout11.xml><?xml version="1.0" encoding="utf-8"?>
-<p:sldLayout xmlns:a="http://schemas.openxmlformats.org/drawingml/2006/main" xmlns:r="http://schemas.openxmlformats.org/officeDocument/2006/relationships" xmlns:p="http://schemas.openxmlformats.org/presentationml/2006/main" xmlns:m="http://schemas.openxmlformats.org/officeDocument/2006/math" xmlns:a14="http://schemas.microsoft.com/office/drawing/2010/main" type="tx" showMasterSp="1" showMasterPhAnim="1">
+<p:sldLayout xmlns:a="http://schemas.openxmlformats.org/drawingml/2006/main" xmlns:r="http://schemas.openxmlformats.org/officeDocument/2006/relationships" xmlns:p="http://schemas.openxmlformats.org/presentationml/2006/main" type="tx">
   <p:cSld name="Важный факт">
     <p:spTree>
       <p:nvGrpSpPr>
@@ -926,7 +928,9 @@
       <p:sp>
         <p:nvSpPr>
           <p:cNvPr id="106" name="Информация о факте"/>
-          <p:cNvSpPr txBox="1"/>
+          <p:cNvSpPr txBox="1">
+            <a:spLocks noGrp="1"/>
+          </p:cNvSpPr>
           <p:nvPr>
             <p:ph type="body" sz="quarter" idx="21" hasCustomPrompt="1"/>
           </p:nvPr>
@@ -952,11 +956,10 @@
               </a:spcBef>
               <a:buSzTx/>
               <a:buNone/>
-              <a:defRPr b="1" sz="5500"/>
+              <a:defRPr sz="5500" b="1"/>
             </a:lvl1pPr>
           </a:lstStyle>
           <a:p>
-            <a:pPr/>
             <a:r>
               <a:t>Информация о факте</a:t>
             </a:r>
@@ -966,7 +969,9 @@
       <p:sp>
         <p:nvSpPr>
           <p:cNvPr id="107" name="Уровень текста 1…"/>
-          <p:cNvSpPr txBox="1"/>
+          <p:cNvSpPr txBox="1">
+            <a:spLocks noGrp="1"/>
+          </p:cNvSpPr>
           <p:nvPr>
             <p:ph type="body" idx="1" hasCustomPrompt="1"/>
           </p:nvPr>
@@ -992,7 +997,7 @@
               </a:spcBef>
               <a:buSzTx/>
               <a:buNone/>
-              <a:defRPr b="1" spc="-250" sz="25000"/>
+              <a:defRPr sz="25000" b="1" spc="-250"/>
             </a:lvl1pPr>
             <a:lvl2pPr marL="0" indent="457200" algn="ctr">
               <a:lnSpc>
@@ -1003,7 +1008,7 @@
               </a:spcBef>
               <a:buSzTx/>
               <a:buNone/>
-              <a:defRPr b="1" spc="-250" sz="25000"/>
+              <a:defRPr sz="25000" b="1" spc="-250"/>
             </a:lvl2pPr>
             <a:lvl3pPr marL="0" indent="914400" algn="ctr">
               <a:lnSpc>
@@ -1014,7 +1019,7 @@
               </a:spcBef>
               <a:buSzTx/>
               <a:buNone/>
-              <a:defRPr b="1" spc="-250" sz="25000"/>
+              <a:defRPr sz="25000" b="1" spc="-250"/>
             </a:lvl3pPr>
             <a:lvl4pPr marL="0" indent="1371600" algn="ctr">
               <a:lnSpc>
@@ -1025,7 +1030,7 @@
               </a:spcBef>
               <a:buSzTx/>
               <a:buNone/>
-              <a:defRPr b="1" spc="-250" sz="25000"/>
+              <a:defRPr sz="25000" b="1" spc="-250"/>
             </a:lvl4pPr>
             <a:lvl5pPr marL="0" indent="1828800" algn="ctr">
               <a:lnSpc>
@@ -1036,45 +1041,38 @@
               </a:spcBef>
               <a:buSzTx/>
               <a:buNone/>
-              <a:defRPr b="1" spc="-250" sz="25000"/>
+              <a:defRPr sz="25000" b="1" spc="-250"/>
             </a:lvl5pPr>
           </a:lstStyle>
           <a:p>
-            <a:pPr/>
             <a:r>
               <a:t>100 %</a:t>
             </a:r>
           </a:p>
           <a:p>
             <a:pPr lvl="1"/>
-            <a:r>
-              <a:t/>
-            </a:r>
+            <a:endParaRPr/>
           </a:p>
           <a:p>
             <a:pPr lvl="2"/>
-            <a:r>
-              <a:t/>
-            </a:r>
+            <a:endParaRPr/>
           </a:p>
           <a:p>
             <a:pPr lvl="3"/>
-            <a:r>
-              <a:t/>
-            </a:r>
+            <a:endParaRPr/>
           </a:p>
           <a:p>
             <a:pPr lvl="4"/>
-            <a:r>
-              <a:t/>
-            </a:r>
+            <a:endParaRPr/>
           </a:p>
         </p:txBody>
       </p:sp>
       <p:sp>
         <p:nvSpPr>
           <p:cNvPr id="108" name="Номер слайда"/>
-          <p:cNvSpPr txBox="1"/>
+          <p:cNvSpPr txBox="1">
+            <a:spLocks noGrp="1"/>
+          </p:cNvSpPr>
           <p:nvPr>
             <p:ph type="sldNum" sz="quarter" idx="2"/>
           </p:nvPr>
@@ -1088,8 +1086,10 @@
           <a:bodyPr/>
           <a:lstStyle/>
           <a:p>
-            <a:pPr/>
-            <a:fld id="{86CB4B4D-7CA3-9044-876B-883B54F8677D}" type="slidenum"/>
+            <a:fld id="{86CB4B4D-7CA3-9044-876B-883B54F8677D}" type="slidenum">
+              <a:t>‹#›</a:t>
+            </a:fld>
+            <a:endParaRPr/>
           </a:p>
         </p:txBody>
       </p:sp>
@@ -1098,12 +1098,12 @@
   <p:clrMapOvr>
     <a:masterClrMapping/>
   </p:clrMapOvr>
-  <p:transition xmlns:p14="http://schemas.microsoft.com/office/powerpoint/2010/main" spd="med" advClick="1"/>
+  <p:transition spd="med"/>
 </p:sldLayout>
 </file>
 
 <file path=ppt/slideLayouts/slideLayout12.xml><?xml version="1.0" encoding="utf-8"?>
-<p:sldLayout xmlns:a="http://schemas.openxmlformats.org/drawingml/2006/main" xmlns:r="http://schemas.openxmlformats.org/officeDocument/2006/relationships" xmlns:p="http://schemas.openxmlformats.org/presentationml/2006/main" xmlns:m="http://schemas.openxmlformats.org/officeDocument/2006/math" xmlns:a14="http://schemas.microsoft.com/office/drawing/2010/main" type="tx" showMasterSp="1" showMasterPhAnim="1">
+<p:sldLayout xmlns:a="http://schemas.openxmlformats.org/drawingml/2006/main" xmlns:r="http://schemas.openxmlformats.org/officeDocument/2006/relationships" xmlns:p="http://schemas.openxmlformats.org/presentationml/2006/main" type="tx">
   <p:cSld name="Цитата">
     <p:spTree>
       <p:nvGrpSpPr>
@@ -1122,7 +1122,9 @@
       <p:sp>
         <p:nvSpPr>
           <p:cNvPr id="115" name="Авторство"/>
-          <p:cNvSpPr txBox="1"/>
+          <p:cNvSpPr txBox="1">
+            <a:spLocks noGrp="1"/>
+          </p:cNvSpPr>
           <p:nvPr>
             <p:ph type="body" sz="quarter" idx="21" hasCustomPrompt="1"/>
           </p:nvPr>
@@ -1148,11 +1150,10 @@
               </a:spcBef>
               <a:buSzTx/>
               <a:buNone/>
-              <a:defRPr b="1" sz="3600"/>
+              <a:defRPr sz="3600" b="1"/>
             </a:lvl1pPr>
           </a:lstStyle>
           <a:p>
-            <a:pPr/>
             <a:r>
               <a:t>Авторство</a:t>
             </a:r>
@@ -1162,7 +1163,9 @@
       <p:sp>
         <p:nvSpPr>
           <p:cNvPr id="116" name="Уровень текста 1…"/>
-          <p:cNvSpPr txBox="1"/>
+          <p:cNvSpPr txBox="1">
+            <a:spLocks noGrp="1"/>
+          </p:cNvSpPr>
           <p:nvPr>
             <p:ph type="body" sz="half" idx="1" hasCustomPrompt="1"/>
           </p:nvPr>
@@ -1185,7 +1188,7 @@
               </a:spcBef>
               <a:buSzTx/>
               <a:buNone/>
-              <a:defRPr spc="-170" sz="8500">
+              <a:defRPr sz="8500" spc="-170">
                 <a:latin typeface="Helvetica Neue Medium"/>
                 <a:ea typeface="Helvetica Neue Medium"/>
                 <a:cs typeface="Helvetica Neue Medium"/>
@@ -1198,7 +1201,7 @@
               </a:spcBef>
               <a:buSzTx/>
               <a:buNone/>
-              <a:defRPr spc="-170" sz="8500">
+              <a:defRPr sz="8500" spc="-170">
                 <a:latin typeface="Helvetica Neue Medium"/>
                 <a:ea typeface="Helvetica Neue Medium"/>
                 <a:cs typeface="Helvetica Neue Medium"/>
@@ -1211,7 +1214,7 @@
               </a:spcBef>
               <a:buSzTx/>
               <a:buNone/>
-              <a:defRPr spc="-170" sz="8500">
+              <a:defRPr sz="8500" spc="-170">
                 <a:latin typeface="Helvetica Neue Medium"/>
                 <a:ea typeface="Helvetica Neue Medium"/>
                 <a:cs typeface="Helvetica Neue Medium"/>
@@ -1224,7 +1227,7 @@
               </a:spcBef>
               <a:buSzTx/>
               <a:buNone/>
-              <a:defRPr spc="-170" sz="8500">
+              <a:defRPr sz="8500" spc="-170">
                 <a:latin typeface="Helvetica Neue Medium"/>
                 <a:ea typeface="Helvetica Neue Medium"/>
                 <a:cs typeface="Helvetica Neue Medium"/>
@@ -1237,7 +1240,7 @@
               </a:spcBef>
               <a:buSzTx/>
               <a:buNone/>
-              <a:defRPr spc="-170" sz="8500">
+              <a:defRPr sz="8500" spc="-170">
                 <a:latin typeface="Helvetica Neue Medium"/>
                 <a:ea typeface="Helvetica Neue Medium"/>
                 <a:cs typeface="Helvetica Neue Medium"/>
@@ -1246,41 +1249,34 @@
             </a:lvl5pPr>
           </a:lstStyle>
           <a:p>
-            <a:pPr/>
             <a:r>
               <a:t>«Важная цитата»</a:t>
             </a:r>
           </a:p>
           <a:p>
             <a:pPr lvl="1"/>
-            <a:r>
-              <a:t/>
-            </a:r>
+            <a:endParaRPr/>
           </a:p>
           <a:p>
             <a:pPr lvl="2"/>
-            <a:r>
-              <a:t/>
-            </a:r>
+            <a:endParaRPr/>
           </a:p>
           <a:p>
             <a:pPr lvl="3"/>
-            <a:r>
-              <a:t/>
-            </a:r>
+            <a:endParaRPr/>
           </a:p>
           <a:p>
             <a:pPr lvl="4"/>
-            <a:r>
-              <a:t/>
-            </a:r>
+            <a:endParaRPr/>
           </a:p>
         </p:txBody>
       </p:sp>
       <p:sp>
         <p:nvSpPr>
           <p:cNvPr id="117" name="Номер слайда"/>
-          <p:cNvSpPr txBox="1"/>
+          <p:cNvSpPr txBox="1">
+            <a:spLocks noGrp="1"/>
+          </p:cNvSpPr>
           <p:nvPr>
             <p:ph type="sldNum" sz="quarter" idx="2"/>
           </p:nvPr>
@@ -1294,8 +1290,10 @@
           <a:bodyPr/>
           <a:lstStyle/>
           <a:p>
-            <a:pPr/>
-            <a:fld id="{86CB4B4D-7CA3-9044-876B-883B54F8677D}" type="slidenum"/>
+            <a:fld id="{86CB4B4D-7CA3-9044-876B-883B54F8677D}" type="slidenum">
+              <a:t>‹#›</a:t>
+            </a:fld>
+            <a:endParaRPr/>
           </a:p>
         </p:txBody>
       </p:sp>
@@ -1304,12 +1302,12 @@
   <p:clrMapOvr>
     <a:masterClrMapping/>
   </p:clrMapOvr>
-  <p:transition xmlns:p14="http://schemas.microsoft.com/office/powerpoint/2010/main" spd="med" advClick="1"/>
+  <p:transition spd="med"/>
 </p:sldLayout>
 </file>
 
 <file path=ppt/slideLayouts/slideLayout13.xml><?xml version="1.0" encoding="utf-8"?>
-<p:sldLayout xmlns:a="http://schemas.openxmlformats.org/drawingml/2006/main" xmlns:r="http://schemas.openxmlformats.org/officeDocument/2006/relationships" xmlns:p="http://schemas.openxmlformats.org/presentationml/2006/main" xmlns:m="http://schemas.openxmlformats.org/officeDocument/2006/math" xmlns:a14="http://schemas.microsoft.com/office/drawing/2010/main" type="tx" showMasterSp="1" showMasterPhAnim="1">
+<p:sldLayout xmlns:a="http://schemas.openxmlformats.org/drawingml/2006/main" xmlns:r="http://schemas.openxmlformats.org/officeDocument/2006/relationships" xmlns:p="http://schemas.openxmlformats.org/presentationml/2006/main" type="tx">
   <p:cSld name="Фото (3 шт.)">
     <p:spTree>
       <p:nvGrpSpPr>
@@ -1328,7 +1326,9 @@
       <p:sp>
         <p:nvSpPr>
           <p:cNvPr id="124" name="Крупный план дикорастущих растений между камнями"/>
-          <p:cNvSpPr/>
+          <p:cNvSpPr>
+            <a:spLocks noGrp="1"/>
+          </p:cNvSpPr>
           <p:nvPr>
             <p:ph type="pic" sz="quarter" idx="21"/>
           </p:nvPr>
@@ -1348,14 +1348,16 @@
           </a:bodyPr>
           <a:lstStyle/>
           <a:p>
-            <a:pPr/>
+            <a:endParaRPr/>
           </a:p>
         </p:txBody>
       </p:sp>
       <p:sp>
         <p:nvSpPr>
           <p:cNvPr id="125" name="Большая скала под тёмными облаками с грунтовой дорогой на переднем плане"/>
-          <p:cNvSpPr/>
+          <p:cNvSpPr>
+            <a:spLocks noGrp="1"/>
+          </p:cNvSpPr>
           <p:nvPr>
             <p:ph type="pic" idx="22"/>
           </p:nvPr>
@@ -1375,14 +1377,16 @@
           </a:bodyPr>
           <a:lstStyle/>
           <a:p>
-            <a:pPr/>
+            <a:endParaRPr/>
           </a:p>
         </p:txBody>
       </p:sp>
       <p:sp>
         <p:nvSpPr>
           <p:cNvPr id="126" name="Крупный план дикого растения между вулканическими камнями"/>
-          <p:cNvSpPr/>
+          <p:cNvSpPr>
+            <a:spLocks noGrp="1"/>
+          </p:cNvSpPr>
           <p:nvPr>
             <p:ph type="pic" sz="quarter" idx="23"/>
           </p:nvPr>
@@ -1402,14 +1406,16 @@
           </a:bodyPr>
           <a:lstStyle/>
           <a:p>
-            <a:pPr/>
+            <a:endParaRPr/>
           </a:p>
         </p:txBody>
       </p:sp>
       <p:sp>
         <p:nvSpPr>
           <p:cNvPr id="127" name="Номер слайда"/>
-          <p:cNvSpPr txBox="1"/>
+          <p:cNvSpPr txBox="1">
+            <a:spLocks noGrp="1"/>
+          </p:cNvSpPr>
           <p:nvPr>
             <p:ph type="sldNum" sz="quarter" idx="2"/>
           </p:nvPr>
@@ -1423,8 +1429,10 @@
           <a:bodyPr/>
           <a:lstStyle/>
           <a:p>
-            <a:pPr/>
-            <a:fld id="{86CB4B4D-7CA3-9044-876B-883B54F8677D}" type="slidenum"/>
+            <a:fld id="{86CB4B4D-7CA3-9044-876B-883B54F8677D}" type="slidenum">
+              <a:t>‹#›</a:t>
+            </a:fld>
+            <a:endParaRPr/>
           </a:p>
         </p:txBody>
       </p:sp>
@@ -1433,12 +1441,12 @@
   <p:clrMapOvr>
     <a:masterClrMapping/>
   </p:clrMapOvr>
-  <p:transition xmlns:p14="http://schemas.microsoft.com/office/powerpoint/2010/main" spd="med" advClick="1"/>
+  <p:transition spd="med"/>
 </p:sldLayout>
 </file>
 
 <file path=ppt/slideLayouts/slideLayout14.xml><?xml version="1.0" encoding="utf-8"?>
-<p:sldLayout xmlns:a="http://schemas.openxmlformats.org/drawingml/2006/main" xmlns:r="http://schemas.openxmlformats.org/officeDocument/2006/relationships" xmlns:p="http://schemas.openxmlformats.org/presentationml/2006/main" xmlns:m="http://schemas.openxmlformats.org/officeDocument/2006/math" xmlns:a14="http://schemas.microsoft.com/office/drawing/2010/main" type="tx" showMasterSp="1" showMasterPhAnim="1">
+<p:sldLayout xmlns:a="http://schemas.openxmlformats.org/drawingml/2006/main" xmlns:r="http://schemas.openxmlformats.org/officeDocument/2006/relationships" xmlns:p="http://schemas.openxmlformats.org/presentationml/2006/main" type="tx">
   <p:cSld name="Фото">
     <p:spTree>
       <p:nvGrpSpPr>
@@ -1457,7 +1465,9 @@
       <p:sp>
         <p:nvSpPr>
           <p:cNvPr id="134" name="водопад в окружении скал и растительности"/>
-          <p:cNvSpPr/>
+          <p:cNvSpPr>
+            <a:spLocks noGrp="1"/>
+          </p:cNvSpPr>
           <p:nvPr>
             <p:ph type="pic" idx="21"/>
           </p:nvPr>
@@ -1477,14 +1487,16 @@
           </a:bodyPr>
           <a:lstStyle/>
           <a:p>
-            <a:pPr/>
+            <a:endParaRPr/>
           </a:p>
         </p:txBody>
       </p:sp>
       <p:sp>
         <p:nvSpPr>
           <p:cNvPr id="135" name="Номер слайда"/>
-          <p:cNvSpPr txBox="1"/>
+          <p:cNvSpPr txBox="1">
+            <a:spLocks noGrp="1"/>
+          </p:cNvSpPr>
           <p:nvPr>
             <p:ph type="sldNum" sz="quarter" idx="2"/>
           </p:nvPr>
@@ -1498,8 +1510,10 @@
           <a:bodyPr/>
           <a:lstStyle/>
           <a:p>
-            <a:pPr/>
-            <a:fld id="{86CB4B4D-7CA3-9044-876B-883B54F8677D}" type="slidenum"/>
+            <a:fld id="{86CB4B4D-7CA3-9044-876B-883B54F8677D}" type="slidenum">
+              <a:t>‹#›</a:t>
+            </a:fld>
+            <a:endParaRPr/>
           </a:p>
         </p:txBody>
       </p:sp>
@@ -1508,12 +1522,12 @@
   <p:clrMapOvr>
     <a:masterClrMapping/>
   </p:clrMapOvr>
-  <p:transition xmlns:p14="http://schemas.microsoft.com/office/powerpoint/2010/main" spd="med" advClick="1"/>
+  <p:transition spd="med"/>
 </p:sldLayout>
 </file>
 
 <file path=ppt/slideLayouts/slideLayout15.xml><?xml version="1.0" encoding="utf-8"?>
-<p:sldLayout xmlns:a="http://schemas.openxmlformats.org/drawingml/2006/main" xmlns:r="http://schemas.openxmlformats.org/officeDocument/2006/relationships" xmlns:p="http://schemas.openxmlformats.org/presentationml/2006/main" xmlns:m="http://schemas.openxmlformats.org/officeDocument/2006/math" xmlns:a14="http://schemas.microsoft.com/office/drawing/2010/main" type="tx" showMasterSp="1" showMasterPhAnim="1">
+<p:sldLayout xmlns:a="http://schemas.openxmlformats.org/drawingml/2006/main" xmlns:r="http://schemas.openxmlformats.org/officeDocument/2006/relationships" xmlns:p="http://schemas.openxmlformats.org/presentationml/2006/main" type="tx">
   <p:cSld name="Пустой">
     <p:spTree>
       <p:nvGrpSpPr>
@@ -1532,7 +1546,9 @@
       <p:sp>
         <p:nvSpPr>
           <p:cNvPr id="142" name="Номер слайда"/>
-          <p:cNvSpPr txBox="1"/>
+          <p:cNvSpPr txBox="1">
+            <a:spLocks noGrp="1"/>
+          </p:cNvSpPr>
           <p:nvPr>
             <p:ph type="sldNum" sz="quarter" idx="2"/>
           </p:nvPr>
@@ -1546,8 +1562,10 @@
           <a:bodyPr/>
           <a:lstStyle/>
           <a:p>
-            <a:pPr/>
-            <a:fld id="{86CB4B4D-7CA3-9044-876B-883B54F8677D}" type="slidenum"/>
+            <a:fld id="{86CB4B4D-7CA3-9044-876B-883B54F8677D}" type="slidenum">
+              <a:t>‹#›</a:t>
+            </a:fld>
+            <a:endParaRPr/>
           </a:p>
         </p:txBody>
       </p:sp>
@@ -1556,12 +1574,12 @@
   <p:clrMapOvr>
     <a:masterClrMapping/>
   </p:clrMapOvr>
-  <p:transition xmlns:p14="http://schemas.microsoft.com/office/powerpoint/2010/main" spd="med" advClick="1"/>
+  <p:transition spd="med"/>
 </p:sldLayout>
 </file>
 
 <file path=ppt/slideLayouts/slideLayout2.xml><?xml version="1.0" encoding="utf-8"?>
-<p:sldLayout xmlns:a="http://schemas.openxmlformats.org/drawingml/2006/main" xmlns:r="http://schemas.openxmlformats.org/officeDocument/2006/relationships" xmlns:p="http://schemas.openxmlformats.org/presentationml/2006/main" xmlns:m="http://schemas.openxmlformats.org/officeDocument/2006/math" xmlns:a14="http://schemas.microsoft.com/office/drawing/2010/main" type="tx" showMasterSp="1" showMasterPhAnim="1">
+<p:sldLayout xmlns:a="http://schemas.openxmlformats.org/drawingml/2006/main" xmlns:r="http://schemas.openxmlformats.org/officeDocument/2006/relationships" xmlns:p="http://schemas.openxmlformats.org/presentationml/2006/main" type="tx">
   <p:cSld name="Заголовок и фото">
     <p:spTree>
       <p:nvGrpSpPr>
@@ -1580,7 +1598,9 @@
       <p:sp>
         <p:nvSpPr>
           <p:cNvPr id="21" name="Зелёный холмистый пейзаж"/>
-          <p:cNvSpPr/>
+          <p:cNvSpPr>
+            <a:spLocks noGrp="1"/>
+          </p:cNvSpPr>
           <p:nvPr>
             <p:ph type="pic" idx="21"/>
           </p:nvPr>
@@ -1600,14 +1620,16 @@
           </a:bodyPr>
           <a:lstStyle/>
           <a:p>
-            <a:pPr/>
+            <a:endParaRPr/>
           </a:p>
         </p:txBody>
       </p:sp>
       <p:sp>
         <p:nvSpPr>
           <p:cNvPr id="22" name="Заголовок презентации"/>
-          <p:cNvSpPr txBox="1"/>
+          <p:cNvSpPr txBox="1">
+            <a:spLocks noGrp="1"/>
+          </p:cNvSpPr>
           <p:nvPr>
             <p:ph type="title" hasCustomPrompt="1"/>
           </p:nvPr>
@@ -1625,11 +1647,10 @@
           <a:bodyPr anchor="b"/>
           <a:lstStyle>
             <a:lvl1pPr>
-              <a:defRPr spc="-232" sz="11600"/>
+              <a:defRPr sz="11600" spc="-232"/>
             </a:lvl1pPr>
           </a:lstStyle>
           <a:p>
-            <a:pPr/>
             <a:r>
               <a:t>Заголовок презентации</a:t>
             </a:r>
@@ -1639,7 +1660,9 @@
       <p:sp>
         <p:nvSpPr>
           <p:cNvPr id="23" name="Автор и дата"/>
-          <p:cNvSpPr txBox="1"/>
+          <p:cNvSpPr txBox="1">
+            <a:spLocks noGrp="1"/>
+          </p:cNvSpPr>
           <p:nvPr>
             <p:ph type="body" sz="quarter" idx="22" hasCustomPrompt="1"/>
           </p:nvPr>
@@ -1665,11 +1688,10 @@
               </a:spcBef>
               <a:buSzTx/>
               <a:buNone/>
-              <a:defRPr b="1" sz="3600"/>
+              <a:defRPr sz="3600" b="1"/>
             </a:lvl1pPr>
           </a:lstStyle>
           <a:p>
-            <a:pPr/>
             <a:r>
               <a:t>Автор и дата</a:t>
             </a:r>
@@ -1679,7 +1701,9 @@
       <p:sp>
         <p:nvSpPr>
           <p:cNvPr id="24" name="Уровень текста 1…"/>
-          <p:cNvSpPr txBox="1"/>
+          <p:cNvSpPr txBox="1">
+            <a:spLocks noGrp="1"/>
+          </p:cNvSpPr>
           <p:nvPr>
             <p:ph type="body" sz="quarter" idx="1" hasCustomPrompt="1"/>
           </p:nvPr>
@@ -1705,7 +1729,7 @@
               </a:spcBef>
               <a:buSzTx/>
               <a:buNone/>
-              <a:defRPr b="1" sz="5500"/>
+              <a:defRPr sz="5500" b="1"/>
             </a:lvl1pPr>
             <a:lvl2pPr marL="0" indent="457200" defTabSz="825500">
               <a:lnSpc>
@@ -1716,7 +1740,7 @@
               </a:spcBef>
               <a:buSzTx/>
               <a:buNone/>
-              <a:defRPr b="1" sz="5500"/>
+              <a:defRPr sz="5500" b="1"/>
             </a:lvl2pPr>
             <a:lvl3pPr marL="0" indent="914400" defTabSz="825500">
               <a:lnSpc>
@@ -1727,7 +1751,7 @@
               </a:spcBef>
               <a:buSzTx/>
               <a:buNone/>
-              <a:defRPr b="1" sz="5500"/>
+              <a:defRPr sz="5500" b="1"/>
             </a:lvl3pPr>
             <a:lvl4pPr marL="0" indent="1371600" defTabSz="825500">
               <a:lnSpc>
@@ -1738,7 +1762,7 @@
               </a:spcBef>
               <a:buSzTx/>
               <a:buNone/>
-              <a:defRPr b="1" sz="5500"/>
+              <a:defRPr sz="5500" b="1"/>
             </a:lvl4pPr>
             <a:lvl5pPr marL="0" indent="1828800" defTabSz="825500">
               <a:lnSpc>
@@ -1749,45 +1773,38 @@
               </a:spcBef>
               <a:buSzTx/>
               <a:buNone/>
-              <a:defRPr b="1" sz="5500"/>
+              <a:defRPr sz="5500" b="1"/>
             </a:lvl5pPr>
           </a:lstStyle>
           <a:p>
-            <a:pPr/>
             <a:r>
               <a:t>Подзаголовок презентации </a:t>
             </a:r>
           </a:p>
           <a:p>
             <a:pPr lvl="1"/>
-            <a:r>
-              <a:t/>
-            </a:r>
+            <a:endParaRPr/>
           </a:p>
           <a:p>
             <a:pPr lvl="2"/>
-            <a:r>
-              <a:t/>
-            </a:r>
+            <a:endParaRPr/>
           </a:p>
           <a:p>
             <a:pPr lvl="3"/>
-            <a:r>
-              <a:t/>
-            </a:r>
+            <a:endParaRPr/>
           </a:p>
           <a:p>
             <a:pPr lvl="4"/>
-            <a:r>
-              <a:t/>
-            </a:r>
+            <a:endParaRPr/>
           </a:p>
         </p:txBody>
       </p:sp>
       <p:sp>
         <p:nvSpPr>
           <p:cNvPr id="25" name="Номер слайда"/>
-          <p:cNvSpPr txBox="1"/>
+          <p:cNvSpPr txBox="1">
+            <a:spLocks noGrp="1"/>
+          </p:cNvSpPr>
           <p:nvPr>
             <p:ph type="sldNum" sz="quarter" idx="2"/>
           </p:nvPr>
@@ -1801,8 +1818,10 @@
           <a:bodyPr/>
           <a:lstStyle/>
           <a:p>
-            <a:pPr/>
-            <a:fld id="{86CB4B4D-7CA3-9044-876B-883B54F8677D}" type="slidenum"/>
+            <a:fld id="{86CB4B4D-7CA3-9044-876B-883B54F8677D}" type="slidenum">
+              <a:t>‹#›</a:t>
+            </a:fld>
+            <a:endParaRPr/>
           </a:p>
         </p:txBody>
       </p:sp>
@@ -1811,12 +1830,12 @@
   <p:clrMapOvr>
     <a:masterClrMapping/>
   </p:clrMapOvr>
-  <p:transition xmlns:p14="http://schemas.microsoft.com/office/powerpoint/2010/main" spd="med" advClick="1"/>
+  <p:transition spd="med"/>
 </p:sldLayout>
 </file>
 
 <file path=ppt/slideLayouts/slideLayout3.xml><?xml version="1.0" encoding="utf-8"?>
-<p:sldLayout xmlns:a="http://schemas.openxmlformats.org/drawingml/2006/main" xmlns:r="http://schemas.openxmlformats.org/officeDocument/2006/relationships" xmlns:p="http://schemas.openxmlformats.org/presentationml/2006/main" xmlns:m="http://schemas.openxmlformats.org/officeDocument/2006/math" xmlns:a14="http://schemas.microsoft.com/office/drawing/2010/main" type="tx" showMasterSp="1" showMasterPhAnim="1">
+<p:sldLayout xmlns:a="http://schemas.openxmlformats.org/drawingml/2006/main" xmlns:r="http://schemas.openxmlformats.org/officeDocument/2006/relationships" xmlns:p="http://schemas.openxmlformats.org/presentationml/2006/main" type="tx">
   <p:cSld name="Заголовок и фото (вариант)">
     <p:spTree>
       <p:nvGrpSpPr>
@@ -1835,7 +1854,9 @@
       <p:sp>
         <p:nvSpPr>
           <p:cNvPr id="32" name="Заголовок слайда"/>
-          <p:cNvSpPr txBox="1"/>
+          <p:cNvSpPr txBox="1">
+            <a:spLocks noGrp="1"/>
+          </p:cNvSpPr>
           <p:nvPr>
             <p:ph type="title" hasCustomPrompt="1"/>
           </p:nvPr>
@@ -1853,7 +1874,6 @@
           <a:bodyPr anchor="b"/>
           <a:lstStyle/>
           <a:p>
-            <a:pPr/>
             <a:r>
               <a:t>Заголовок слайда</a:t>
             </a:r>
@@ -1863,7 +1883,9 @@
       <p:sp>
         <p:nvSpPr>
           <p:cNvPr id="33" name="Уровень текста 1…"/>
-          <p:cNvSpPr txBox="1"/>
+          <p:cNvSpPr txBox="1">
+            <a:spLocks noGrp="1"/>
+          </p:cNvSpPr>
           <p:nvPr>
             <p:ph type="body" sz="quarter" idx="1" hasCustomPrompt="1"/>
           </p:nvPr>
@@ -1889,7 +1911,7 @@
               </a:spcBef>
               <a:buSzTx/>
               <a:buNone/>
-              <a:defRPr b="1" sz="5500"/>
+              <a:defRPr sz="5500" b="1"/>
             </a:lvl1pPr>
             <a:lvl2pPr marL="0" indent="457200" defTabSz="825500">
               <a:lnSpc>
@@ -1900,7 +1922,7 @@
               </a:spcBef>
               <a:buSzTx/>
               <a:buNone/>
-              <a:defRPr b="1" sz="5500"/>
+              <a:defRPr sz="5500" b="1"/>
             </a:lvl2pPr>
             <a:lvl3pPr marL="0" indent="914400" defTabSz="825500">
               <a:lnSpc>
@@ -1911,7 +1933,7 @@
               </a:spcBef>
               <a:buSzTx/>
               <a:buNone/>
-              <a:defRPr b="1" sz="5500"/>
+              <a:defRPr sz="5500" b="1"/>
             </a:lvl3pPr>
             <a:lvl4pPr marL="0" indent="1371600" defTabSz="825500">
               <a:lnSpc>
@@ -1922,7 +1944,7 @@
               </a:spcBef>
               <a:buSzTx/>
               <a:buNone/>
-              <a:defRPr b="1" sz="5500"/>
+              <a:defRPr sz="5500" b="1"/>
             </a:lvl4pPr>
             <a:lvl5pPr marL="0" indent="1828800" defTabSz="825500">
               <a:lnSpc>
@@ -1933,45 +1955,38 @@
               </a:spcBef>
               <a:buSzTx/>
               <a:buNone/>
-              <a:defRPr b="1" sz="5500"/>
+              <a:defRPr sz="5500" b="1"/>
             </a:lvl5pPr>
           </a:lstStyle>
           <a:p>
-            <a:pPr/>
             <a:r>
               <a:t>Подзаголовок слайда</a:t>
             </a:r>
           </a:p>
           <a:p>
             <a:pPr lvl="1"/>
-            <a:r>
-              <a:t/>
-            </a:r>
+            <a:endParaRPr/>
           </a:p>
           <a:p>
             <a:pPr lvl="2"/>
-            <a:r>
-              <a:t/>
-            </a:r>
+            <a:endParaRPr/>
           </a:p>
           <a:p>
             <a:pPr lvl="3"/>
-            <a:r>
-              <a:t/>
-            </a:r>
+            <a:endParaRPr/>
           </a:p>
           <a:p>
             <a:pPr lvl="4"/>
-            <a:r>
-              <a:t/>
-            </a:r>
+            <a:endParaRPr/>
           </a:p>
         </p:txBody>
       </p:sp>
       <p:sp>
         <p:nvSpPr>
           <p:cNvPr id="34" name="Камни, покрытые мхом"/>
-          <p:cNvSpPr/>
+          <p:cNvSpPr>
+            <a:spLocks noGrp="1"/>
+          </p:cNvSpPr>
           <p:nvPr>
             <p:ph type="pic" sz="half" idx="21"/>
           </p:nvPr>
@@ -1991,14 +2006,16 @@
           </a:bodyPr>
           <a:lstStyle/>
           <a:p>
-            <a:pPr/>
+            <a:endParaRPr/>
           </a:p>
         </p:txBody>
       </p:sp>
       <p:sp>
         <p:nvSpPr>
           <p:cNvPr id="35" name="Номер слайда"/>
-          <p:cNvSpPr txBox="1"/>
+          <p:cNvSpPr txBox="1">
+            <a:spLocks noGrp="1"/>
+          </p:cNvSpPr>
           <p:nvPr>
             <p:ph type="sldNum" sz="quarter" idx="2"/>
           </p:nvPr>
@@ -2016,8 +2033,10 @@
           <a:bodyPr/>
           <a:lstStyle/>
           <a:p>
-            <a:pPr/>
-            <a:fld id="{86CB4B4D-7CA3-9044-876B-883B54F8677D}" type="slidenum"/>
+            <a:fld id="{86CB4B4D-7CA3-9044-876B-883B54F8677D}" type="slidenum">
+              <a:t>‹#›</a:t>
+            </a:fld>
+            <a:endParaRPr/>
           </a:p>
         </p:txBody>
       </p:sp>
@@ -2026,12 +2045,12 @@
   <p:clrMapOvr>
     <a:masterClrMapping/>
   </p:clrMapOvr>
-  <p:transition xmlns:p14="http://schemas.microsoft.com/office/powerpoint/2010/main" spd="med" advClick="1"/>
+  <p:transition spd="med"/>
 </p:sldLayout>
 </file>
 
 <file path=ppt/slideLayouts/slideLayout4.xml><?xml version="1.0" encoding="utf-8"?>
-<p:sldLayout xmlns:a="http://schemas.openxmlformats.org/drawingml/2006/main" xmlns:r="http://schemas.openxmlformats.org/officeDocument/2006/relationships" xmlns:p="http://schemas.openxmlformats.org/presentationml/2006/main" xmlns:m="http://schemas.openxmlformats.org/officeDocument/2006/math" xmlns:a14="http://schemas.microsoft.com/office/drawing/2010/main" type="tx" showMasterSp="1" showMasterPhAnim="1">
+<p:sldLayout xmlns:a="http://schemas.openxmlformats.org/drawingml/2006/main" xmlns:r="http://schemas.openxmlformats.org/officeDocument/2006/relationships" xmlns:p="http://schemas.openxmlformats.org/presentationml/2006/main" type="tx">
   <p:cSld name="Заголовок и пункты">
     <p:spTree>
       <p:nvGrpSpPr>
@@ -2050,7 +2069,9 @@
       <p:sp>
         <p:nvSpPr>
           <p:cNvPr id="42" name="Заголовок слайда"/>
-          <p:cNvSpPr txBox="1"/>
+          <p:cNvSpPr txBox="1">
+            <a:spLocks noGrp="1"/>
+          </p:cNvSpPr>
           <p:nvPr>
             <p:ph type="title" hasCustomPrompt="1"/>
           </p:nvPr>
@@ -2064,7 +2085,6 @@
           <a:bodyPr/>
           <a:lstStyle/>
           <a:p>
-            <a:pPr/>
             <a:r>
               <a:t>Заголовок слайда</a:t>
             </a:r>
@@ -2074,7 +2094,9 @@
       <p:sp>
         <p:nvSpPr>
           <p:cNvPr id="43" name="Подзаголовок слайда"/>
-          <p:cNvSpPr txBox="1"/>
+          <p:cNvSpPr txBox="1">
+            <a:spLocks noGrp="1"/>
+          </p:cNvSpPr>
           <p:nvPr>
             <p:ph type="body" sz="quarter" idx="21" hasCustomPrompt="1"/>
           </p:nvPr>
@@ -2100,11 +2122,10 @@
               </a:spcBef>
               <a:buSzTx/>
               <a:buNone/>
-              <a:defRPr b="1" sz="5500"/>
+              <a:defRPr sz="5500" b="1"/>
             </a:lvl1pPr>
           </a:lstStyle>
           <a:p>
-            <a:pPr/>
             <a:r>
               <a:t>Подзаголовок слайда</a:t>
             </a:r>
@@ -2114,7 +2135,9 @@
       <p:sp>
         <p:nvSpPr>
           <p:cNvPr id="44" name="Уровень текста 1…"/>
-          <p:cNvSpPr txBox="1"/>
+          <p:cNvSpPr txBox="1">
+            <a:spLocks noGrp="1"/>
+          </p:cNvSpPr>
           <p:nvPr>
             <p:ph type="body" idx="1" hasCustomPrompt="1"/>
           </p:nvPr>
@@ -2128,41 +2151,34 @@
           <a:bodyPr/>
           <a:lstStyle/>
           <a:p>
-            <a:pPr/>
             <a:r>
               <a:t>Текст пункта на слайде</a:t>
             </a:r>
           </a:p>
           <a:p>
             <a:pPr lvl="1"/>
-            <a:r>
-              <a:t/>
-            </a:r>
+            <a:endParaRPr/>
           </a:p>
           <a:p>
             <a:pPr lvl="2"/>
-            <a:r>
-              <a:t/>
-            </a:r>
+            <a:endParaRPr/>
           </a:p>
           <a:p>
             <a:pPr lvl="3"/>
-            <a:r>
-              <a:t/>
-            </a:r>
+            <a:endParaRPr/>
           </a:p>
           <a:p>
             <a:pPr lvl="4"/>
-            <a:r>
-              <a:t/>
-            </a:r>
+            <a:endParaRPr/>
           </a:p>
         </p:txBody>
       </p:sp>
       <p:sp>
         <p:nvSpPr>
           <p:cNvPr id="45" name="Номер слайда"/>
-          <p:cNvSpPr txBox="1"/>
+          <p:cNvSpPr txBox="1">
+            <a:spLocks noGrp="1"/>
+          </p:cNvSpPr>
           <p:nvPr>
             <p:ph type="sldNum" sz="quarter" idx="2"/>
           </p:nvPr>
@@ -2176,8 +2192,10 @@
           <a:bodyPr/>
           <a:lstStyle/>
           <a:p>
-            <a:pPr/>
-            <a:fld id="{86CB4B4D-7CA3-9044-876B-883B54F8677D}" type="slidenum"/>
+            <a:fld id="{86CB4B4D-7CA3-9044-876B-883B54F8677D}" type="slidenum">
+              <a:t>‹#›</a:t>
+            </a:fld>
+            <a:endParaRPr/>
           </a:p>
         </p:txBody>
       </p:sp>
@@ -2186,12 +2204,12 @@
   <p:clrMapOvr>
     <a:masterClrMapping/>
   </p:clrMapOvr>
-  <p:transition xmlns:p14="http://schemas.microsoft.com/office/powerpoint/2010/main" spd="med" advClick="1"/>
+  <p:transition spd="med"/>
 </p:sldLayout>
 </file>
 
 <file path=ppt/slideLayouts/slideLayout5.xml><?xml version="1.0" encoding="utf-8"?>
-<p:sldLayout xmlns:a="http://schemas.openxmlformats.org/drawingml/2006/main" xmlns:r="http://schemas.openxmlformats.org/officeDocument/2006/relationships" xmlns:p="http://schemas.openxmlformats.org/presentationml/2006/main" xmlns:m="http://schemas.openxmlformats.org/officeDocument/2006/math" xmlns:a14="http://schemas.microsoft.com/office/drawing/2010/main" type="tx" showMasterSp="1" showMasterPhAnim="1">
+<p:sldLayout xmlns:a="http://schemas.openxmlformats.org/drawingml/2006/main" xmlns:r="http://schemas.openxmlformats.org/officeDocument/2006/relationships" xmlns:p="http://schemas.openxmlformats.org/presentationml/2006/main" type="tx">
   <p:cSld name="Пункты">
     <p:spTree>
       <p:nvGrpSpPr>
@@ -2210,7 +2228,9 @@
       <p:sp>
         <p:nvSpPr>
           <p:cNvPr id="52" name="Уровень текста 1…"/>
-          <p:cNvSpPr txBox="1"/>
+          <p:cNvSpPr txBox="1">
+            <a:spLocks noGrp="1"/>
+          </p:cNvSpPr>
           <p:nvPr>
             <p:ph type="body" idx="1" hasCustomPrompt="1"/>
           </p:nvPr>
@@ -2224,41 +2244,34 @@
           <a:bodyPr numCol="2" spcCol="1098550"/>
           <a:lstStyle/>
           <a:p>
-            <a:pPr/>
             <a:r>
               <a:t>Текст пункта на слайде</a:t>
             </a:r>
           </a:p>
           <a:p>
             <a:pPr lvl="1"/>
-            <a:r>
-              <a:t/>
-            </a:r>
+            <a:endParaRPr/>
           </a:p>
           <a:p>
             <a:pPr lvl="2"/>
-            <a:r>
-              <a:t/>
-            </a:r>
+            <a:endParaRPr/>
           </a:p>
           <a:p>
             <a:pPr lvl="3"/>
-            <a:r>
-              <a:t/>
-            </a:r>
+            <a:endParaRPr/>
           </a:p>
           <a:p>
             <a:pPr lvl="4"/>
-            <a:r>
-              <a:t/>
-            </a:r>
+            <a:endParaRPr/>
           </a:p>
         </p:txBody>
       </p:sp>
       <p:sp>
         <p:nvSpPr>
           <p:cNvPr id="53" name="Номер слайда"/>
-          <p:cNvSpPr txBox="1"/>
+          <p:cNvSpPr txBox="1">
+            <a:spLocks noGrp="1"/>
+          </p:cNvSpPr>
           <p:nvPr>
             <p:ph type="sldNum" sz="quarter" idx="2"/>
           </p:nvPr>
@@ -2272,8 +2285,10 @@
           <a:bodyPr/>
           <a:lstStyle/>
           <a:p>
-            <a:pPr/>
-            <a:fld id="{86CB4B4D-7CA3-9044-876B-883B54F8677D}" type="slidenum"/>
+            <a:fld id="{86CB4B4D-7CA3-9044-876B-883B54F8677D}" type="slidenum">
+              <a:t>‹#›</a:t>
+            </a:fld>
+            <a:endParaRPr/>
           </a:p>
         </p:txBody>
       </p:sp>
@@ -2282,12 +2297,12 @@
   <p:clrMapOvr>
     <a:masterClrMapping/>
   </p:clrMapOvr>
-  <p:transition xmlns:p14="http://schemas.microsoft.com/office/powerpoint/2010/main" spd="med" advClick="1"/>
+  <p:transition spd="med"/>
 </p:sldLayout>
 </file>
 
 <file path=ppt/slideLayouts/slideLayout6.xml><?xml version="1.0" encoding="utf-8"?>
-<p:sldLayout xmlns:a="http://schemas.openxmlformats.org/drawingml/2006/main" xmlns:r="http://schemas.openxmlformats.org/officeDocument/2006/relationships" xmlns:p="http://schemas.openxmlformats.org/presentationml/2006/main" xmlns:m="http://schemas.openxmlformats.org/officeDocument/2006/math" xmlns:a14="http://schemas.microsoft.com/office/drawing/2010/main" type="tx" showMasterSp="1" showMasterPhAnim="1">
+<p:sldLayout xmlns:a="http://schemas.openxmlformats.org/drawingml/2006/main" xmlns:r="http://schemas.openxmlformats.org/officeDocument/2006/relationships" xmlns:p="http://schemas.openxmlformats.org/presentationml/2006/main" type="tx">
   <p:cSld name="Заголовок, пункты и фото">
     <p:spTree>
       <p:nvGrpSpPr>
@@ -2306,7 +2321,9 @@
       <p:sp>
         <p:nvSpPr>
           <p:cNvPr id="60" name="Заголовок слайда"/>
-          <p:cNvSpPr txBox="1"/>
+          <p:cNvSpPr txBox="1">
+            <a:spLocks noGrp="1"/>
+          </p:cNvSpPr>
           <p:nvPr>
             <p:ph type="title" hasCustomPrompt="1"/>
           </p:nvPr>
@@ -2324,7 +2341,6 @@
           <a:bodyPr/>
           <a:lstStyle/>
           <a:p>
-            <a:pPr/>
             <a:r>
               <a:t>Заголовок слайда</a:t>
             </a:r>
@@ -2334,7 +2350,9 @@
       <p:sp>
         <p:nvSpPr>
           <p:cNvPr id="61" name="Подзаголовок слайда"/>
-          <p:cNvSpPr txBox="1"/>
+          <p:cNvSpPr txBox="1">
+            <a:spLocks noGrp="1"/>
+          </p:cNvSpPr>
           <p:nvPr>
             <p:ph type="body" sz="quarter" idx="21" hasCustomPrompt="1"/>
           </p:nvPr>
@@ -2360,11 +2378,10 @@
               </a:spcBef>
               <a:buSzTx/>
               <a:buNone/>
-              <a:defRPr b="1" sz="5500"/>
+              <a:defRPr sz="5500" b="1"/>
             </a:lvl1pPr>
           </a:lstStyle>
           <a:p>
-            <a:pPr/>
             <a:r>
               <a:t>Подзаголовок слайда</a:t>
             </a:r>
@@ -2374,7 +2391,9 @@
       <p:sp>
         <p:nvSpPr>
           <p:cNvPr id="62" name="Уровень текста 1…"/>
-          <p:cNvSpPr txBox="1"/>
+          <p:cNvSpPr txBox="1">
+            <a:spLocks noGrp="1"/>
+          </p:cNvSpPr>
           <p:nvPr>
             <p:ph type="body" sz="half" idx="1" hasCustomPrompt="1"/>
           </p:nvPr>
@@ -2392,41 +2411,34 @@
           <a:bodyPr/>
           <a:lstStyle/>
           <a:p>
-            <a:pPr/>
             <a:r>
               <a:t>Текст пункта на слайде</a:t>
             </a:r>
           </a:p>
           <a:p>
             <a:pPr lvl="1"/>
-            <a:r>
-              <a:t/>
-            </a:r>
+            <a:endParaRPr/>
           </a:p>
           <a:p>
             <a:pPr lvl="2"/>
-            <a:r>
-              <a:t/>
-            </a:r>
+            <a:endParaRPr/>
           </a:p>
           <a:p>
             <a:pPr lvl="3"/>
-            <a:r>
-              <a:t/>
-            </a:r>
+            <a:endParaRPr/>
           </a:p>
           <a:p>
             <a:pPr lvl="4"/>
-            <a:r>
-              <a:t/>
-            </a:r>
+            <a:endParaRPr/>
           </a:p>
         </p:txBody>
       </p:sp>
       <p:sp>
         <p:nvSpPr>
           <p:cNvPr id="63" name="Большая скала под тёмными облаками с грунтовой дорогой на переднем плане"/>
-          <p:cNvSpPr/>
+          <p:cNvSpPr>
+            <a:spLocks noGrp="1"/>
+          </p:cNvSpPr>
           <p:nvPr>
             <p:ph type="pic" idx="22"/>
           </p:nvPr>
@@ -2446,14 +2458,16 @@
           </a:bodyPr>
           <a:lstStyle/>
           <a:p>
-            <a:pPr/>
+            <a:endParaRPr/>
           </a:p>
         </p:txBody>
       </p:sp>
       <p:sp>
         <p:nvSpPr>
           <p:cNvPr id="64" name="Номер слайда"/>
-          <p:cNvSpPr txBox="1"/>
+          <p:cNvSpPr txBox="1">
+            <a:spLocks noGrp="1"/>
+          </p:cNvSpPr>
           <p:nvPr>
             <p:ph type="sldNum" sz="quarter" idx="2"/>
           </p:nvPr>
@@ -2467,8 +2481,10 @@
           <a:bodyPr/>
           <a:lstStyle/>
           <a:p>
-            <a:pPr/>
-            <a:fld id="{86CB4B4D-7CA3-9044-876B-883B54F8677D}" type="slidenum"/>
+            <a:fld id="{86CB4B4D-7CA3-9044-876B-883B54F8677D}" type="slidenum">
+              <a:t>‹#›</a:t>
+            </a:fld>
+            <a:endParaRPr/>
           </a:p>
         </p:txBody>
       </p:sp>
@@ -2477,12 +2493,12 @@
   <p:clrMapOvr>
     <a:masterClrMapping/>
   </p:clrMapOvr>
-  <p:transition xmlns:p14="http://schemas.microsoft.com/office/powerpoint/2010/main" spd="med" advClick="1"/>
+  <p:transition spd="med"/>
 </p:sldLayout>
 </file>
 
 <file path=ppt/slideLayouts/slideLayout7.xml><?xml version="1.0" encoding="utf-8"?>
-<p:sldLayout xmlns:a="http://schemas.openxmlformats.org/drawingml/2006/main" xmlns:r="http://schemas.openxmlformats.org/officeDocument/2006/relationships" xmlns:p="http://schemas.openxmlformats.org/presentationml/2006/main" xmlns:m="http://schemas.openxmlformats.org/officeDocument/2006/math" xmlns:a14="http://schemas.microsoft.com/office/drawing/2010/main" type="tx" showMasterSp="1" showMasterPhAnim="1">
+<p:sldLayout xmlns:a="http://schemas.openxmlformats.org/drawingml/2006/main" xmlns:r="http://schemas.openxmlformats.org/officeDocument/2006/relationships" xmlns:p="http://schemas.openxmlformats.org/presentationml/2006/main" type="tx">
   <p:cSld name="Раздел">
     <p:spTree>
       <p:nvGrpSpPr>
@@ -2501,7 +2517,9 @@
       <p:sp>
         <p:nvSpPr>
           <p:cNvPr id="71" name="Заголовок раздела"/>
-          <p:cNvSpPr txBox="1"/>
+          <p:cNvSpPr txBox="1">
+            <a:spLocks noGrp="1"/>
+          </p:cNvSpPr>
           <p:nvPr>
             <p:ph type="title" hasCustomPrompt="1"/>
           </p:nvPr>
@@ -2519,7 +2537,7 @@
           <a:bodyPr anchor="ctr"/>
           <a:lstStyle>
             <a:lvl1pPr>
-              <a:defRPr b="0" spc="-232" sz="11600">
+              <a:defRPr sz="11600" b="0" spc="-232">
                 <a:latin typeface="Helvetica Neue Medium"/>
                 <a:ea typeface="Helvetica Neue Medium"/>
                 <a:cs typeface="Helvetica Neue Medium"/>
@@ -2528,7 +2546,6 @@
             </a:lvl1pPr>
           </a:lstStyle>
           <a:p>
-            <a:pPr/>
             <a:r>
               <a:t>Заголовок раздела</a:t>
             </a:r>
@@ -2538,7 +2555,9 @@
       <p:sp>
         <p:nvSpPr>
           <p:cNvPr id="72" name="Номер слайда"/>
-          <p:cNvSpPr txBox="1"/>
+          <p:cNvSpPr txBox="1">
+            <a:spLocks noGrp="1"/>
+          </p:cNvSpPr>
           <p:nvPr>
             <p:ph type="sldNum" sz="quarter" idx="2"/>
           </p:nvPr>
@@ -2556,8 +2575,10 @@
           <a:bodyPr/>
           <a:lstStyle/>
           <a:p>
-            <a:pPr/>
-            <a:fld id="{86CB4B4D-7CA3-9044-876B-883B54F8677D}" type="slidenum"/>
+            <a:fld id="{86CB4B4D-7CA3-9044-876B-883B54F8677D}" type="slidenum">
+              <a:t>‹#›</a:t>
+            </a:fld>
+            <a:endParaRPr/>
           </a:p>
         </p:txBody>
       </p:sp>
@@ -2566,12 +2587,12 @@
   <p:clrMapOvr>
     <a:masterClrMapping/>
   </p:clrMapOvr>
-  <p:transition xmlns:p14="http://schemas.microsoft.com/office/powerpoint/2010/main" spd="med" advClick="1"/>
+  <p:transition spd="med"/>
 </p:sldLayout>
 </file>
 
 <file path=ppt/slideLayouts/slideLayout8.xml><?xml version="1.0" encoding="utf-8"?>
-<p:sldLayout xmlns:a="http://schemas.openxmlformats.org/drawingml/2006/main" xmlns:r="http://schemas.openxmlformats.org/officeDocument/2006/relationships" xmlns:p="http://schemas.openxmlformats.org/presentationml/2006/main" xmlns:m="http://schemas.openxmlformats.org/officeDocument/2006/math" xmlns:a14="http://schemas.microsoft.com/office/drawing/2010/main" type="tx" showMasterSp="1" showMasterPhAnim="1">
+<p:sldLayout xmlns:a="http://schemas.openxmlformats.org/drawingml/2006/main" xmlns:r="http://schemas.openxmlformats.org/officeDocument/2006/relationships" xmlns:p="http://schemas.openxmlformats.org/presentationml/2006/main" type="tx">
   <p:cSld name="Только заголовок">
     <p:spTree>
       <p:nvGrpSpPr>
@@ -2590,7 +2611,9 @@
       <p:sp>
         <p:nvSpPr>
           <p:cNvPr id="79" name="Заголовок слайда"/>
-          <p:cNvSpPr txBox="1"/>
+          <p:cNvSpPr txBox="1">
+            <a:spLocks noGrp="1"/>
+          </p:cNvSpPr>
           <p:nvPr>
             <p:ph type="title" hasCustomPrompt="1"/>
           </p:nvPr>
@@ -2608,7 +2631,6 @@
           <a:bodyPr/>
           <a:lstStyle/>
           <a:p>
-            <a:pPr/>
             <a:r>
               <a:t>Заголовок слайда</a:t>
             </a:r>
@@ -2618,7 +2640,9 @@
       <p:sp>
         <p:nvSpPr>
           <p:cNvPr id="80" name="Подзаголовок слайда"/>
-          <p:cNvSpPr txBox="1"/>
+          <p:cNvSpPr txBox="1">
+            <a:spLocks noGrp="1"/>
+          </p:cNvSpPr>
           <p:nvPr>
             <p:ph type="body" sz="quarter" idx="21" hasCustomPrompt="1"/>
           </p:nvPr>
@@ -2644,11 +2668,10 @@
               </a:spcBef>
               <a:buSzTx/>
               <a:buNone/>
-              <a:defRPr b="1" sz="5500"/>
+              <a:defRPr sz="5500" b="1"/>
             </a:lvl1pPr>
           </a:lstStyle>
           <a:p>
-            <a:pPr/>
             <a:r>
               <a:t>Подзаголовок слайда</a:t>
             </a:r>
@@ -2658,7 +2681,9 @@
       <p:sp>
         <p:nvSpPr>
           <p:cNvPr id="81" name="Номер слайда"/>
-          <p:cNvSpPr txBox="1"/>
+          <p:cNvSpPr txBox="1">
+            <a:spLocks noGrp="1"/>
+          </p:cNvSpPr>
           <p:nvPr>
             <p:ph type="sldNum" sz="quarter" idx="2"/>
           </p:nvPr>
@@ -2672,8 +2697,10 @@
           <a:bodyPr/>
           <a:lstStyle/>
           <a:p>
-            <a:pPr/>
-            <a:fld id="{86CB4B4D-7CA3-9044-876B-883B54F8677D}" type="slidenum"/>
+            <a:fld id="{86CB4B4D-7CA3-9044-876B-883B54F8677D}" type="slidenum">
+              <a:t>‹#›</a:t>
+            </a:fld>
+            <a:endParaRPr/>
           </a:p>
         </p:txBody>
       </p:sp>
@@ -2682,12 +2709,12 @@
   <p:clrMapOvr>
     <a:masterClrMapping/>
   </p:clrMapOvr>
-  <p:transition xmlns:p14="http://schemas.microsoft.com/office/powerpoint/2010/main" spd="med" advClick="1"/>
+  <p:transition spd="med"/>
 </p:sldLayout>
 </file>
 
 <file path=ppt/slideLayouts/slideLayout9.xml><?xml version="1.0" encoding="utf-8"?>
-<p:sldLayout xmlns:a="http://schemas.openxmlformats.org/drawingml/2006/main" xmlns:r="http://schemas.openxmlformats.org/officeDocument/2006/relationships" xmlns:p="http://schemas.openxmlformats.org/presentationml/2006/main" xmlns:m="http://schemas.openxmlformats.org/officeDocument/2006/math" xmlns:a14="http://schemas.microsoft.com/office/drawing/2010/main" type="tx" showMasterSp="1" showMasterPhAnim="1">
+<p:sldLayout xmlns:a="http://schemas.openxmlformats.org/drawingml/2006/main" xmlns:r="http://schemas.openxmlformats.org/officeDocument/2006/relationships" xmlns:p="http://schemas.openxmlformats.org/presentationml/2006/main" type="tx">
   <p:cSld name="Повестка дня">
     <p:spTree>
       <p:nvGrpSpPr>
@@ -2706,7 +2733,9 @@
       <p:sp>
         <p:nvSpPr>
           <p:cNvPr id="88" name="Заголовок повестки дня"/>
-          <p:cNvSpPr txBox="1"/>
+          <p:cNvSpPr txBox="1">
+            <a:spLocks noGrp="1"/>
+          </p:cNvSpPr>
           <p:nvPr>
             <p:ph type="title" hasCustomPrompt="1"/>
           </p:nvPr>
@@ -2724,7 +2753,6 @@
           <a:bodyPr/>
           <a:lstStyle/>
           <a:p>
-            <a:pPr/>
             <a:r>
               <a:t>Заголовок повестки дня</a:t>
             </a:r>
@@ -2734,7 +2762,9 @@
       <p:sp>
         <p:nvSpPr>
           <p:cNvPr id="89" name="Подзаголовок повестки дня"/>
-          <p:cNvSpPr txBox="1"/>
+          <p:cNvSpPr txBox="1">
+            <a:spLocks noGrp="1"/>
+          </p:cNvSpPr>
           <p:nvPr>
             <p:ph type="body" sz="quarter" idx="21" hasCustomPrompt="1"/>
           </p:nvPr>
@@ -2760,11 +2790,10 @@
               </a:spcBef>
               <a:buSzTx/>
               <a:buNone/>
-              <a:defRPr b="1" sz="5500"/>
+              <a:defRPr sz="5500" b="1"/>
             </a:lvl1pPr>
           </a:lstStyle>
           <a:p>
-            <a:pPr/>
             <a:r>
               <a:t>Подзаголовок повестки дня</a:t>
             </a:r>
@@ -2774,7 +2803,9 @@
       <p:sp>
         <p:nvSpPr>
           <p:cNvPr id="90" name="Уровень текста 1…"/>
-          <p:cNvSpPr txBox="1"/>
+          <p:cNvSpPr txBox="1">
+            <a:spLocks noGrp="1"/>
+          </p:cNvSpPr>
           <p:nvPr>
             <p:ph type="body" idx="1" hasCustomPrompt="1"/>
           </p:nvPr>
@@ -2796,7 +2827,7 @@
               </a:spcBef>
               <a:buSzTx/>
               <a:buNone/>
-              <a:defRPr spc="-55" sz="5500"/>
+              <a:defRPr sz="5500" spc="-55"/>
             </a:lvl1pPr>
             <a:lvl2pPr marL="0" indent="457200" defTabSz="825500">
               <a:lnSpc>
@@ -2807,7 +2838,7 @@
               </a:spcBef>
               <a:buSzTx/>
               <a:buNone/>
-              <a:defRPr spc="-55" sz="5500"/>
+              <a:defRPr sz="5500" spc="-55"/>
             </a:lvl2pPr>
             <a:lvl3pPr marL="0" indent="914400" defTabSz="825500">
               <a:lnSpc>
@@ -2818,7 +2849,7 @@
               </a:spcBef>
               <a:buSzTx/>
               <a:buNone/>
-              <a:defRPr spc="-55" sz="5500"/>
+              <a:defRPr sz="5500" spc="-55"/>
             </a:lvl3pPr>
             <a:lvl4pPr marL="0" indent="1371600" defTabSz="825500">
               <a:lnSpc>
@@ -2829,7 +2860,7 @@
               </a:spcBef>
               <a:buSzTx/>
               <a:buNone/>
-              <a:defRPr spc="-55" sz="5500"/>
+              <a:defRPr sz="5500" spc="-55"/>
             </a:lvl4pPr>
             <a:lvl5pPr marL="0" indent="1828800" defTabSz="825500">
               <a:lnSpc>
@@ -2840,45 +2871,38 @@
               </a:spcBef>
               <a:buSzTx/>
               <a:buNone/>
-              <a:defRPr spc="-55" sz="5500"/>
+              <a:defRPr sz="5500" spc="-55"/>
             </a:lvl5pPr>
           </a:lstStyle>
           <a:p>
-            <a:pPr/>
             <a:r>
               <a:t>Темы повестки дня</a:t>
             </a:r>
           </a:p>
           <a:p>
             <a:pPr lvl="1"/>
-            <a:r>
-              <a:t/>
-            </a:r>
+            <a:endParaRPr/>
           </a:p>
           <a:p>
             <a:pPr lvl="2"/>
-            <a:r>
-              <a:t/>
-            </a:r>
+            <a:endParaRPr/>
           </a:p>
           <a:p>
             <a:pPr lvl="3"/>
-            <a:r>
-              <a:t/>
-            </a:r>
+            <a:endParaRPr/>
           </a:p>
           <a:p>
             <a:pPr lvl="4"/>
-            <a:r>
-              <a:t/>
-            </a:r>
+            <a:endParaRPr/>
           </a:p>
         </p:txBody>
       </p:sp>
       <p:sp>
         <p:nvSpPr>
           <p:cNvPr id="91" name="Номер слайда"/>
-          <p:cNvSpPr txBox="1"/>
+          <p:cNvSpPr txBox="1">
+            <a:spLocks noGrp="1"/>
+          </p:cNvSpPr>
           <p:nvPr>
             <p:ph type="sldNum" sz="quarter" idx="2"/>
           </p:nvPr>
@@ -2892,8 +2916,10 @@
           <a:bodyPr/>
           <a:lstStyle/>
           <a:p>
-            <a:pPr/>
-            <a:fld id="{86CB4B4D-7CA3-9044-876B-883B54F8677D}" type="slidenum"/>
+            <a:fld id="{86CB4B4D-7CA3-9044-876B-883B54F8677D}" type="slidenum">
+              <a:t>‹#›</a:t>
+            </a:fld>
+            <a:endParaRPr/>
           </a:p>
         </p:txBody>
       </p:sp>
@@ -2902,18 +2928,19 @@
   <p:clrMapOvr>
     <a:masterClrMapping/>
   </p:clrMapOvr>
-  <p:transition xmlns:p14="http://schemas.microsoft.com/office/powerpoint/2010/main" spd="med" advClick="1"/>
+  <p:transition spd="med"/>
 </p:sldLayout>
 </file>
 
 <file path=ppt/slideMasters/slideMaster1.xml><?xml version="1.0" encoding="utf-8"?>
-<p:sldMaster xmlns:a="http://schemas.openxmlformats.org/drawingml/2006/main" xmlns:r="http://schemas.openxmlformats.org/officeDocument/2006/relationships" xmlns:p="http://schemas.openxmlformats.org/presentationml/2006/main" xmlns:m="http://schemas.openxmlformats.org/officeDocument/2006/math" xmlns:a14="http://schemas.microsoft.com/office/drawing/2010/main">
+<p:sldMaster xmlns:a="http://schemas.openxmlformats.org/drawingml/2006/main" xmlns:r="http://schemas.openxmlformats.org/officeDocument/2006/relationships" xmlns:p="http://schemas.openxmlformats.org/presentationml/2006/main">
   <p:cSld>
     <p:bg>
       <p:bgPr>
         <a:solidFill>
           <a:srgbClr val="000000"/>
         </a:solidFill>
+        <a:effectLst/>
       </p:bgPr>
     </p:bg>
     <p:spTree>
@@ -2933,7 +2960,9 @@
       <p:sp>
         <p:nvSpPr>
           <p:cNvPr id="2" name="Заголовок слайда"/>
-          <p:cNvSpPr txBox="1"/>
+          <p:cNvSpPr txBox="1">
+            <a:spLocks noGrp="1"/>
+          </p:cNvSpPr>
           <p:nvPr>
             <p:ph type="title" hasCustomPrompt="1"/>
           </p:nvPr>
@@ -2951,17 +2980,16 @@
           </a:ln>
           <a:extLst>
             <a:ext uri="{C572A759-6A51-4108-AA02-DFA0A04FC94B}">
-              <ma14:wrappingTextBoxFlag xmlns:ma14="http://schemas.microsoft.com/office/mac/drawingml/2011/main" val="1"/>
+              <ma14:wrappingTextBoxFlag xmlns:ma14="http://schemas.microsoft.com/office/mac/drawingml/2011/main" xmlns:a14="http://schemas.microsoft.com/office/drawing/2010/main" xmlns:m="http://schemas.openxmlformats.org/officeDocument/2006/math" xmlns="" val="1"/>
             </a:ext>
           </a:extLst>
         </p:spPr>
         <p:txBody>
           <a:bodyPr lIns="50800" tIns="50800" rIns="50800" bIns="50800">
-            <a:normAutofit fontScale="100000" lnSpcReduction="0"/>
+            <a:normAutofit/>
           </a:bodyPr>
           <a:lstStyle/>
           <a:p>
-            <a:pPr/>
             <a:r>
               <a:t>Заголовок слайда</a:t>
             </a:r>
@@ -2971,7 +2999,9 @@
       <p:sp>
         <p:nvSpPr>
           <p:cNvPr id="3" name="Уровень текста 1…"/>
-          <p:cNvSpPr txBox="1"/>
+          <p:cNvSpPr txBox="1">
+            <a:spLocks noGrp="1"/>
+          </p:cNvSpPr>
           <p:nvPr>
             <p:ph type="body" idx="1" hasCustomPrompt="1"/>
           </p:nvPr>
@@ -2989,51 +3019,44 @@
           </a:ln>
           <a:extLst>
             <a:ext uri="{C572A759-6A51-4108-AA02-DFA0A04FC94B}">
-              <ma14:wrappingTextBoxFlag xmlns:ma14="http://schemas.microsoft.com/office/mac/drawingml/2011/main" val="1"/>
+              <ma14:wrappingTextBoxFlag xmlns:ma14="http://schemas.microsoft.com/office/mac/drawingml/2011/main" xmlns:a14="http://schemas.microsoft.com/office/drawing/2010/main" xmlns:m="http://schemas.openxmlformats.org/officeDocument/2006/math" xmlns="" val="1"/>
             </a:ext>
           </a:extLst>
         </p:spPr>
         <p:txBody>
           <a:bodyPr lIns="50800" tIns="50800" rIns="50800" bIns="50800">
-            <a:normAutofit fontScale="100000" lnSpcReduction="0"/>
+            <a:normAutofit/>
           </a:bodyPr>
           <a:lstStyle/>
           <a:p>
-            <a:pPr/>
             <a:r>
               <a:t>Текст пункта на слайде</a:t>
             </a:r>
           </a:p>
           <a:p>
             <a:pPr lvl="1"/>
-            <a:r>
-              <a:t/>
-            </a:r>
+            <a:endParaRPr/>
           </a:p>
           <a:p>
             <a:pPr lvl="2"/>
-            <a:r>
-              <a:t/>
-            </a:r>
+            <a:endParaRPr/>
           </a:p>
           <a:p>
             <a:pPr lvl="3"/>
-            <a:r>
-              <a:t/>
-            </a:r>
+            <a:endParaRPr/>
           </a:p>
           <a:p>
             <a:pPr lvl="4"/>
-            <a:r>
-              <a:t/>
-            </a:r>
+            <a:endParaRPr/>
           </a:p>
         </p:txBody>
       </p:sp>
       <p:sp>
         <p:nvSpPr>
           <p:cNvPr id="4" name="Номер слайда"/>
-          <p:cNvSpPr txBox="1"/>
+          <p:cNvSpPr txBox="1">
+            <a:spLocks noGrp="1"/>
+          </p:cNvSpPr>
           <p:nvPr>
             <p:ph type="sldNum" sz="quarter" idx="2"/>
           </p:nvPr>
@@ -3060,8 +3083,10 @@
             </a:lvl1pPr>
           </a:lstStyle>
           <a:p>
-            <a:pPr/>
-            <a:fld id="{86CB4B4D-7CA3-9044-876B-883B54F8677D}" type="slidenum"/>
+            <a:fld id="{86CB4B4D-7CA3-9044-876B-883B54F8677D}" type="slidenum">
+              <a:t>‹#›</a:t>
+            </a:fld>
+            <a:endParaRPr/>
           </a:p>
         </p:txBody>
       </p:sp>
@@ -3069,23 +3094,23 @@
   </p:cSld>
   <p:clrMap bg1="dk1" tx1="lt1" bg2="dk2" tx2="lt2" accent1="accent1" accent2="accent2" accent3="accent3" accent4="accent4" accent5="accent5" accent6="accent6" hlink="hlink" folHlink="folHlink"/>
   <p:sldLayoutIdLst>
-    <p:sldLayoutId id="2147483649" r:id="rId2"/>
-    <p:sldLayoutId id="2147483650" r:id="rId3"/>
-    <p:sldLayoutId id="2147483651" r:id="rId4"/>
-    <p:sldLayoutId id="2147483652" r:id="rId5"/>
-    <p:sldLayoutId id="2147483653" r:id="rId6"/>
-    <p:sldLayoutId id="2147483654" r:id="rId7"/>
-    <p:sldLayoutId id="2147483655" r:id="rId8"/>
-    <p:sldLayoutId id="2147483656" r:id="rId9"/>
-    <p:sldLayoutId id="2147483657" r:id="rId10"/>
-    <p:sldLayoutId id="2147483658" r:id="rId11"/>
-    <p:sldLayoutId id="2147483659" r:id="rId12"/>
-    <p:sldLayoutId id="2147483660" r:id="rId13"/>
-    <p:sldLayoutId id="2147483661" r:id="rId14"/>
-    <p:sldLayoutId id="2147483662" r:id="rId15"/>
-    <p:sldLayoutId id="2147483663" r:id="rId16"/>
+    <p:sldLayoutId id="2147483649" r:id="rId1"/>
+    <p:sldLayoutId id="2147483650" r:id="rId2"/>
+    <p:sldLayoutId id="2147483651" r:id="rId3"/>
+    <p:sldLayoutId id="2147483652" r:id="rId4"/>
+    <p:sldLayoutId id="2147483653" r:id="rId5"/>
+    <p:sldLayoutId id="2147483654" r:id="rId6"/>
+    <p:sldLayoutId id="2147483655" r:id="rId7"/>
+    <p:sldLayoutId id="2147483656" r:id="rId8"/>
+    <p:sldLayoutId id="2147483657" r:id="rId9"/>
+    <p:sldLayoutId id="2147483658" r:id="rId10"/>
+    <p:sldLayoutId id="2147483659" r:id="rId11"/>
+    <p:sldLayoutId id="2147483660" r:id="rId12"/>
+    <p:sldLayoutId id="2147483661" r:id="rId13"/>
+    <p:sldLayoutId id="2147483662" r:id="rId14"/>
+    <p:sldLayoutId id="2147483663" r:id="rId15"/>
   </p:sldLayoutIdLst>
-  <p:transition xmlns:p14="http://schemas.microsoft.com/office/powerpoint/2010/main" spd="med" advClick="1"/>
+  <p:transition spd="med"/>
   <p:txStyles>
     <p:titleStyle>
       <a:lvl1pPr marL="0" marR="0" indent="0" algn="l" defTabSz="2438338" rtl="0" latinLnBrk="0">
@@ -3103,7 +3128,7 @@
         <a:buFontTx/>
         <a:buNone/>
         <a:tabLst/>
-        <a:defRPr b="1" baseline="0" cap="none" i="0" spc="-170" strike="noStrike" sz="8500" u="none">
+        <a:defRPr sz="8500" b="1" i="0" u="none" strike="noStrike" cap="none" spc="-170" baseline="0">
           <a:solidFill>
             <a:srgbClr val="FFFFFF"/>
           </a:solidFill>
@@ -3129,7 +3154,7 @@
         <a:buFontTx/>
         <a:buNone/>
         <a:tabLst/>
-        <a:defRPr b="1" baseline="0" cap="none" i="0" spc="-170" strike="noStrike" sz="8500" u="none">
+        <a:defRPr sz="8500" b="1" i="0" u="none" strike="noStrike" cap="none" spc="-170" baseline="0">
           <a:solidFill>
             <a:srgbClr val="FFFFFF"/>
           </a:solidFill>
@@ -3155,7 +3180,7 @@
         <a:buFontTx/>
         <a:buNone/>
         <a:tabLst/>
-        <a:defRPr b="1" baseline="0" cap="none" i="0" spc="-170" strike="noStrike" sz="8500" u="none">
+        <a:defRPr sz="8500" b="1" i="0" u="none" strike="noStrike" cap="none" spc="-170" baseline="0">
           <a:solidFill>
             <a:srgbClr val="FFFFFF"/>
           </a:solidFill>
@@ -3181,7 +3206,7 @@
         <a:buFontTx/>
         <a:buNone/>
         <a:tabLst/>
-        <a:defRPr b="1" baseline="0" cap="none" i="0" spc="-170" strike="noStrike" sz="8500" u="none">
+        <a:defRPr sz="8500" b="1" i="0" u="none" strike="noStrike" cap="none" spc="-170" baseline="0">
           <a:solidFill>
             <a:srgbClr val="FFFFFF"/>
           </a:solidFill>
@@ -3207,7 +3232,7 @@
         <a:buFontTx/>
         <a:buNone/>
         <a:tabLst/>
-        <a:defRPr b="1" baseline="0" cap="none" i="0" spc="-170" strike="noStrike" sz="8500" u="none">
+        <a:defRPr sz="8500" b="1" i="0" u="none" strike="noStrike" cap="none" spc="-170" baseline="0">
           <a:solidFill>
             <a:srgbClr val="FFFFFF"/>
           </a:solidFill>
@@ -3233,7 +3258,7 @@
         <a:buFontTx/>
         <a:buNone/>
         <a:tabLst/>
-        <a:defRPr b="1" baseline="0" cap="none" i="0" spc="-170" strike="noStrike" sz="8500" u="none">
+        <a:defRPr sz="8500" b="1" i="0" u="none" strike="noStrike" cap="none" spc="-170" baseline="0">
           <a:solidFill>
             <a:srgbClr val="FFFFFF"/>
           </a:solidFill>
@@ -3259,7 +3284,7 @@
         <a:buFontTx/>
         <a:buNone/>
         <a:tabLst/>
-        <a:defRPr b="1" baseline="0" cap="none" i="0" spc="-170" strike="noStrike" sz="8500" u="none">
+        <a:defRPr sz="8500" b="1" i="0" u="none" strike="noStrike" cap="none" spc="-170" baseline="0">
           <a:solidFill>
             <a:srgbClr val="FFFFFF"/>
           </a:solidFill>
@@ -3285,7 +3310,7 @@
         <a:buFontTx/>
         <a:buNone/>
         <a:tabLst/>
-        <a:defRPr b="1" baseline="0" cap="none" i="0" spc="-170" strike="noStrike" sz="8500" u="none">
+        <a:defRPr sz="8500" b="1" i="0" u="none" strike="noStrike" cap="none" spc="-170" baseline="0">
           <a:solidFill>
             <a:srgbClr val="FFFFFF"/>
           </a:solidFill>
@@ -3311,7 +3336,7 @@
         <a:buFontTx/>
         <a:buNone/>
         <a:tabLst/>
-        <a:defRPr b="1" baseline="0" cap="none" i="0" spc="-170" strike="noStrike" sz="8500" u="none">
+        <a:defRPr sz="8500" b="1" i="0" u="none" strike="noStrike" cap="none" spc="-170" baseline="0">
           <a:solidFill>
             <a:srgbClr val="FFFFFF"/>
           </a:solidFill>
@@ -3339,7 +3364,7 @@
         <a:buFontTx/>
         <a:buChar char="•"/>
         <a:tabLst/>
-        <a:defRPr b="0" baseline="0" cap="none" i="0" spc="0" strike="noStrike" sz="4800" u="none">
+        <a:defRPr sz="4800" b="0" i="0" u="none" strike="noStrike" cap="none" spc="0" baseline="0">
           <a:solidFill>
             <a:srgbClr val="FFFFFF"/>
           </a:solidFill>
@@ -3365,7 +3390,7 @@
         <a:buFontTx/>
         <a:buChar char="•"/>
         <a:tabLst/>
-        <a:defRPr b="0" baseline="0" cap="none" i="0" spc="0" strike="noStrike" sz="4800" u="none">
+        <a:defRPr sz="4800" b="0" i="0" u="none" strike="noStrike" cap="none" spc="0" baseline="0">
           <a:solidFill>
             <a:srgbClr val="FFFFFF"/>
           </a:solidFill>
@@ -3391,7 +3416,7 @@
         <a:buFontTx/>
         <a:buChar char="•"/>
         <a:tabLst/>
-        <a:defRPr b="0" baseline="0" cap="none" i="0" spc="0" strike="noStrike" sz="4800" u="none">
+        <a:defRPr sz="4800" b="0" i="0" u="none" strike="noStrike" cap="none" spc="0" baseline="0">
           <a:solidFill>
             <a:srgbClr val="FFFFFF"/>
           </a:solidFill>
@@ -3417,7 +3442,7 @@
         <a:buFontTx/>
         <a:buChar char="•"/>
         <a:tabLst/>
-        <a:defRPr b="0" baseline="0" cap="none" i="0" spc="0" strike="noStrike" sz="4800" u="none">
+        <a:defRPr sz="4800" b="0" i="0" u="none" strike="noStrike" cap="none" spc="0" baseline="0">
           <a:solidFill>
             <a:srgbClr val="FFFFFF"/>
           </a:solidFill>
@@ -3443,7 +3468,7 @@
         <a:buFontTx/>
         <a:buChar char="•"/>
         <a:tabLst/>
-        <a:defRPr b="0" baseline="0" cap="none" i="0" spc="0" strike="noStrike" sz="4800" u="none">
+        <a:defRPr sz="4800" b="0" i="0" u="none" strike="noStrike" cap="none" spc="0" baseline="0">
           <a:solidFill>
             <a:srgbClr val="FFFFFF"/>
           </a:solidFill>
@@ -3469,7 +3494,7 @@
         <a:buFontTx/>
         <a:buChar char="•"/>
         <a:tabLst/>
-        <a:defRPr b="0" baseline="0" cap="none" i="0" spc="0" strike="noStrike" sz="4800" u="none">
+        <a:defRPr sz="4800" b="0" i="0" u="none" strike="noStrike" cap="none" spc="0" baseline="0">
           <a:solidFill>
             <a:srgbClr val="FFFFFF"/>
           </a:solidFill>
@@ -3495,7 +3520,7 @@
         <a:buFontTx/>
         <a:buChar char="•"/>
         <a:tabLst/>
-        <a:defRPr b="0" baseline="0" cap="none" i="0" spc="0" strike="noStrike" sz="4800" u="none">
+        <a:defRPr sz="4800" b="0" i="0" u="none" strike="noStrike" cap="none" spc="0" baseline="0">
           <a:solidFill>
             <a:srgbClr val="FFFFFF"/>
           </a:solidFill>
@@ -3521,7 +3546,7 @@
         <a:buFontTx/>
         <a:buChar char="•"/>
         <a:tabLst/>
-        <a:defRPr b="0" baseline="0" cap="none" i="0" spc="0" strike="noStrike" sz="4800" u="none">
+        <a:defRPr sz="4800" b="0" i="0" u="none" strike="noStrike" cap="none" spc="0" baseline="0">
           <a:solidFill>
             <a:srgbClr val="FFFFFF"/>
           </a:solidFill>
@@ -3547,7 +3572,7 @@
         <a:buFontTx/>
         <a:buChar char="•"/>
         <a:tabLst/>
-        <a:defRPr b="0" baseline="0" cap="none" i="0" spc="0" strike="noStrike" sz="4800" u="none">
+        <a:defRPr sz="4800" b="0" i="0" u="none" strike="noStrike" cap="none" spc="0" baseline="0">
           <a:solidFill>
             <a:srgbClr val="FFFFFF"/>
           </a:solidFill>
@@ -3575,7 +3600,7 @@
         <a:buFontTx/>
         <a:buNone/>
         <a:tabLst/>
-        <a:defRPr b="0" baseline="0" cap="none" i="0" spc="0" strike="noStrike" sz="1800" u="none">
+        <a:defRPr sz="1800" b="0" i="0" u="none" strike="noStrike" cap="none" spc="0" baseline="0">
           <a:solidFill>
             <a:schemeClr val="tx1"/>
           </a:solidFill>
@@ -3601,7 +3626,7 @@
         <a:buFontTx/>
         <a:buNone/>
         <a:tabLst/>
-        <a:defRPr b="0" baseline="0" cap="none" i="0" spc="0" strike="noStrike" sz="1800" u="none">
+        <a:defRPr sz="1800" b="0" i="0" u="none" strike="noStrike" cap="none" spc="0" baseline="0">
           <a:solidFill>
             <a:schemeClr val="tx1"/>
           </a:solidFill>
@@ -3627,7 +3652,7 @@
         <a:buFontTx/>
         <a:buNone/>
         <a:tabLst/>
-        <a:defRPr b="0" baseline="0" cap="none" i="0" spc="0" strike="noStrike" sz="1800" u="none">
+        <a:defRPr sz="1800" b="0" i="0" u="none" strike="noStrike" cap="none" spc="0" baseline="0">
           <a:solidFill>
             <a:schemeClr val="tx1"/>
           </a:solidFill>
@@ -3653,7 +3678,7 @@
         <a:buFontTx/>
         <a:buNone/>
         <a:tabLst/>
-        <a:defRPr b="0" baseline="0" cap="none" i="0" spc="0" strike="noStrike" sz="1800" u="none">
+        <a:defRPr sz="1800" b="0" i="0" u="none" strike="noStrike" cap="none" spc="0" baseline="0">
           <a:solidFill>
             <a:schemeClr val="tx1"/>
           </a:solidFill>
@@ -3679,7 +3704,7 @@
         <a:buFontTx/>
         <a:buNone/>
         <a:tabLst/>
-        <a:defRPr b="0" baseline="0" cap="none" i="0" spc="0" strike="noStrike" sz="1800" u="none">
+        <a:defRPr sz="1800" b="0" i="0" u="none" strike="noStrike" cap="none" spc="0" baseline="0">
           <a:solidFill>
             <a:schemeClr val="tx1"/>
           </a:solidFill>
@@ -3705,7 +3730,7 @@
         <a:buFontTx/>
         <a:buNone/>
         <a:tabLst/>
-        <a:defRPr b="0" baseline="0" cap="none" i="0" spc="0" strike="noStrike" sz="1800" u="none">
+        <a:defRPr sz="1800" b="0" i="0" u="none" strike="noStrike" cap="none" spc="0" baseline="0">
           <a:solidFill>
             <a:schemeClr val="tx1"/>
           </a:solidFill>
@@ -3731,7 +3756,7 @@
         <a:buFontTx/>
         <a:buNone/>
         <a:tabLst/>
-        <a:defRPr b="0" baseline="0" cap="none" i="0" spc="0" strike="noStrike" sz="1800" u="none">
+        <a:defRPr sz="1800" b="0" i="0" u="none" strike="noStrike" cap="none" spc="0" baseline="0">
           <a:solidFill>
             <a:schemeClr val="tx1"/>
           </a:solidFill>
@@ -3757,7 +3782,7 @@
         <a:buFontTx/>
         <a:buNone/>
         <a:tabLst/>
-        <a:defRPr b="0" baseline="0" cap="none" i="0" spc="0" strike="noStrike" sz="1800" u="none">
+        <a:defRPr sz="1800" b="0" i="0" u="none" strike="noStrike" cap="none" spc="0" baseline="0">
           <a:solidFill>
             <a:schemeClr val="tx1"/>
           </a:solidFill>
@@ -3783,7 +3808,7 @@
         <a:buFontTx/>
         <a:buNone/>
         <a:tabLst/>
-        <a:defRPr b="0" baseline="0" cap="none" i="0" spc="0" strike="noStrike" sz="1800" u="none">
+        <a:defRPr sz="1800" b="0" i="0" u="none" strike="noStrike" cap="none" spc="0" baseline="0">
           <a:solidFill>
             <a:schemeClr val="tx1"/>
           </a:solidFill>
@@ -3800,17 +3825,18 @@
 </file>
 
 <file path=ppt/slides/slide1.xml><?xml version="1.0" encoding="utf-8"?>
-<p:sld xmlns:a="http://schemas.openxmlformats.org/drawingml/2006/main" xmlns:r="http://schemas.openxmlformats.org/officeDocument/2006/relationships" xmlns:p="http://schemas.openxmlformats.org/presentationml/2006/main" xmlns:m="http://schemas.openxmlformats.org/officeDocument/2006/math" xmlns:a14="http://schemas.microsoft.com/office/drawing/2010/main" showMasterSp="1" showMasterPhAnim="1">
+<p:sld xmlns:a="http://schemas.openxmlformats.org/drawingml/2006/main" xmlns:r="http://schemas.openxmlformats.org/officeDocument/2006/relationships" xmlns:p="http://schemas.openxmlformats.org/presentationml/2006/main">
   <p:cSld>
     <p:bg>
       <p:bgPr>
         <a:blipFill rotWithShape="1">
           <a:blip r:embed="rId2"/>
-          <a:srcRect l="0" t="0" r="0" b="0"/>
+          <a:srcRect/>
           <a:stretch>
             <a:fillRect/>
           </a:stretch>
         </a:blipFill>
+        <a:effectLst/>
       </p:bgPr>
     </p:bg>
     <p:spTree>
@@ -3832,12 +3858,12 @@
   <p:clrMapOvr>
     <a:masterClrMapping/>
   </p:clrMapOvr>
-  <p:transition xmlns:p14="http://schemas.microsoft.com/office/powerpoint/2010/main" spd="med" advClick="1"/>
+  <p:transition spd="med"/>
 </p:sld>
 </file>
 
 <file path=ppt/slides/slide2.xml><?xml version="1.0" encoding="utf-8"?>
-<p:sld xmlns:a="http://schemas.openxmlformats.org/drawingml/2006/main" xmlns:r="http://schemas.openxmlformats.org/officeDocument/2006/relationships" xmlns:p="http://schemas.openxmlformats.org/presentationml/2006/main" xmlns:m="http://schemas.openxmlformats.org/officeDocument/2006/math" xmlns:a14="http://schemas.microsoft.com/office/drawing/2010/main" showMasterSp="1" showMasterPhAnim="1">
+<p:sld xmlns:a="http://schemas.openxmlformats.org/drawingml/2006/main" xmlns:r="http://schemas.openxmlformats.org/officeDocument/2006/relationships" xmlns:p="http://schemas.openxmlformats.org/presentationml/2006/main">
   <p:cSld>
     <p:spTree>
       <p:nvGrpSpPr>
@@ -3857,24 +3883,60 @@
         <p:nvGraphicFramePr>
           <p:cNvPr id="152" name="Tаблица 1"/>
           <p:cNvGraphicFramePr/>
-          <p:nvPr/>
+          <p:nvPr>
+            <p:extLst>
+              <p:ext uri="{D42A27DB-BD31-4B8C-83A1-F6EECF244321}">
+                <p14:modId xmlns:p14="http://schemas.microsoft.com/office/powerpoint/2010/main" val="25077"/>
+              </p:ext>
+            </p:extLst>
+          </p:nvPr>
         </p:nvGraphicFramePr>
         <p:xfrm>
-          <a:off x="4709200" y="3544892"/>
-          <a:ext cx="4174580" cy="3795616"/>
+          <a:off x="4712377" y="5065839"/>
+          <a:ext cx="4161875" cy="3782915"/>
         </p:xfrm>
-        <a:graphic xmlns:a="http://schemas.openxmlformats.org/drawingml/2006/main">
+        <a:graphic>
           <a:graphicData uri="http://schemas.openxmlformats.org/drawingml/2006/table">
             <a:tbl>
-              <a:tblPr firstCol="0" firstRow="0" lastCol="0" lastRow="0" bandCol="0" bandRow="0" rtl="0">
+              <a:tblPr>
                 <a:tableStyleId>{4C3C2611-4C71-4FC5-86AE-919BDF0F9419}</a:tableStyleId>
               </a:tblPr>
               <a:tblGrid>
-                <a:gridCol w="832375"/>
-                <a:gridCol w="832375"/>
-                <a:gridCol w="832375"/>
-                <a:gridCol w="832375"/>
-                <a:gridCol w="832375"/>
+                <a:gridCol w="832375">
+                  <a:extLst>
+                    <a:ext uri="{9D8B030D-6E8A-4147-A177-3AD203B41FA5}">
+                      <a16:colId xmlns:a16="http://schemas.microsoft.com/office/drawing/2014/main" val="20000"/>
+                    </a:ext>
+                  </a:extLst>
+                </a:gridCol>
+                <a:gridCol w="832375">
+                  <a:extLst>
+                    <a:ext uri="{9D8B030D-6E8A-4147-A177-3AD203B41FA5}">
+                      <a16:colId xmlns:a16="http://schemas.microsoft.com/office/drawing/2014/main" val="20001"/>
+                    </a:ext>
+                  </a:extLst>
+                </a:gridCol>
+                <a:gridCol w="832375">
+                  <a:extLst>
+                    <a:ext uri="{9D8B030D-6E8A-4147-A177-3AD203B41FA5}">
+                      <a16:colId xmlns:a16="http://schemas.microsoft.com/office/drawing/2014/main" val="20002"/>
+                    </a:ext>
+                  </a:extLst>
+                </a:gridCol>
+                <a:gridCol w="832375">
+                  <a:extLst>
+                    <a:ext uri="{9D8B030D-6E8A-4147-A177-3AD203B41FA5}">
+                      <a16:colId xmlns:a16="http://schemas.microsoft.com/office/drawing/2014/main" val="20003"/>
+                    </a:ext>
+                  </a:extLst>
+                </a:gridCol>
+                <a:gridCol w="832375">
+                  <a:extLst>
+                    <a:ext uri="{9D8B030D-6E8A-4147-A177-3AD203B41FA5}">
+                      <a16:colId xmlns:a16="http://schemas.microsoft.com/office/drawing/2014/main" val="20004"/>
+                    </a:ext>
+                  </a:extLst>
+                </a:gridCol>
               </a:tblGrid>
               <a:tr h="756583">
                 <a:tc>
@@ -3899,7 +3961,7 @@
                       </a:r>
                     </a:p>
                   </a:txBody>
-                  <a:tcPr marL="50800" marR="50800" marT="50800" marB="50800" anchor="ctr" anchorCtr="0" horzOverflow="overflow"/>
+                  <a:tcPr marL="50800" marR="50800" marT="50800" marB="50800" anchor="ctr" horzOverflow="overflow"/>
                 </a:tc>
                 <a:tc>
                   <a:txBody>
@@ -3923,7 +3985,7 @@
                       </a:r>
                     </a:p>
                   </a:txBody>
-                  <a:tcPr marL="50800" marR="50800" marT="50800" marB="50800" anchor="ctr" anchorCtr="0" horzOverflow="overflow"/>
+                  <a:tcPr marL="50800" marR="50800" marT="50800" marB="50800" anchor="ctr" horzOverflow="overflow"/>
                 </a:tc>
                 <a:tc>
                   <a:txBody>
@@ -3947,7 +4009,7 @@
                       </a:r>
                     </a:p>
                   </a:txBody>
-                  <a:tcPr marL="50800" marR="50800" marT="50800" marB="50800" anchor="ctr" anchorCtr="0" horzOverflow="overflow"/>
+                  <a:tcPr marL="50800" marR="50800" marT="50800" marB="50800" anchor="ctr" horzOverflow="overflow"/>
                 </a:tc>
                 <a:tc>
                   <a:txBody>
@@ -3971,7 +4033,7 @@
                       </a:r>
                     </a:p>
                   </a:txBody>
-                  <a:tcPr marL="50800" marR="50800" marT="50800" marB="50800" anchor="ctr" anchorCtr="0" horzOverflow="overflow"/>
+                  <a:tcPr marL="50800" marR="50800" marT="50800" marB="50800" anchor="ctr" horzOverflow="overflow"/>
                 </a:tc>
                 <a:tc>
                   <a:txBody>
@@ -3995,8 +4057,13 @@
                       </a:r>
                     </a:p>
                   </a:txBody>
-                  <a:tcPr marL="50800" marR="50800" marT="50800" marB="50800" anchor="ctr" anchorCtr="0" horzOverflow="overflow"/>
-                </a:tc>
+                  <a:tcPr marL="50800" marR="50800" marT="50800" marB="50800" anchor="ctr" horzOverflow="overflow"/>
+                </a:tc>
+                <a:extLst>
+                  <a:ext uri="{0D108BD9-81ED-4DB2-BD59-A6C34878D82A}">
+                    <a16:rowId xmlns:a16="http://schemas.microsoft.com/office/drawing/2014/main" val="10000"/>
+                  </a:ext>
+                </a:extLst>
               </a:tr>
               <a:tr h="756583">
                 <a:tc>
@@ -4021,7 +4088,7 @@
                       </a:r>
                     </a:p>
                   </a:txBody>
-                  <a:tcPr marL="50800" marR="50800" marT="50800" marB="50800" anchor="ctr" anchorCtr="0" horzOverflow="overflow"/>
+                  <a:tcPr marL="50800" marR="50800" marT="50800" marB="50800" anchor="ctr" horzOverflow="overflow"/>
                 </a:tc>
                 <a:tc>
                   <a:txBody>
@@ -4045,7 +4112,7 @@
                       </a:r>
                     </a:p>
                   </a:txBody>
-                  <a:tcPr marL="50800" marR="50800" marT="50800" marB="50800" anchor="ctr" anchorCtr="0" horzOverflow="overflow"/>
+                  <a:tcPr marL="50800" marR="50800" marT="50800" marB="50800" anchor="ctr" horzOverflow="overflow"/>
                 </a:tc>
                 <a:tc>
                   <a:txBody>
@@ -4069,7 +4136,7 @@
                       </a:r>
                     </a:p>
                   </a:txBody>
-                  <a:tcPr marL="50800" marR="50800" marT="50800" marB="50800" anchor="ctr" anchorCtr="0" horzOverflow="overflow"/>
+                  <a:tcPr marL="50800" marR="50800" marT="50800" marB="50800" anchor="ctr" horzOverflow="overflow"/>
                 </a:tc>
                 <a:tc>
                   <a:txBody>
@@ -4093,7 +4160,7 @@
                       </a:r>
                     </a:p>
                   </a:txBody>
-                  <a:tcPr marL="50800" marR="50800" marT="50800" marB="50800" anchor="ctr" anchorCtr="0" horzOverflow="overflow"/>
+                  <a:tcPr marL="50800" marR="50800" marT="50800" marB="50800" anchor="ctr" horzOverflow="overflow"/>
                 </a:tc>
                 <a:tc>
                   <a:txBody>
@@ -4117,8 +4184,13 @@
                       </a:r>
                     </a:p>
                   </a:txBody>
-                  <a:tcPr marL="50800" marR="50800" marT="50800" marB="50800" anchor="ctr" anchorCtr="0" horzOverflow="overflow"/>
-                </a:tc>
+                  <a:tcPr marL="50800" marR="50800" marT="50800" marB="50800" anchor="ctr" horzOverflow="overflow"/>
+                </a:tc>
+                <a:extLst>
+                  <a:ext uri="{0D108BD9-81ED-4DB2-BD59-A6C34878D82A}">
+                    <a16:rowId xmlns:a16="http://schemas.microsoft.com/office/drawing/2014/main" val="10001"/>
+                  </a:ext>
+                </a:extLst>
               </a:tr>
               <a:tr h="756583">
                 <a:tc>
@@ -4143,7 +4215,7 @@
                       </a:r>
                     </a:p>
                   </a:txBody>
-                  <a:tcPr marL="50800" marR="50800" marT="50800" marB="50800" anchor="ctr" anchorCtr="0" horzOverflow="overflow"/>
+                  <a:tcPr marL="50800" marR="50800" marT="50800" marB="50800" anchor="ctr" horzOverflow="overflow"/>
                 </a:tc>
                 <a:tc>
                   <a:txBody>
@@ -4167,7 +4239,7 @@
                       </a:r>
                     </a:p>
                   </a:txBody>
-                  <a:tcPr marL="50800" marR="50800" marT="50800" marB="50800" anchor="ctr" anchorCtr="0" horzOverflow="overflow"/>
+                  <a:tcPr marL="50800" marR="50800" marT="50800" marB="50800" anchor="ctr" horzOverflow="overflow"/>
                 </a:tc>
                 <a:tc>
                   <a:txBody>
@@ -4191,7 +4263,7 @@
                       </a:r>
                     </a:p>
                   </a:txBody>
-                  <a:tcPr marL="50800" marR="50800" marT="50800" marB="50800" anchor="ctr" anchorCtr="0" horzOverflow="overflow"/>
+                  <a:tcPr marL="50800" marR="50800" marT="50800" marB="50800" anchor="ctr" horzOverflow="overflow"/>
                 </a:tc>
                 <a:tc>
                   <a:txBody>
@@ -4215,7 +4287,7 @@
                       </a:r>
                     </a:p>
                   </a:txBody>
-                  <a:tcPr marL="50800" marR="50800" marT="50800" marB="50800" anchor="ctr" anchorCtr="0" horzOverflow="overflow"/>
+                  <a:tcPr marL="50800" marR="50800" marT="50800" marB="50800" anchor="ctr" horzOverflow="overflow"/>
                 </a:tc>
                 <a:tc>
                   <a:txBody>
@@ -4239,8 +4311,13 @@
                       </a:r>
                     </a:p>
                   </a:txBody>
-                  <a:tcPr marL="50800" marR="50800" marT="50800" marB="50800" anchor="ctr" anchorCtr="0" horzOverflow="overflow"/>
-                </a:tc>
+                  <a:tcPr marL="50800" marR="50800" marT="50800" marB="50800" anchor="ctr" horzOverflow="overflow"/>
+                </a:tc>
+                <a:extLst>
+                  <a:ext uri="{0D108BD9-81ED-4DB2-BD59-A6C34878D82A}">
+                    <a16:rowId xmlns:a16="http://schemas.microsoft.com/office/drawing/2014/main" val="10002"/>
+                  </a:ext>
+                </a:extLst>
               </a:tr>
               <a:tr h="756583">
                 <a:tc>
@@ -4265,7 +4342,7 @@
                       </a:r>
                     </a:p>
                   </a:txBody>
-                  <a:tcPr marL="50800" marR="50800" marT="50800" marB="50800" anchor="ctr" anchorCtr="0" horzOverflow="overflow"/>
+                  <a:tcPr marL="50800" marR="50800" marT="50800" marB="50800" anchor="ctr" horzOverflow="overflow"/>
                 </a:tc>
                 <a:tc>
                   <a:txBody>
@@ -4289,7 +4366,7 @@
                       </a:r>
                     </a:p>
                   </a:txBody>
-                  <a:tcPr marL="50800" marR="50800" marT="50800" marB="50800" anchor="ctr" anchorCtr="0" horzOverflow="overflow"/>
+                  <a:tcPr marL="50800" marR="50800" marT="50800" marB="50800" anchor="ctr" horzOverflow="overflow"/>
                 </a:tc>
                 <a:tc>
                   <a:txBody>
@@ -4313,7 +4390,7 @@
                       </a:r>
                     </a:p>
                   </a:txBody>
-                  <a:tcPr marL="50800" marR="50800" marT="50800" marB="50800" anchor="ctr" anchorCtr="0" horzOverflow="overflow"/>
+                  <a:tcPr marL="50800" marR="50800" marT="50800" marB="50800" anchor="ctr" horzOverflow="overflow"/>
                 </a:tc>
                 <a:tc>
                   <a:txBody>
@@ -4337,7 +4414,7 @@
                       </a:r>
                     </a:p>
                   </a:txBody>
-                  <a:tcPr marL="50800" marR="50800" marT="50800" marB="50800" anchor="ctr" anchorCtr="0" horzOverflow="overflow"/>
+                  <a:tcPr marL="50800" marR="50800" marT="50800" marB="50800" anchor="ctr" horzOverflow="overflow"/>
                 </a:tc>
                 <a:tc>
                   <a:txBody>
@@ -4361,8 +4438,13 @@
                       </a:r>
                     </a:p>
                   </a:txBody>
-                  <a:tcPr marL="50800" marR="50800" marT="50800" marB="50800" anchor="ctr" anchorCtr="0" horzOverflow="overflow"/>
-                </a:tc>
+                  <a:tcPr marL="50800" marR="50800" marT="50800" marB="50800" anchor="ctr" horzOverflow="overflow"/>
+                </a:tc>
+                <a:extLst>
+                  <a:ext uri="{0D108BD9-81ED-4DB2-BD59-A6C34878D82A}">
+                    <a16:rowId xmlns:a16="http://schemas.microsoft.com/office/drawing/2014/main" val="10003"/>
+                  </a:ext>
+                </a:extLst>
               </a:tr>
               <a:tr h="756583">
                 <a:tc>
@@ -4387,7 +4469,7 @@
                       </a:r>
                     </a:p>
                   </a:txBody>
-                  <a:tcPr marL="50800" marR="50800" marT="50800" marB="50800" anchor="ctr" anchorCtr="0" horzOverflow="overflow"/>
+                  <a:tcPr marL="50800" marR="50800" marT="50800" marB="50800" anchor="ctr" horzOverflow="overflow"/>
                 </a:tc>
                 <a:tc>
                   <a:txBody>
@@ -4411,7 +4493,7 @@
                       </a:r>
                     </a:p>
                   </a:txBody>
-                  <a:tcPr marL="50800" marR="50800" marT="50800" marB="50800" anchor="ctr" anchorCtr="0" horzOverflow="overflow"/>
+                  <a:tcPr marL="50800" marR="50800" marT="50800" marB="50800" anchor="ctr" horzOverflow="overflow"/>
                 </a:tc>
                 <a:tc>
                   <a:txBody>
@@ -4435,7 +4517,7 @@
                       </a:r>
                     </a:p>
                   </a:txBody>
-                  <a:tcPr marL="50800" marR="50800" marT="50800" marB="50800" anchor="ctr" anchorCtr="0" horzOverflow="overflow"/>
+                  <a:tcPr marL="50800" marR="50800" marT="50800" marB="50800" anchor="ctr" horzOverflow="overflow"/>
                 </a:tc>
                 <a:tc>
                   <a:txBody>
@@ -4459,7 +4541,7 @@
                       </a:r>
                     </a:p>
                   </a:txBody>
-                  <a:tcPr marL="50800" marR="50800" marT="50800" marB="50800" anchor="ctr" anchorCtr="0" horzOverflow="overflow"/>
+                  <a:tcPr marL="50800" marR="50800" marT="50800" marB="50800" anchor="ctr" horzOverflow="overflow"/>
                 </a:tc>
                 <a:tc>
                   <a:txBody>
@@ -4483,8 +4565,13 @@
                       </a:r>
                     </a:p>
                   </a:txBody>
-                  <a:tcPr marL="50800" marR="50800" marT="50800" marB="50800" anchor="ctr" anchorCtr="0" horzOverflow="overflow"/>
-                </a:tc>
+                  <a:tcPr marL="50800" marR="50800" marT="50800" marB="50800" anchor="ctr" horzOverflow="overflow"/>
+                </a:tc>
+                <a:extLst>
+                  <a:ext uri="{0D108BD9-81ED-4DB2-BD59-A6C34878D82A}">
+                    <a16:rowId xmlns:a16="http://schemas.microsoft.com/office/drawing/2014/main" val="10004"/>
+                  </a:ext>
+                </a:extLst>
               </a:tr>
             </a:tbl>
           </a:graphicData>
@@ -4494,24 +4581,60 @@
         <p:nvGraphicFramePr>
           <p:cNvPr id="153" name="Tаблица 1-1"/>
           <p:cNvGraphicFramePr/>
-          <p:nvPr/>
+          <p:nvPr>
+            <p:extLst>
+              <p:ext uri="{D42A27DB-BD31-4B8C-83A1-F6EECF244321}">
+                <p14:modId xmlns:p14="http://schemas.microsoft.com/office/powerpoint/2010/main" val="3420398452"/>
+              </p:ext>
+            </p:extLst>
+          </p:nvPr>
         </p:nvGraphicFramePr>
         <p:xfrm>
-          <a:off x="10107885" y="3544892"/>
-          <a:ext cx="4174580" cy="3795616"/>
+          <a:off x="10111062" y="5065839"/>
+          <a:ext cx="4161875" cy="3782915"/>
         </p:xfrm>
-        <a:graphic xmlns:a="http://schemas.openxmlformats.org/drawingml/2006/main">
+        <a:graphic>
           <a:graphicData uri="http://schemas.openxmlformats.org/drawingml/2006/table">
             <a:tbl>
-              <a:tblPr firstCol="0" firstRow="0" lastCol="0" lastRow="0" bandCol="0" bandRow="0" rtl="0">
+              <a:tblPr>
                 <a:tableStyleId>{4C3C2611-4C71-4FC5-86AE-919BDF0F9419}</a:tableStyleId>
               </a:tblPr>
               <a:tblGrid>
-                <a:gridCol w="832375"/>
-                <a:gridCol w="832375"/>
-                <a:gridCol w="832375"/>
-                <a:gridCol w="832375"/>
-                <a:gridCol w="832375"/>
+                <a:gridCol w="832375">
+                  <a:extLst>
+                    <a:ext uri="{9D8B030D-6E8A-4147-A177-3AD203B41FA5}">
+                      <a16:colId xmlns:a16="http://schemas.microsoft.com/office/drawing/2014/main" val="20000"/>
+                    </a:ext>
+                  </a:extLst>
+                </a:gridCol>
+                <a:gridCol w="832375">
+                  <a:extLst>
+                    <a:ext uri="{9D8B030D-6E8A-4147-A177-3AD203B41FA5}">
+                      <a16:colId xmlns:a16="http://schemas.microsoft.com/office/drawing/2014/main" val="20001"/>
+                    </a:ext>
+                  </a:extLst>
+                </a:gridCol>
+                <a:gridCol w="832375">
+                  <a:extLst>
+                    <a:ext uri="{9D8B030D-6E8A-4147-A177-3AD203B41FA5}">
+                      <a16:colId xmlns:a16="http://schemas.microsoft.com/office/drawing/2014/main" val="20002"/>
+                    </a:ext>
+                  </a:extLst>
+                </a:gridCol>
+                <a:gridCol w="832375">
+                  <a:extLst>
+                    <a:ext uri="{9D8B030D-6E8A-4147-A177-3AD203B41FA5}">
+                      <a16:colId xmlns:a16="http://schemas.microsoft.com/office/drawing/2014/main" val="20003"/>
+                    </a:ext>
+                  </a:extLst>
+                </a:gridCol>
+                <a:gridCol w="832375">
+                  <a:extLst>
+                    <a:ext uri="{9D8B030D-6E8A-4147-A177-3AD203B41FA5}">
+                      <a16:colId xmlns:a16="http://schemas.microsoft.com/office/drawing/2014/main" val="20004"/>
+                    </a:ext>
+                  </a:extLst>
+                </a:gridCol>
               </a:tblGrid>
               <a:tr h="756583">
                 <a:tc>
@@ -4536,7 +4659,7 @@
                       </a:r>
                     </a:p>
                   </a:txBody>
-                  <a:tcPr marL="50800" marR="50800" marT="50800" marB="50800" anchor="ctr" anchorCtr="0" horzOverflow="overflow"/>
+                  <a:tcPr marL="50800" marR="50800" marT="50800" marB="50800" anchor="ctr" horzOverflow="overflow"/>
                 </a:tc>
                 <a:tc>
                   <a:txBody>
@@ -4560,7 +4683,7 @@
                       </a:r>
                     </a:p>
                   </a:txBody>
-                  <a:tcPr marL="50800" marR="50800" marT="50800" marB="50800" anchor="ctr" anchorCtr="0" horzOverflow="overflow"/>
+                  <a:tcPr marL="50800" marR="50800" marT="50800" marB="50800" anchor="ctr" horzOverflow="overflow"/>
                 </a:tc>
                 <a:tc>
                   <a:txBody>
@@ -4584,7 +4707,7 @@
                       </a:r>
                     </a:p>
                   </a:txBody>
-                  <a:tcPr marL="50800" marR="50800" marT="50800" marB="50800" anchor="ctr" anchorCtr="0" horzOverflow="overflow"/>
+                  <a:tcPr marL="50800" marR="50800" marT="50800" marB="50800" anchor="ctr" horzOverflow="overflow"/>
                 </a:tc>
                 <a:tc>
                   <a:txBody>
@@ -4608,7 +4731,7 @@
                       </a:r>
                     </a:p>
                   </a:txBody>
-                  <a:tcPr marL="50800" marR="50800" marT="50800" marB="50800" anchor="ctr" anchorCtr="0" horzOverflow="overflow"/>
+                  <a:tcPr marL="50800" marR="50800" marT="50800" marB="50800" anchor="ctr" horzOverflow="overflow"/>
                 </a:tc>
                 <a:tc>
                   <a:txBody>
@@ -4632,8 +4755,13 @@
                       </a:r>
                     </a:p>
                   </a:txBody>
-                  <a:tcPr marL="50800" marR="50800" marT="50800" marB="50800" anchor="ctr" anchorCtr="0" horzOverflow="overflow"/>
-                </a:tc>
+                  <a:tcPr marL="50800" marR="50800" marT="50800" marB="50800" anchor="ctr" horzOverflow="overflow"/>
+                </a:tc>
+                <a:extLst>
+                  <a:ext uri="{0D108BD9-81ED-4DB2-BD59-A6C34878D82A}">
+                    <a16:rowId xmlns:a16="http://schemas.microsoft.com/office/drawing/2014/main" val="10000"/>
+                  </a:ext>
+                </a:extLst>
               </a:tr>
               <a:tr h="756583">
                 <a:tc>
@@ -4658,7 +4786,7 @@
                       </a:r>
                     </a:p>
                   </a:txBody>
-                  <a:tcPr marL="50800" marR="50800" marT="50800" marB="50800" anchor="ctr" anchorCtr="0" horzOverflow="overflow"/>
+                  <a:tcPr marL="50800" marR="50800" marT="50800" marB="50800" anchor="ctr" horzOverflow="overflow"/>
                 </a:tc>
                 <a:tc>
                   <a:txBody>
@@ -4682,7 +4810,7 @@
                       </a:r>
                     </a:p>
                   </a:txBody>
-                  <a:tcPr marL="50800" marR="50800" marT="50800" marB="50800" anchor="ctr" anchorCtr="0" horzOverflow="overflow"/>
+                  <a:tcPr marL="50800" marR="50800" marT="50800" marB="50800" anchor="ctr" horzOverflow="overflow"/>
                 </a:tc>
                 <a:tc>
                   <a:txBody>
@@ -4706,7 +4834,7 @@
                       </a:r>
                     </a:p>
                   </a:txBody>
-                  <a:tcPr marL="50800" marR="50800" marT="50800" marB="50800" anchor="ctr" anchorCtr="0" horzOverflow="overflow"/>
+                  <a:tcPr marL="50800" marR="50800" marT="50800" marB="50800" anchor="ctr" horzOverflow="overflow"/>
                 </a:tc>
                 <a:tc>
                   <a:txBody>
@@ -4730,7 +4858,7 @@
                       </a:r>
                     </a:p>
                   </a:txBody>
-                  <a:tcPr marL="50800" marR="50800" marT="50800" marB="50800" anchor="ctr" anchorCtr="0" horzOverflow="overflow"/>
+                  <a:tcPr marL="50800" marR="50800" marT="50800" marB="50800" anchor="ctr" horzOverflow="overflow"/>
                 </a:tc>
                 <a:tc>
                   <a:txBody>
@@ -4754,8 +4882,13 @@
                       </a:r>
                     </a:p>
                   </a:txBody>
-                  <a:tcPr marL="50800" marR="50800" marT="50800" marB="50800" anchor="ctr" anchorCtr="0" horzOverflow="overflow"/>
-                </a:tc>
+                  <a:tcPr marL="50800" marR="50800" marT="50800" marB="50800" anchor="ctr" horzOverflow="overflow"/>
+                </a:tc>
+                <a:extLst>
+                  <a:ext uri="{0D108BD9-81ED-4DB2-BD59-A6C34878D82A}">
+                    <a16:rowId xmlns:a16="http://schemas.microsoft.com/office/drawing/2014/main" val="10001"/>
+                  </a:ext>
+                </a:extLst>
               </a:tr>
               <a:tr h="756583">
                 <a:tc>
@@ -4780,7 +4913,7 @@
                       </a:r>
                     </a:p>
                   </a:txBody>
-                  <a:tcPr marL="50800" marR="50800" marT="50800" marB="50800" anchor="ctr" anchorCtr="0" horzOverflow="overflow"/>
+                  <a:tcPr marL="50800" marR="50800" marT="50800" marB="50800" anchor="ctr" horzOverflow="overflow"/>
                 </a:tc>
                 <a:tc>
                   <a:txBody>
@@ -4804,7 +4937,7 @@
                       </a:r>
                     </a:p>
                   </a:txBody>
-                  <a:tcPr marL="50800" marR="50800" marT="50800" marB="50800" anchor="ctr" anchorCtr="0" horzOverflow="overflow"/>
+                  <a:tcPr marL="50800" marR="50800" marT="50800" marB="50800" anchor="ctr" horzOverflow="overflow"/>
                 </a:tc>
                 <a:tc>
                   <a:txBody>
@@ -4828,7 +4961,7 @@
                       </a:r>
                     </a:p>
                   </a:txBody>
-                  <a:tcPr marL="50800" marR="50800" marT="50800" marB="50800" anchor="ctr" anchorCtr="0" horzOverflow="overflow"/>
+                  <a:tcPr marL="50800" marR="50800" marT="50800" marB="50800" anchor="ctr" horzOverflow="overflow"/>
                 </a:tc>
                 <a:tc>
                   <a:txBody>
@@ -4852,7 +4985,7 @@
                       </a:r>
                     </a:p>
                   </a:txBody>
-                  <a:tcPr marL="50800" marR="50800" marT="50800" marB="50800" anchor="ctr" anchorCtr="0" horzOverflow="overflow"/>
+                  <a:tcPr marL="50800" marR="50800" marT="50800" marB="50800" anchor="ctr" horzOverflow="overflow"/>
                 </a:tc>
                 <a:tc>
                   <a:txBody>
@@ -4876,8 +5009,13 @@
                       </a:r>
                     </a:p>
                   </a:txBody>
-                  <a:tcPr marL="50800" marR="50800" marT="50800" marB="50800" anchor="ctr" anchorCtr="0" horzOverflow="overflow"/>
-                </a:tc>
+                  <a:tcPr marL="50800" marR="50800" marT="50800" marB="50800" anchor="ctr" horzOverflow="overflow"/>
+                </a:tc>
+                <a:extLst>
+                  <a:ext uri="{0D108BD9-81ED-4DB2-BD59-A6C34878D82A}">
+                    <a16:rowId xmlns:a16="http://schemas.microsoft.com/office/drawing/2014/main" val="10002"/>
+                  </a:ext>
+                </a:extLst>
               </a:tr>
               <a:tr h="756583">
                 <a:tc>
@@ -4902,7 +5040,7 @@
                       </a:r>
                     </a:p>
                   </a:txBody>
-                  <a:tcPr marL="50800" marR="50800" marT="50800" marB="50800" anchor="ctr" anchorCtr="0" horzOverflow="overflow"/>
+                  <a:tcPr marL="50800" marR="50800" marT="50800" marB="50800" anchor="ctr" horzOverflow="overflow"/>
                 </a:tc>
                 <a:tc>
                   <a:txBody>
@@ -4926,7 +5064,7 @@
                       </a:r>
                     </a:p>
                   </a:txBody>
-                  <a:tcPr marL="50800" marR="50800" marT="50800" marB="50800" anchor="ctr" anchorCtr="0" horzOverflow="overflow"/>
+                  <a:tcPr marL="50800" marR="50800" marT="50800" marB="50800" anchor="ctr" horzOverflow="overflow"/>
                 </a:tc>
                 <a:tc>
                   <a:txBody>
@@ -4950,7 +5088,7 @@
                       </a:r>
                     </a:p>
                   </a:txBody>
-                  <a:tcPr marL="50800" marR="50800" marT="50800" marB="50800" anchor="ctr" anchorCtr="0" horzOverflow="overflow"/>
+                  <a:tcPr marL="50800" marR="50800" marT="50800" marB="50800" anchor="ctr" horzOverflow="overflow"/>
                 </a:tc>
                 <a:tc>
                   <a:txBody>
@@ -4974,7 +5112,7 @@
                       </a:r>
                     </a:p>
                   </a:txBody>
-                  <a:tcPr marL="50800" marR="50800" marT="50800" marB="50800" anchor="ctr" anchorCtr="0" horzOverflow="overflow"/>
+                  <a:tcPr marL="50800" marR="50800" marT="50800" marB="50800" anchor="ctr" horzOverflow="overflow"/>
                 </a:tc>
                 <a:tc>
                   <a:txBody>
@@ -4998,8 +5136,13 @@
                       </a:r>
                     </a:p>
                   </a:txBody>
-                  <a:tcPr marL="50800" marR="50800" marT="50800" marB="50800" anchor="ctr" anchorCtr="0" horzOverflow="overflow"/>
-                </a:tc>
+                  <a:tcPr marL="50800" marR="50800" marT="50800" marB="50800" anchor="ctr" horzOverflow="overflow"/>
+                </a:tc>
+                <a:extLst>
+                  <a:ext uri="{0D108BD9-81ED-4DB2-BD59-A6C34878D82A}">
+                    <a16:rowId xmlns:a16="http://schemas.microsoft.com/office/drawing/2014/main" val="10003"/>
+                  </a:ext>
+                </a:extLst>
               </a:tr>
               <a:tr h="756583">
                 <a:tc>
@@ -5024,7 +5167,7 @@
                       </a:r>
                     </a:p>
                   </a:txBody>
-                  <a:tcPr marL="50800" marR="50800" marT="50800" marB="50800" anchor="ctr" anchorCtr="0" horzOverflow="overflow"/>
+                  <a:tcPr marL="50800" marR="50800" marT="50800" marB="50800" anchor="ctr" horzOverflow="overflow"/>
                 </a:tc>
                 <a:tc>
                   <a:txBody>
@@ -5048,7 +5191,7 @@
                       </a:r>
                     </a:p>
                   </a:txBody>
-                  <a:tcPr marL="50800" marR="50800" marT="50800" marB="50800" anchor="ctr" anchorCtr="0" horzOverflow="overflow"/>
+                  <a:tcPr marL="50800" marR="50800" marT="50800" marB="50800" anchor="ctr" horzOverflow="overflow"/>
                 </a:tc>
                 <a:tc>
                   <a:txBody>
@@ -5072,7 +5215,7 @@
                       </a:r>
                     </a:p>
                   </a:txBody>
-                  <a:tcPr marL="50800" marR="50800" marT="50800" marB="50800" anchor="ctr" anchorCtr="0" horzOverflow="overflow"/>
+                  <a:tcPr marL="50800" marR="50800" marT="50800" marB="50800" anchor="ctr" horzOverflow="overflow"/>
                 </a:tc>
                 <a:tc>
                   <a:txBody>
@@ -5096,7 +5239,7 @@
                       </a:r>
                     </a:p>
                   </a:txBody>
-                  <a:tcPr marL="50800" marR="50800" marT="50800" marB="50800" anchor="ctr" anchorCtr="0" horzOverflow="overflow"/>
+                  <a:tcPr marL="50800" marR="50800" marT="50800" marB="50800" anchor="ctr" horzOverflow="overflow"/>
                 </a:tc>
                 <a:tc>
                   <a:txBody>
@@ -5120,8 +5263,13 @@
                       </a:r>
                     </a:p>
                   </a:txBody>
-                  <a:tcPr marL="50800" marR="50800" marT="50800" marB="50800" anchor="ctr" anchorCtr="0" horzOverflow="overflow"/>
-                </a:tc>
+                  <a:tcPr marL="50800" marR="50800" marT="50800" marB="50800" anchor="ctr" horzOverflow="overflow"/>
+                </a:tc>
+                <a:extLst>
+                  <a:ext uri="{0D108BD9-81ED-4DB2-BD59-A6C34878D82A}">
+                    <a16:rowId xmlns:a16="http://schemas.microsoft.com/office/drawing/2014/main" val="10004"/>
+                  </a:ext>
+                </a:extLst>
               </a:tr>
             </a:tbl>
           </a:graphicData>
@@ -5131,24 +5279,60 @@
         <p:nvGraphicFramePr>
           <p:cNvPr id="154" name="Tаблица 1-1-1"/>
           <p:cNvGraphicFramePr/>
-          <p:nvPr/>
+          <p:nvPr>
+            <p:extLst>
+              <p:ext uri="{D42A27DB-BD31-4B8C-83A1-F6EECF244321}">
+                <p14:modId xmlns:p14="http://schemas.microsoft.com/office/powerpoint/2010/main" val="788091546"/>
+              </p:ext>
+            </p:extLst>
+          </p:nvPr>
         </p:nvGraphicFramePr>
         <p:xfrm>
-          <a:off x="2000333" y="7724043"/>
-          <a:ext cx="4174580" cy="3795616"/>
+          <a:off x="2003510" y="9244991"/>
+          <a:ext cx="4161875" cy="3782915"/>
         </p:xfrm>
-        <a:graphic xmlns:a="http://schemas.openxmlformats.org/drawingml/2006/main">
+        <a:graphic>
           <a:graphicData uri="http://schemas.openxmlformats.org/drawingml/2006/table">
             <a:tbl>
-              <a:tblPr firstCol="0" firstRow="0" lastCol="0" lastRow="0" bandCol="0" bandRow="0" rtl="0">
+              <a:tblPr>
                 <a:tableStyleId>{4C3C2611-4C71-4FC5-86AE-919BDF0F9419}</a:tableStyleId>
               </a:tblPr>
               <a:tblGrid>
-                <a:gridCol w="832375"/>
-                <a:gridCol w="832375"/>
-                <a:gridCol w="832375"/>
-                <a:gridCol w="832375"/>
-                <a:gridCol w="832375"/>
+                <a:gridCol w="832375">
+                  <a:extLst>
+                    <a:ext uri="{9D8B030D-6E8A-4147-A177-3AD203B41FA5}">
+                      <a16:colId xmlns:a16="http://schemas.microsoft.com/office/drawing/2014/main" val="20000"/>
+                    </a:ext>
+                  </a:extLst>
+                </a:gridCol>
+                <a:gridCol w="832375">
+                  <a:extLst>
+                    <a:ext uri="{9D8B030D-6E8A-4147-A177-3AD203B41FA5}">
+                      <a16:colId xmlns:a16="http://schemas.microsoft.com/office/drawing/2014/main" val="20001"/>
+                    </a:ext>
+                  </a:extLst>
+                </a:gridCol>
+                <a:gridCol w="832375">
+                  <a:extLst>
+                    <a:ext uri="{9D8B030D-6E8A-4147-A177-3AD203B41FA5}">
+                      <a16:colId xmlns:a16="http://schemas.microsoft.com/office/drawing/2014/main" val="20002"/>
+                    </a:ext>
+                  </a:extLst>
+                </a:gridCol>
+                <a:gridCol w="832375">
+                  <a:extLst>
+                    <a:ext uri="{9D8B030D-6E8A-4147-A177-3AD203B41FA5}">
+                      <a16:colId xmlns:a16="http://schemas.microsoft.com/office/drawing/2014/main" val="20003"/>
+                    </a:ext>
+                  </a:extLst>
+                </a:gridCol>
+                <a:gridCol w="832375">
+                  <a:extLst>
+                    <a:ext uri="{9D8B030D-6E8A-4147-A177-3AD203B41FA5}">
+                      <a16:colId xmlns:a16="http://schemas.microsoft.com/office/drawing/2014/main" val="20004"/>
+                    </a:ext>
+                  </a:extLst>
+                </a:gridCol>
               </a:tblGrid>
               <a:tr h="756583">
                 <a:tc>
@@ -5173,7 +5357,7 @@
                       </a:r>
                     </a:p>
                   </a:txBody>
-                  <a:tcPr marL="50800" marR="50800" marT="50800" marB="50800" anchor="ctr" anchorCtr="0" horzOverflow="overflow"/>
+                  <a:tcPr marL="50800" marR="50800" marT="50800" marB="50800" anchor="ctr" horzOverflow="overflow"/>
                 </a:tc>
                 <a:tc>
                   <a:txBody>
@@ -5197,7 +5381,7 @@
                       </a:r>
                     </a:p>
                   </a:txBody>
-                  <a:tcPr marL="50800" marR="50800" marT="50800" marB="50800" anchor="ctr" anchorCtr="0" horzOverflow="overflow"/>
+                  <a:tcPr marL="50800" marR="50800" marT="50800" marB="50800" anchor="ctr" horzOverflow="overflow"/>
                 </a:tc>
                 <a:tc>
                   <a:txBody>
@@ -5221,7 +5405,7 @@
                       </a:r>
                     </a:p>
                   </a:txBody>
-                  <a:tcPr marL="50800" marR="50800" marT="50800" marB="50800" anchor="ctr" anchorCtr="0" horzOverflow="overflow"/>
+                  <a:tcPr marL="50800" marR="50800" marT="50800" marB="50800" anchor="ctr" horzOverflow="overflow"/>
                 </a:tc>
                 <a:tc>
                   <a:txBody>
@@ -5245,7 +5429,7 @@
                       </a:r>
                     </a:p>
                   </a:txBody>
-                  <a:tcPr marL="50800" marR="50800" marT="50800" marB="50800" anchor="ctr" anchorCtr="0" horzOverflow="overflow"/>
+                  <a:tcPr marL="50800" marR="50800" marT="50800" marB="50800" anchor="ctr" horzOverflow="overflow"/>
                 </a:tc>
                 <a:tc>
                   <a:txBody>
@@ -5269,8 +5453,13 @@
                       </a:r>
                     </a:p>
                   </a:txBody>
-                  <a:tcPr marL="50800" marR="50800" marT="50800" marB="50800" anchor="ctr" anchorCtr="0" horzOverflow="overflow"/>
-                </a:tc>
+                  <a:tcPr marL="50800" marR="50800" marT="50800" marB="50800" anchor="ctr" horzOverflow="overflow"/>
+                </a:tc>
+                <a:extLst>
+                  <a:ext uri="{0D108BD9-81ED-4DB2-BD59-A6C34878D82A}">
+                    <a16:rowId xmlns:a16="http://schemas.microsoft.com/office/drawing/2014/main" val="10000"/>
+                  </a:ext>
+                </a:extLst>
               </a:tr>
               <a:tr h="756583">
                 <a:tc>
@@ -5295,7 +5484,7 @@
                       </a:r>
                     </a:p>
                   </a:txBody>
-                  <a:tcPr marL="50800" marR="50800" marT="50800" marB="50800" anchor="ctr" anchorCtr="0" horzOverflow="overflow"/>
+                  <a:tcPr marL="50800" marR="50800" marT="50800" marB="50800" anchor="ctr" horzOverflow="overflow"/>
                 </a:tc>
                 <a:tc>
                   <a:txBody>
@@ -5319,7 +5508,7 @@
                       </a:r>
                     </a:p>
                   </a:txBody>
-                  <a:tcPr marL="50800" marR="50800" marT="50800" marB="50800" anchor="ctr" anchorCtr="0" horzOverflow="overflow"/>
+                  <a:tcPr marL="50800" marR="50800" marT="50800" marB="50800" anchor="ctr" horzOverflow="overflow"/>
                 </a:tc>
                 <a:tc>
                   <a:txBody>
@@ -5343,7 +5532,7 @@
                       </a:r>
                     </a:p>
                   </a:txBody>
-                  <a:tcPr marL="50800" marR="50800" marT="50800" marB="50800" anchor="ctr" anchorCtr="0" horzOverflow="overflow"/>
+                  <a:tcPr marL="50800" marR="50800" marT="50800" marB="50800" anchor="ctr" horzOverflow="overflow"/>
                 </a:tc>
                 <a:tc>
                   <a:txBody>
@@ -5367,7 +5556,7 @@
                       </a:r>
                     </a:p>
                   </a:txBody>
-                  <a:tcPr marL="50800" marR="50800" marT="50800" marB="50800" anchor="ctr" anchorCtr="0" horzOverflow="overflow"/>
+                  <a:tcPr marL="50800" marR="50800" marT="50800" marB="50800" anchor="ctr" horzOverflow="overflow"/>
                 </a:tc>
                 <a:tc>
                   <a:txBody>
@@ -5391,8 +5580,13 @@
                       </a:r>
                     </a:p>
                   </a:txBody>
-                  <a:tcPr marL="50800" marR="50800" marT="50800" marB="50800" anchor="ctr" anchorCtr="0" horzOverflow="overflow"/>
-                </a:tc>
+                  <a:tcPr marL="50800" marR="50800" marT="50800" marB="50800" anchor="ctr" horzOverflow="overflow"/>
+                </a:tc>
+                <a:extLst>
+                  <a:ext uri="{0D108BD9-81ED-4DB2-BD59-A6C34878D82A}">
+                    <a16:rowId xmlns:a16="http://schemas.microsoft.com/office/drawing/2014/main" val="10001"/>
+                  </a:ext>
+                </a:extLst>
               </a:tr>
               <a:tr h="756583">
                 <a:tc>
@@ -5417,7 +5611,7 @@
                       </a:r>
                     </a:p>
                   </a:txBody>
-                  <a:tcPr marL="50800" marR="50800" marT="50800" marB="50800" anchor="ctr" anchorCtr="0" horzOverflow="overflow"/>
+                  <a:tcPr marL="50800" marR="50800" marT="50800" marB="50800" anchor="ctr" horzOverflow="overflow"/>
                 </a:tc>
                 <a:tc>
                   <a:txBody>
@@ -5441,7 +5635,7 @@
                       </a:r>
                     </a:p>
                   </a:txBody>
-                  <a:tcPr marL="50800" marR="50800" marT="50800" marB="50800" anchor="ctr" anchorCtr="0" horzOverflow="overflow"/>
+                  <a:tcPr marL="50800" marR="50800" marT="50800" marB="50800" anchor="ctr" horzOverflow="overflow"/>
                 </a:tc>
                 <a:tc>
                   <a:txBody>
@@ -5465,7 +5659,7 @@
                       </a:r>
                     </a:p>
                   </a:txBody>
-                  <a:tcPr marL="50800" marR="50800" marT="50800" marB="50800" anchor="ctr" anchorCtr="0" horzOverflow="overflow"/>
+                  <a:tcPr marL="50800" marR="50800" marT="50800" marB="50800" anchor="ctr" horzOverflow="overflow"/>
                 </a:tc>
                 <a:tc>
                   <a:txBody>
@@ -5489,7 +5683,7 @@
                       </a:r>
                     </a:p>
                   </a:txBody>
-                  <a:tcPr marL="50800" marR="50800" marT="50800" marB="50800" anchor="ctr" anchorCtr="0" horzOverflow="overflow"/>
+                  <a:tcPr marL="50800" marR="50800" marT="50800" marB="50800" anchor="ctr" horzOverflow="overflow"/>
                 </a:tc>
                 <a:tc>
                   <a:txBody>
@@ -5513,8 +5707,13 @@
                       </a:r>
                     </a:p>
                   </a:txBody>
-                  <a:tcPr marL="50800" marR="50800" marT="50800" marB="50800" anchor="ctr" anchorCtr="0" horzOverflow="overflow"/>
-                </a:tc>
+                  <a:tcPr marL="50800" marR="50800" marT="50800" marB="50800" anchor="ctr" horzOverflow="overflow"/>
+                </a:tc>
+                <a:extLst>
+                  <a:ext uri="{0D108BD9-81ED-4DB2-BD59-A6C34878D82A}">
+                    <a16:rowId xmlns:a16="http://schemas.microsoft.com/office/drawing/2014/main" val="10002"/>
+                  </a:ext>
+                </a:extLst>
               </a:tr>
               <a:tr h="756583">
                 <a:tc>
@@ -5539,7 +5738,7 @@
                       </a:r>
                     </a:p>
                   </a:txBody>
-                  <a:tcPr marL="50800" marR="50800" marT="50800" marB="50800" anchor="ctr" anchorCtr="0" horzOverflow="overflow"/>
+                  <a:tcPr marL="50800" marR="50800" marT="50800" marB="50800" anchor="ctr" horzOverflow="overflow"/>
                 </a:tc>
                 <a:tc>
                   <a:txBody>
@@ -5563,7 +5762,7 @@
                       </a:r>
                     </a:p>
                   </a:txBody>
-                  <a:tcPr marL="50800" marR="50800" marT="50800" marB="50800" anchor="ctr" anchorCtr="0" horzOverflow="overflow"/>
+                  <a:tcPr marL="50800" marR="50800" marT="50800" marB="50800" anchor="ctr" horzOverflow="overflow"/>
                 </a:tc>
                 <a:tc>
                   <a:txBody>
@@ -5587,7 +5786,7 @@
                       </a:r>
                     </a:p>
                   </a:txBody>
-                  <a:tcPr marL="50800" marR="50800" marT="50800" marB="50800" anchor="ctr" anchorCtr="0" horzOverflow="overflow"/>
+                  <a:tcPr marL="50800" marR="50800" marT="50800" marB="50800" anchor="ctr" horzOverflow="overflow"/>
                 </a:tc>
                 <a:tc>
                   <a:txBody>
@@ -5611,7 +5810,7 @@
                       </a:r>
                     </a:p>
                   </a:txBody>
-                  <a:tcPr marL="50800" marR="50800" marT="50800" marB="50800" anchor="ctr" anchorCtr="0" horzOverflow="overflow"/>
+                  <a:tcPr marL="50800" marR="50800" marT="50800" marB="50800" anchor="ctr" horzOverflow="overflow"/>
                 </a:tc>
                 <a:tc>
                   <a:txBody>
@@ -5635,8 +5834,13 @@
                       </a:r>
                     </a:p>
                   </a:txBody>
-                  <a:tcPr marL="50800" marR="50800" marT="50800" marB="50800" anchor="ctr" anchorCtr="0" horzOverflow="overflow"/>
-                </a:tc>
+                  <a:tcPr marL="50800" marR="50800" marT="50800" marB="50800" anchor="ctr" horzOverflow="overflow"/>
+                </a:tc>
+                <a:extLst>
+                  <a:ext uri="{0D108BD9-81ED-4DB2-BD59-A6C34878D82A}">
+                    <a16:rowId xmlns:a16="http://schemas.microsoft.com/office/drawing/2014/main" val="10003"/>
+                  </a:ext>
+                </a:extLst>
               </a:tr>
               <a:tr h="756583">
                 <a:tc>
@@ -5661,7 +5865,7 @@
                       </a:r>
                     </a:p>
                   </a:txBody>
-                  <a:tcPr marL="50800" marR="50800" marT="50800" marB="50800" anchor="ctr" anchorCtr="0" horzOverflow="overflow"/>
+                  <a:tcPr marL="50800" marR="50800" marT="50800" marB="50800" anchor="ctr" horzOverflow="overflow"/>
                 </a:tc>
                 <a:tc>
                   <a:txBody>
@@ -5685,7 +5889,7 @@
                       </a:r>
                     </a:p>
                   </a:txBody>
-                  <a:tcPr marL="50800" marR="50800" marT="50800" marB="50800" anchor="ctr" anchorCtr="0" horzOverflow="overflow"/>
+                  <a:tcPr marL="50800" marR="50800" marT="50800" marB="50800" anchor="ctr" horzOverflow="overflow"/>
                 </a:tc>
                 <a:tc>
                   <a:txBody>
@@ -5709,7 +5913,7 @@
                       </a:r>
                     </a:p>
                   </a:txBody>
-                  <a:tcPr marL="50800" marR="50800" marT="50800" marB="50800" anchor="ctr" anchorCtr="0" horzOverflow="overflow"/>
+                  <a:tcPr marL="50800" marR="50800" marT="50800" marB="50800" anchor="ctr" horzOverflow="overflow"/>
                 </a:tc>
                 <a:tc>
                   <a:txBody>
@@ -5733,7 +5937,7 @@
                       </a:r>
                     </a:p>
                   </a:txBody>
-                  <a:tcPr marL="50800" marR="50800" marT="50800" marB="50800" anchor="ctr" anchorCtr="0" horzOverflow="overflow"/>
+                  <a:tcPr marL="50800" marR="50800" marT="50800" marB="50800" anchor="ctr" horzOverflow="overflow"/>
                 </a:tc>
                 <a:tc>
                   <a:txBody>
@@ -5757,8 +5961,13 @@
                       </a:r>
                     </a:p>
                   </a:txBody>
-                  <a:tcPr marL="50800" marR="50800" marT="50800" marB="50800" anchor="ctr" anchorCtr="0" horzOverflow="overflow"/>
-                </a:tc>
+                  <a:tcPr marL="50800" marR="50800" marT="50800" marB="50800" anchor="ctr" horzOverflow="overflow"/>
+                </a:tc>
+                <a:extLst>
+                  <a:ext uri="{0D108BD9-81ED-4DB2-BD59-A6C34878D82A}">
+                    <a16:rowId xmlns:a16="http://schemas.microsoft.com/office/drawing/2014/main" val="10004"/>
+                  </a:ext>
+                </a:extLst>
               </a:tr>
             </a:tbl>
           </a:graphicData>
@@ -5768,24 +5977,60 @@
         <p:nvGraphicFramePr>
           <p:cNvPr id="155" name="Tаблица 1-1-1-1"/>
           <p:cNvGraphicFramePr/>
-          <p:nvPr/>
+          <p:nvPr>
+            <p:extLst>
+              <p:ext uri="{D42A27DB-BD31-4B8C-83A1-F6EECF244321}">
+                <p14:modId xmlns:p14="http://schemas.microsoft.com/office/powerpoint/2010/main" val="3755068913"/>
+              </p:ext>
+            </p:extLst>
+          </p:nvPr>
         </p:nvGraphicFramePr>
         <p:xfrm>
-          <a:off x="7418068" y="7724043"/>
-          <a:ext cx="4174580" cy="3795616"/>
+          <a:off x="7421245" y="9244991"/>
+          <a:ext cx="4161875" cy="3782915"/>
         </p:xfrm>
-        <a:graphic xmlns:a="http://schemas.openxmlformats.org/drawingml/2006/main">
+        <a:graphic>
           <a:graphicData uri="http://schemas.openxmlformats.org/drawingml/2006/table">
             <a:tbl>
-              <a:tblPr firstCol="0" firstRow="0" lastCol="0" lastRow="0" bandCol="0" bandRow="0" rtl="0">
+              <a:tblPr>
                 <a:tableStyleId>{4C3C2611-4C71-4FC5-86AE-919BDF0F9419}</a:tableStyleId>
               </a:tblPr>
               <a:tblGrid>
-                <a:gridCol w="832375"/>
-                <a:gridCol w="832375"/>
-                <a:gridCol w="832375"/>
-                <a:gridCol w="832375"/>
-                <a:gridCol w="832375"/>
+                <a:gridCol w="832375">
+                  <a:extLst>
+                    <a:ext uri="{9D8B030D-6E8A-4147-A177-3AD203B41FA5}">
+                      <a16:colId xmlns:a16="http://schemas.microsoft.com/office/drawing/2014/main" val="20000"/>
+                    </a:ext>
+                  </a:extLst>
+                </a:gridCol>
+                <a:gridCol w="832375">
+                  <a:extLst>
+                    <a:ext uri="{9D8B030D-6E8A-4147-A177-3AD203B41FA5}">
+                      <a16:colId xmlns:a16="http://schemas.microsoft.com/office/drawing/2014/main" val="20001"/>
+                    </a:ext>
+                  </a:extLst>
+                </a:gridCol>
+                <a:gridCol w="832375">
+                  <a:extLst>
+                    <a:ext uri="{9D8B030D-6E8A-4147-A177-3AD203B41FA5}">
+                      <a16:colId xmlns:a16="http://schemas.microsoft.com/office/drawing/2014/main" val="20002"/>
+                    </a:ext>
+                  </a:extLst>
+                </a:gridCol>
+                <a:gridCol w="832375">
+                  <a:extLst>
+                    <a:ext uri="{9D8B030D-6E8A-4147-A177-3AD203B41FA5}">
+                      <a16:colId xmlns:a16="http://schemas.microsoft.com/office/drawing/2014/main" val="20003"/>
+                    </a:ext>
+                  </a:extLst>
+                </a:gridCol>
+                <a:gridCol w="832375">
+                  <a:extLst>
+                    <a:ext uri="{9D8B030D-6E8A-4147-A177-3AD203B41FA5}">
+                      <a16:colId xmlns:a16="http://schemas.microsoft.com/office/drawing/2014/main" val="20004"/>
+                    </a:ext>
+                  </a:extLst>
+                </a:gridCol>
               </a:tblGrid>
               <a:tr h="756583">
                 <a:tc>
@@ -5810,7 +6055,7 @@
                       </a:r>
                     </a:p>
                   </a:txBody>
-                  <a:tcPr marL="50800" marR="50800" marT="50800" marB="50800" anchor="ctr" anchorCtr="0" horzOverflow="overflow"/>
+                  <a:tcPr marL="50800" marR="50800" marT="50800" marB="50800" anchor="ctr" horzOverflow="overflow"/>
                 </a:tc>
                 <a:tc>
                   <a:txBody>
@@ -5834,7 +6079,7 @@
                       </a:r>
                     </a:p>
                   </a:txBody>
-                  <a:tcPr marL="50800" marR="50800" marT="50800" marB="50800" anchor="ctr" anchorCtr="0" horzOverflow="overflow"/>
+                  <a:tcPr marL="50800" marR="50800" marT="50800" marB="50800" anchor="ctr" horzOverflow="overflow"/>
                 </a:tc>
                 <a:tc>
                   <a:txBody>
@@ -5858,7 +6103,7 @@
                       </a:r>
                     </a:p>
                   </a:txBody>
-                  <a:tcPr marL="50800" marR="50800" marT="50800" marB="50800" anchor="ctr" anchorCtr="0" horzOverflow="overflow"/>
+                  <a:tcPr marL="50800" marR="50800" marT="50800" marB="50800" anchor="ctr" horzOverflow="overflow"/>
                 </a:tc>
                 <a:tc>
                   <a:txBody>
@@ -5882,7 +6127,7 @@
                       </a:r>
                     </a:p>
                   </a:txBody>
-                  <a:tcPr marL="50800" marR="50800" marT="50800" marB="50800" anchor="ctr" anchorCtr="0" horzOverflow="overflow"/>
+                  <a:tcPr marL="50800" marR="50800" marT="50800" marB="50800" anchor="ctr" horzOverflow="overflow"/>
                 </a:tc>
                 <a:tc>
                   <a:txBody>
@@ -5906,8 +6151,13 @@
                       </a:r>
                     </a:p>
                   </a:txBody>
-                  <a:tcPr marL="50800" marR="50800" marT="50800" marB="50800" anchor="ctr" anchorCtr="0" horzOverflow="overflow"/>
-                </a:tc>
+                  <a:tcPr marL="50800" marR="50800" marT="50800" marB="50800" anchor="ctr" horzOverflow="overflow"/>
+                </a:tc>
+                <a:extLst>
+                  <a:ext uri="{0D108BD9-81ED-4DB2-BD59-A6C34878D82A}">
+                    <a16:rowId xmlns:a16="http://schemas.microsoft.com/office/drawing/2014/main" val="10000"/>
+                  </a:ext>
+                </a:extLst>
               </a:tr>
               <a:tr h="756583">
                 <a:tc>
@@ -5932,7 +6182,7 @@
                       </a:r>
                     </a:p>
                   </a:txBody>
-                  <a:tcPr marL="50800" marR="50800" marT="50800" marB="50800" anchor="ctr" anchorCtr="0" horzOverflow="overflow"/>
+                  <a:tcPr marL="50800" marR="50800" marT="50800" marB="50800" anchor="ctr" horzOverflow="overflow"/>
                 </a:tc>
                 <a:tc>
                   <a:txBody>
@@ -5959,7 +6209,7 @@
                       </a:r>
                     </a:p>
                   </a:txBody>
-                  <a:tcPr marL="50800" marR="50800" marT="50800" marB="50800" anchor="ctr" anchorCtr="0" horzOverflow="overflow"/>
+                  <a:tcPr marL="50800" marR="50800" marT="50800" marB="50800" anchor="ctr" horzOverflow="overflow"/>
                 </a:tc>
                 <a:tc>
                   <a:txBody>
@@ -5983,7 +6233,7 @@
                       </a:r>
                     </a:p>
                   </a:txBody>
-                  <a:tcPr marL="50800" marR="50800" marT="50800" marB="50800" anchor="ctr" anchorCtr="0" horzOverflow="overflow"/>
+                  <a:tcPr marL="50800" marR="50800" marT="50800" marB="50800" anchor="ctr" horzOverflow="overflow"/>
                 </a:tc>
                 <a:tc>
                   <a:txBody>
@@ -6010,7 +6260,7 @@
                       </a:r>
                     </a:p>
                   </a:txBody>
-                  <a:tcPr marL="50800" marR="50800" marT="50800" marB="50800" anchor="ctr" anchorCtr="0" horzOverflow="overflow"/>
+                  <a:tcPr marL="50800" marR="50800" marT="50800" marB="50800" anchor="ctr" horzOverflow="overflow"/>
                 </a:tc>
                 <a:tc>
                   <a:txBody>
@@ -6034,8 +6284,13 @@
                       </a:r>
                     </a:p>
                   </a:txBody>
-                  <a:tcPr marL="50800" marR="50800" marT="50800" marB="50800" anchor="ctr" anchorCtr="0" horzOverflow="overflow"/>
-                </a:tc>
+                  <a:tcPr marL="50800" marR="50800" marT="50800" marB="50800" anchor="ctr" horzOverflow="overflow"/>
+                </a:tc>
+                <a:extLst>
+                  <a:ext uri="{0D108BD9-81ED-4DB2-BD59-A6C34878D82A}">
+                    <a16:rowId xmlns:a16="http://schemas.microsoft.com/office/drawing/2014/main" val="10001"/>
+                  </a:ext>
+                </a:extLst>
               </a:tr>
               <a:tr h="756583">
                 <a:tc>
@@ -6060,7 +6315,7 @@
                       </a:r>
                     </a:p>
                   </a:txBody>
-                  <a:tcPr marL="50800" marR="50800" marT="50800" marB="50800" anchor="ctr" anchorCtr="0" horzOverflow="overflow"/>
+                  <a:tcPr marL="50800" marR="50800" marT="50800" marB="50800" anchor="ctr" horzOverflow="overflow"/>
                 </a:tc>
                 <a:tc>
                   <a:txBody>
@@ -6084,7 +6339,7 @@
                       </a:r>
                     </a:p>
                   </a:txBody>
-                  <a:tcPr marL="50800" marR="50800" marT="50800" marB="50800" anchor="ctr" anchorCtr="0" horzOverflow="overflow"/>
+                  <a:tcPr marL="50800" marR="50800" marT="50800" marB="50800" anchor="ctr" horzOverflow="overflow"/>
                 </a:tc>
                 <a:tc>
                   <a:txBody>
@@ -6108,7 +6363,7 @@
                       </a:r>
                     </a:p>
                   </a:txBody>
-                  <a:tcPr marL="50800" marR="50800" marT="50800" marB="50800" anchor="ctr" anchorCtr="0" horzOverflow="overflow"/>
+                  <a:tcPr marL="50800" marR="50800" marT="50800" marB="50800" anchor="ctr" horzOverflow="overflow"/>
                 </a:tc>
                 <a:tc>
                   <a:txBody>
@@ -6132,7 +6387,7 @@
                       </a:r>
                     </a:p>
                   </a:txBody>
-                  <a:tcPr marL="50800" marR="50800" marT="50800" marB="50800" anchor="ctr" anchorCtr="0" horzOverflow="overflow"/>
+                  <a:tcPr marL="50800" marR="50800" marT="50800" marB="50800" anchor="ctr" horzOverflow="overflow"/>
                 </a:tc>
                 <a:tc>
                   <a:txBody>
@@ -6156,8 +6411,13 @@
                       </a:r>
                     </a:p>
                   </a:txBody>
-                  <a:tcPr marL="50800" marR="50800" marT="50800" marB="50800" anchor="ctr" anchorCtr="0" horzOverflow="overflow"/>
-                </a:tc>
+                  <a:tcPr marL="50800" marR="50800" marT="50800" marB="50800" anchor="ctr" horzOverflow="overflow"/>
+                </a:tc>
+                <a:extLst>
+                  <a:ext uri="{0D108BD9-81ED-4DB2-BD59-A6C34878D82A}">
+                    <a16:rowId xmlns:a16="http://schemas.microsoft.com/office/drawing/2014/main" val="10002"/>
+                  </a:ext>
+                </a:extLst>
               </a:tr>
               <a:tr h="756583">
                 <a:tc>
@@ -6182,7 +6442,7 @@
                       </a:r>
                     </a:p>
                   </a:txBody>
-                  <a:tcPr marL="50800" marR="50800" marT="50800" marB="50800" anchor="ctr" anchorCtr="0" horzOverflow="overflow"/>
+                  <a:tcPr marL="50800" marR="50800" marT="50800" marB="50800" anchor="ctr" horzOverflow="overflow"/>
                 </a:tc>
                 <a:tc>
                   <a:txBody>
@@ -6209,7 +6469,7 @@
                       </a:r>
                     </a:p>
                   </a:txBody>
-                  <a:tcPr marL="50800" marR="50800" marT="50800" marB="50800" anchor="ctr" anchorCtr="0" horzOverflow="overflow"/>
+                  <a:tcPr marL="50800" marR="50800" marT="50800" marB="50800" anchor="ctr" horzOverflow="overflow"/>
                 </a:tc>
                 <a:tc>
                   <a:txBody>
@@ -6233,7 +6493,7 @@
                       </a:r>
                     </a:p>
                   </a:txBody>
-                  <a:tcPr marL="50800" marR="50800" marT="50800" marB="50800" anchor="ctr" anchorCtr="0" horzOverflow="overflow"/>
+                  <a:tcPr marL="50800" marR="50800" marT="50800" marB="50800" anchor="ctr" horzOverflow="overflow"/>
                 </a:tc>
                 <a:tc>
                   <a:txBody>
@@ -6260,7 +6520,7 @@
                       </a:r>
                     </a:p>
                   </a:txBody>
-                  <a:tcPr marL="50800" marR="50800" marT="50800" marB="50800" anchor="ctr" anchorCtr="0" horzOverflow="overflow"/>
+                  <a:tcPr marL="50800" marR="50800" marT="50800" marB="50800" anchor="ctr" horzOverflow="overflow"/>
                 </a:tc>
                 <a:tc>
                   <a:txBody>
@@ -6284,8 +6544,13 @@
                       </a:r>
                     </a:p>
                   </a:txBody>
-                  <a:tcPr marL="50800" marR="50800" marT="50800" marB="50800" anchor="ctr" anchorCtr="0" horzOverflow="overflow"/>
-                </a:tc>
+                  <a:tcPr marL="50800" marR="50800" marT="50800" marB="50800" anchor="ctr" horzOverflow="overflow"/>
+                </a:tc>
+                <a:extLst>
+                  <a:ext uri="{0D108BD9-81ED-4DB2-BD59-A6C34878D82A}">
+                    <a16:rowId xmlns:a16="http://schemas.microsoft.com/office/drawing/2014/main" val="10003"/>
+                  </a:ext>
+                </a:extLst>
               </a:tr>
               <a:tr h="756583">
                 <a:tc>
@@ -6310,7 +6575,7 @@
                       </a:r>
                     </a:p>
                   </a:txBody>
-                  <a:tcPr marL="50800" marR="50800" marT="50800" marB="50800" anchor="ctr" anchorCtr="0" horzOverflow="overflow"/>
+                  <a:tcPr marL="50800" marR="50800" marT="50800" marB="50800" anchor="ctr" horzOverflow="overflow"/>
                 </a:tc>
                 <a:tc>
                   <a:txBody>
@@ -6334,7 +6599,7 @@
                       </a:r>
                     </a:p>
                   </a:txBody>
-                  <a:tcPr marL="50800" marR="50800" marT="50800" marB="50800" anchor="ctr" anchorCtr="0" horzOverflow="overflow"/>
+                  <a:tcPr marL="50800" marR="50800" marT="50800" marB="50800" anchor="ctr" horzOverflow="overflow"/>
                 </a:tc>
                 <a:tc>
                   <a:txBody>
@@ -6358,7 +6623,7 @@
                       </a:r>
                     </a:p>
                   </a:txBody>
-                  <a:tcPr marL="50800" marR="50800" marT="50800" marB="50800" anchor="ctr" anchorCtr="0" horzOverflow="overflow"/>
+                  <a:tcPr marL="50800" marR="50800" marT="50800" marB="50800" anchor="ctr" horzOverflow="overflow"/>
                 </a:tc>
                 <a:tc>
                   <a:txBody>
@@ -6382,7 +6647,7 @@
                       </a:r>
                     </a:p>
                   </a:txBody>
-                  <a:tcPr marL="50800" marR="50800" marT="50800" marB="50800" anchor="ctr" anchorCtr="0" horzOverflow="overflow"/>
+                  <a:tcPr marL="50800" marR="50800" marT="50800" marB="50800" anchor="ctr" horzOverflow="overflow"/>
                 </a:tc>
                 <a:tc>
                   <a:txBody>
@@ -6406,8 +6671,13 @@
                       </a:r>
                     </a:p>
                   </a:txBody>
-                  <a:tcPr marL="50800" marR="50800" marT="50800" marB="50800" anchor="ctr" anchorCtr="0" horzOverflow="overflow"/>
-                </a:tc>
+                  <a:tcPr marL="50800" marR="50800" marT="50800" marB="50800" anchor="ctr" horzOverflow="overflow"/>
+                </a:tc>
+                <a:extLst>
+                  <a:ext uri="{0D108BD9-81ED-4DB2-BD59-A6C34878D82A}">
+                    <a16:rowId xmlns:a16="http://schemas.microsoft.com/office/drawing/2014/main" val="10004"/>
+                  </a:ext>
+                </a:extLst>
               </a:tr>
             </a:tbl>
           </a:graphicData>
@@ -6417,24 +6687,60 @@
         <p:nvGraphicFramePr>
           <p:cNvPr id="156" name="Tаблица 1-1-1-1-1"/>
           <p:cNvGraphicFramePr/>
-          <p:nvPr/>
+          <p:nvPr>
+            <p:extLst>
+              <p:ext uri="{D42A27DB-BD31-4B8C-83A1-F6EECF244321}">
+                <p14:modId xmlns:p14="http://schemas.microsoft.com/office/powerpoint/2010/main" val="399995232"/>
+              </p:ext>
+            </p:extLst>
+          </p:nvPr>
         </p:nvGraphicFramePr>
         <p:xfrm>
-          <a:off x="12816753" y="7724043"/>
-          <a:ext cx="4174580" cy="3795616"/>
+          <a:off x="12819930" y="9244991"/>
+          <a:ext cx="4161875" cy="3782915"/>
         </p:xfrm>
-        <a:graphic xmlns:a="http://schemas.openxmlformats.org/drawingml/2006/main">
+        <a:graphic>
           <a:graphicData uri="http://schemas.openxmlformats.org/drawingml/2006/table">
             <a:tbl>
-              <a:tblPr firstCol="0" firstRow="0" lastCol="0" lastRow="0" bandCol="0" bandRow="0" rtl="0">
+              <a:tblPr>
                 <a:tableStyleId>{4C3C2611-4C71-4FC5-86AE-919BDF0F9419}</a:tableStyleId>
               </a:tblPr>
               <a:tblGrid>
-                <a:gridCol w="832375"/>
-                <a:gridCol w="832375"/>
-                <a:gridCol w="832375"/>
-                <a:gridCol w="832375"/>
-                <a:gridCol w="832375"/>
+                <a:gridCol w="832375">
+                  <a:extLst>
+                    <a:ext uri="{9D8B030D-6E8A-4147-A177-3AD203B41FA5}">
+                      <a16:colId xmlns:a16="http://schemas.microsoft.com/office/drawing/2014/main" val="20000"/>
+                    </a:ext>
+                  </a:extLst>
+                </a:gridCol>
+                <a:gridCol w="832375">
+                  <a:extLst>
+                    <a:ext uri="{9D8B030D-6E8A-4147-A177-3AD203B41FA5}">
+                      <a16:colId xmlns:a16="http://schemas.microsoft.com/office/drawing/2014/main" val="20001"/>
+                    </a:ext>
+                  </a:extLst>
+                </a:gridCol>
+                <a:gridCol w="832375">
+                  <a:extLst>
+                    <a:ext uri="{9D8B030D-6E8A-4147-A177-3AD203B41FA5}">
+                      <a16:colId xmlns:a16="http://schemas.microsoft.com/office/drawing/2014/main" val="20002"/>
+                    </a:ext>
+                  </a:extLst>
+                </a:gridCol>
+                <a:gridCol w="832375">
+                  <a:extLst>
+                    <a:ext uri="{9D8B030D-6E8A-4147-A177-3AD203B41FA5}">
+                      <a16:colId xmlns:a16="http://schemas.microsoft.com/office/drawing/2014/main" val="20003"/>
+                    </a:ext>
+                  </a:extLst>
+                </a:gridCol>
+                <a:gridCol w="832375">
+                  <a:extLst>
+                    <a:ext uri="{9D8B030D-6E8A-4147-A177-3AD203B41FA5}">
+                      <a16:colId xmlns:a16="http://schemas.microsoft.com/office/drawing/2014/main" val="20004"/>
+                    </a:ext>
+                  </a:extLst>
+                </a:gridCol>
               </a:tblGrid>
               <a:tr h="756583">
                 <a:tc>
@@ -6459,7 +6765,7 @@
                       </a:r>
                     </a:p>
                   </a:txBody>
-                  <a:tcPr marL="50800" marR="50800" marT="50800" marB="50800" anchor="ctr" anchorCtr="0" horzOverflow="overflow"/>
+                  <a:tcPr marL="50800" marR="50800" marT="50800" marB="50800" anchor="ctr" horzOverflow="overflow"/>
                 </a:tc>
                 <a:tc>
                   <a:txBody>
@@ -6483,7 +6789,7 @@
                       </a:r>
                     </a:p>
                   </a:txBody>
-                  <a:tcPr marL="50800" marR="50800" marT="50800" marB="50800" anchor="ctr" anchorCtr="0" horzOverflow="overflow"/>
+                  <a:tcPr marL="50800" marR="50800" marT="50800" marB="50800" anchor="ctr" horzOverflow="overflow"/>
                 </a:tc>
                 <a:tc>
                   <a:txBody>
@@ -6507,7 +6813,7 @@
                       </a:r>
                     </a:p>
                   </a:txBody>
-                  <a:tcPr marL="50800" marR="50800" marT="50800" marB="50800" anchor="ctr" anchorCtr="0" horzOverflow="overflow"/>
+                  <a:tcPr marL="50800" marR="50800" marT="50800" marB="50800" anchor="ctr" horzOverflow="overflow"/>
                 </a:tc>
                 <a:tc>
                   <a:txBody>
@@ -6531,7 +6837,7 @@
                       </a:r>
                     </a:p>
                   </a:txBody>
-                  <a:tcPr marL="50800" marR="50800" marT="50800" marB="50800" anchor="ctr" anchorCtr="0" horzOverflow="overflow"/>
+                  <a:tcPr marL="50800" marR="50800" marT="50800" marB="50800" anchor="ctr" horzOverflow="overflow"/>
                 </a:tc>
                 <a:tc>
                   <a:txBody>
@@ -6555,8 +6861,13 @@
                       </a:r>
                     </a:p>
                   </a:txBody>
-                  <a:tcPr marL="50800" marR="50800" marT="50800" marB="50800" anchor="ctr" anchorCtr="0" horzOverflow="overflow"/>
-                </a:tc>
+                  <a:tcPr marL="50800" marR="50800" marT="50800" marB="50800" anchor="ctr" horzOverflow="overflow"/>
+                </a:tc>
+                <a:extLst>
+                  <a:ext uri="{0D108BD9-81ED-4DB2-BD59-A6C34878D82A}">
+                    <a16:rowId xmlns:a16="http://schemas.microsoft.com/office/drawing/2014/main" val="10000"/>
+                  </a:ext>
+                </a:extLst>
               </a:tr>
               <a:tr h="756583">
                 <a:tc>
@@ -6581,7 +6892,7 @@
                       </a:r>
                     </a:p>
                   </a:txBody>
-                  <a:tcPr marL="50800" marR="50800" marT="50800" marB="50800" anchor="ctr" anchorCtr="0" horzOverflow="overflow"/>
+                  <a:tcPr marL="50800" marR="50800" marT="50800" marB="50800" anchor="ctr" horzOverflow="overflow"/>
                 </a:tc>
                 <a:tc>
                   <a:txBody>
@@ -6605,7 +6916,7 @@
                       </a:r>
                     </a:p>
                   </a:txBody>
-                  <a:tcPr marL="50800" marR="50800" marT="50800" marB="50800" anchor="ctr" anchorCtr="0" horzOverflow="overflow"/>
+                  <a:tcPr marL="50800" marR="50800" marT="50800" marB="50800" anchor="ctr" horzOverflow="overflow"/>
                 </a:tc>
                 <a:tc>
                   <a:txBody>
@@ -6629,7 +6940,7 @@
                       </a:r>
                     </a:p>
                   </a:txBody>
-                  <a:tcPr marL="50800" marR="50800" marT="50800" marB="50800" anchor="ctr" anchorCtr="0" horzOverflow="overflow"/>
+                  <a:tcPr marL="50800" marR="50800" marT="50800" marB="50800" anchor="ctr" horzOverflow="overflow"/>
                 </a:tc>
                 <a:tc>
                   <a:txBody>
@@ -6653,7 +6964,7 @@
                       </a:r>
                     </a:p>
                   </a:txBody>
-                  <a:tcPr marL="50800" marR="50800" marT="50800" marB="50800" anchor="ctr" anchorCtr="0" horzOverflow="overflow"/>
+                  <a:tcPr marL="50800" marR="50800" marT="50800" marB="50800" anchor="ctr" horzOverflow="overflow"/>
                 </a:tc>
                 <a:tc>
                   <a:txBody>
@@ -6677,8 +6988,13 @@
                       </a:r>
                     </a:p>
                   </a:txBody>
-                  <a:tcPr marL="50800" marR="50800" marT="50800" marB="50800" anchor="ctr" anchorCtr="0" horzOverflow="overflow"/>
-                </a:tc>
+                  <a:tcPr marL="50800" marR="50800" marT="50800" marB="50800" anchor="ctr" horzOverflow="overflow"/>
+                </a:tc>
+                <a:extLst>
+                  <a:ext uri="{0D108BD9-81ED-4DB2-BD59-A6C34878D82A}">
+                    <a16:rowId xmlns:a16="http://schemas.microsoft.com/office/drawing/2014/main" val="10001"/>
+                  </a:ext>
+                </a:extLst>
               </a:tr>
               <a:tr h="756583">
                 <a:tc>
@@ -6703,7 +7019,7 @@
                       </a:r>
                     </a:p>
                   </a:txBody>
-                  <a:tcPr marL="50800" marR="50800" marT="50800" marB="50800" anchor="ctr" anchorCtr="0" horzOverflow="overflow"/>
+                  <a:tcPr marL="50800" marR="50800" marT="50800" marB="50800" anchor="ctr" horzOverflow="overflow"/>
                 </a:tc>
                 <a:tc>
                   <a:txBody>
@@ -6727,7 +7043,7 @@
                       </a:r>
                     </a:p>
                   </a:txBody>
-                  <a:tcPr marL="50800" marR="50800" marT="50800" marB="50800" anchor="ctr" anchorCtr="0" horzOverflow="overflow"/>
+                  <a:tcPr marL="50800" marR="50800" marT="50800" marB="50800" anchor="ctr" horzOverflow="overflow"/>
                 </a:tc>
                 <a:tc>
                   <a:txBody>
@@ -6751,7 +7067,7 @@
                       </a:r>
                     </a:p>
                   </a:txBody>
-                  <a:tcPr marL="50800" marR="50800" marT="50800" marB="50800" anchor="ctr" anchorCtr="0" horzOverflow="overflow"/>
+                  <a:tcPr marL="50800" marR="50800" marT="50800" marB="50800" anchor="ctr" horzOverflow="overflow"/>
                 </a:tc>
                 <a:tc>
                   <a:txBody>
@@ -6775,7 +7091,7 @@
                       </a:r>
                     </a:p>
                   </a:txBody>
-                  <a:tcPr marL="50800" marR="50800" marT="50800" marB="50800" anchor="ctr" anchorCtr="0" horzOverflow="overflow"/>
+                  <a:tcPr marL="50800" marR="50800" marT="50800" marB="50800" anchor="ctr" horzOverflow="overflow"/>
                 </a:tc>
                 <a:tc>
                   <a:txBody>
@@ -6799,8 +7115,13 @@
                       </a:r>
                     </a:p>
                   </a:txBody>
-                  <a:tcPr marL="50800" marR="50800" marT="50800" marB="50800" anchor="ctr" anchorCtr="0" horzOverflow="overflow"/>
-                </a:tc>
+                  <a:tcPr marL="50800" marR="50800" marT="50800" marB="50800" anchor="ctr" horzOverflow="overflow"/>
+                </a:tc>
+                <a:extLst>
+                  <a:ext uri="{0D108BD9-81ED-4DB2-BD59-A6C34878D82A}">
+                    <a16:rowId xmlns:a16="http://schemas.microsoft.com/office/drawing/2014/main" val="10002"/>
+                  </a:ext>
+                </a:extLst>
               </a:tr>
               <a:tr h="756583">
                 <a:tc>
@@ -6825,7 +7146,7 @@
                       </a:r>
                     </a:p>
                   </a:txBody>
-                  <a:tcPr marL="50800" marR="50800" marT="50800" marB="50800" anchor="ctr" anchorCtr="0" horzOverflow="overflow"/>
+                  <a:tcPr marL="50800" marR="50800" marT="50800" marB="50800" anchor="ctr" horzOverflow="overflow"/>
                 </a:tc>
                 <a:tc>
                   <a:txBody>
@@ -6849,7 +7170,7 @@
                       </a:r>
                     </a:p>
                   </a:txBody>
-                  <a:tcPr marL="50800" marR="50800" marT="50800" marB="50800" anchor="ctr" anchorCtr="0" horzOverflow="overflow"/>
+                  <a:tcPr marL="50800" marR="50800" marT="50800" marB="50800" anchor="ctr" horzOverflow="overflow"/>
                 </a:tc>
                 <a:tc>
                   <a:txBody>
@@ -6873,7 +7194,7 @@
                       </a:r>
                     </a:p>
                   </a:txBody>
-                  <a:tcPr marL="50800" marR="50800" marT="50800" marB="50800" anchor="ctr" anchorCtr="0" horzOverflow="overflow"/>
+                  <a:tcPr marL="50800" marR="50800" marT="50800" marB="50800" anchor="ctr" horzOverflow="overflow"/>
                 </a:tc>
                 <a:tc>
                   <a:txBody>
@@ -6897,7 +7218,7 @@
                       </a:r>
                     </a:p>
                   </a:txBody>
-                  <a:tcPr marL="50800" marR="50800" marT="50800" marB="50800" anchor="ctr" anchorCtr="0" horzOverflow="overflow"/>
+                  <a:tcPr marL="50800" marR="50800" marT="50800" marB="50800" anchor="ctr" horzOverflow="overflow"/>
                 </a:tc>
                 <a:tc>
                   <a:txBody>
@@ -6921,8 +7242,13 @@
                       </a:r>
                     </a:p>
                   </a:txBody>
-                  <a:tcPr marL="50800" marR="50800" marT="50800" marB="50800" anchor="ctr" anchorCtr="0" horzOverflow="overflow"/>
-                </a:tc>
+                  <a:tcPr marL="50800" marR="50800" marT="50800" marB="50800" anchor="ctr" horzOverflow="overflow"/>
+                </a:tc>
+                <a:extLst>
+                  <a:ext uri="{0D108BD9-81ED-4DB2-BD59-A6C34878D82A}">
+                    <a16:rowId xmlns:a16="http://schemas.microsoft.com/office/drawing/2014/main" val="10003"/>
+                  </a:ext>
+                </a:extLst>
               </a:tr>
               <a:tr h="756583">
                 <a:tc>
@@ -6947,7 +7273,7 @@
                       </a:r>
                     </a:p>
                   </a:txBody>
-                  <a:tcPr marL="50800" marR="50800" marT="50800" marB="50800" anchor="ctr" anchorCtr="0" horzOverflow="overflow"/>
+                  <a:tcPr marL="50800" marR="50800" marT="50800" marB="50800" anchor="ctr" horzOverflow="overflow"/>
                 </a:tc>
                 <a:tc>
                   <a:txBody>
@@ -6971,7 +7297,7 @@
                       </a:r>
                     </a:p>
                   </a:txBody>
-                  <a:tcPr marL="50800" marR="50800" marT="50800" marB="50800" anchor="ctr" anchorCtr="0" horzOverflow="overflow"/>
+                  <a:tcPr marL="50800" marR="50800" marT="50800" marB="50800" anchor="ctr" horzOverflow="overflow"/>
                 </a:tc>
                 <a:tc>
                   <a:txBody>
@@ -6995,7 +7321,7 @@
                       </a:r>
                     </a:p>
                   </a:txBody>
-                  <a:tcPr marL="50800" marR="50800" marT="50800" marB="50800" anchor="ctr" anchorCtr="0" horzOverflow="overflow"/>
+                  <a:tcPr marL="50800" marR="50800" marT="50800" marB="50800" anchor="ctr" horzOverflow="overflow"/>
                 </a:tc>
                 <a:tc>
                   <a:txBody>
@@ -7019,7 +7345,7 @@
                       </a:r>
                     </a:p>
                   </a:txBody>
-                  <a:tcPr marL="50800" marR="50800" marT="50800" marB="50800" anchor="ctr" anchorCtr="0" horzOverflow="overflow"/>
+                  <a:tcPr marL="50800" marR="50800" marT="50800" marB="50800" anchor="ctr" horzOverflow="overflow"/>
                 </a:tc>
                 <a:tc>
                   <a:txBody>
@@ -7043,8 +7369,13 @@
                       </a:r>
                     </a:p>
                   </a:txBody>
-                  <a:tcPr marL="50800" marR="50800" marT="50800" marB="50800" anchor="ctr" anchorCtr="0" horzOverflow="overflow"/>
-                </a:tc>
+                  <a:tcPr marL="50800" marR="50800" marT="50800" marB="50800" anchor="ctr" horzOverflow="overflow"/>
+                </a:tc>
+                <a:extLst>
+                  <a:ext uri="{0D108BD9-81ED-4DB2-BD59-A6C34878D82A}">
+                    <a16:rowId xmlns:a16="http://schemas.microsoft.com/office/drawing/2014/main" val="10004"/>
+                  </a:ext>
+                </a:extLst>
               </a:tr>
             </a:tbl>
           </a:graphicData>
@@ -7054,24 +7385,60 @@
         <p:nvGraphicFramePr>
           <p:cNvPr id="157" name="Tаблица 1-1-1-1-1-1"/>
           <p:cNvGraphicFramePr/>
-          <p:nvPr/>
+          <p:nvPr>
+            <p:extLst>
+              <p:ext uri="{D42A27DB-BD31-4B8C-83A1-F6EECF244321}">
+                <p14:modId xmlns:p14="http://schemas.microsoft.com/office/powerpoint/2010/main" val="3269699007"/>
+              </p:ext>
+            </p:extLst>
+          </p:nvPr>
         </p:nvGraphicFramePr>
         <p:xfrm>
-          <a:off x="18221788" y="7724043"/>
-          <a:ext cx="4174580" cy="3795616"/>
+          <a:off x="18224965" y="9244991"/>
+          <a:ext cx="4161875" cy="3782915"/>
         </p:xfrm>
-        <a:graphic xmlns:a="http://schemas.openxmlformats.org/drawingml/2006/main">
+        <a:graphic>
           <a:graphicData uri="http://schemas.openxmlformats.org/drawingml/2006/table">
             <a:tbl>
-              <a:tblPr firstCol="0" firstRow="0" lastCol="0" lastRow="0" bandCol="0" bandRow="0" rtl="0">
+              <a:tblPr>
                 <a:tableStyleId>{4C3C2611-4C71-4FC5-86AE-919BDF0F9419}</a:tableStyleId>
               </a:tblPr>
               <a:tblGrid>
-                <a:gridCol w="832375"/>
-                <a:gridCol w="832375"/>
-                <a:gridCol w="832375"/>
-                <a:gridCol w="832375"/>
-                <a:gridCol w="832375"/>
+                <a:gridCol w="832375">
+                  <a:extLst>
+                    <a:ext uri="{9D8B030D-6E8A-4147-A177-3AD203B41FA5}">
+                      <a16:colId xmlns:a16="http://schemas.microsoft.com/office/drawing/2014/main" val="20000"/>
+                    </a:ext>
+                  </a:extLst>
+                </a:gridCol>
+                <a:gridCol w="832375">
+                  <a:extLst>
+                    <a:ext uri="{9D8B030D-6E8A-4147-A177-3AD203B41FA5}">
+                      <a16:colId xmlns:a16="http://schemas.microsoft.com/office/drawing/2014/main" val="20001"/>
+                    </a:ext>
+                  </a:extLst>
+                </a:gridCol>
+                <a:gridCol w="832375">
+                  <a:extLst>
+                    <a:ext uri="{9D8B030D-6E8A-4147-A177-3AD203B41FA5}">
+                      <a16:colId xmlns:a16="http://schemas.microsoft.com/office/drawing/2014/main" val="20002"/>
+                    </a:ext>
+                  </a:extLst>
+                </a:gridCol>
+                <a:gridCol w="832375">
+                  <a:extLst>
+                    <a:ext uri="{9D8B030D-6E8A-4147-A177-3AD203B41FA5}">
+                      <a16:colId xmlns:a16="http://schemas.microsoft.com/office/drawing/2014/main" val="20003"/>
+                    </a:ext>
+                  </a:extLst>
+                </a:gridCol>
+                <a:gridCol w="832375">
+                  <a:extLst>
+                    <a:ext uri="{9D8B030D-6E8A-4147-A177-3AD203B41FA5}">
+                      <a16:colId xmlns:a16="http://schemas.microsoft.com/office/drawing/2014/main" val="20004"/>
+                    </a:ext>
+                  </a:extLst>
+                </a:gridCol>
               </a:tblGrid>
               <a:tr h="756583">
                 <a:tc>
@@ -7096,7 +7463,7 @@
                       </a:r>
                     </a:p>
                   </a:txBody>
-                  <a:tcPr marL="50800" marR="50800" marT="50800" marB="50800" anchor="ctr" anchorCtr="0" horzOverflow="overflow"/>
+                  <a:tcPr marL="50800" marR="50800" marT="50800" marB="50800" anchor="ctr" horzOverflow="overflow"/>
                 </a:tc>
                 <a:tc>
                   <a:txBody>
@@ -7124,7 +7491,7 @@
                       </a:r>
                     </a:p>
                   </a:txBody>
-                  <a:tcPr marL="50800" marR="50800" marT="50800" marB="50800" anchor="ctr" anchorCtr="0" horzOverflow="overflow"/>
+                  <a:tcPr marL="50800" marR="50800" marT="50800" marB="50800" anchor="ctr" horzOverflow="overflow"/>
                 </a:tc>
                 <a:tc>
                   <a:txBody>
@@ -7148,7 +7515,7 @@
                       </a:r>
                     </a:p>
                   </a:txBody>
-                  <a:tcPr marL="50800" marR="50800" marT="50800" marB="50800" anchor="ctr" anchorCtr="0" horzOverflow="overflow"/>
+                  <a:tcPr marL="50800" marR="50800" marT="50800" marB="50800" anchor="ctr" horzOverflow="overflow"/>
                 </a:tc>
                 <a:tc>
                   <a:txBody>
@@ -7176,7 +7543,7 @@
                       </a:r>
                     </a:p>
                   </a:txBody>
-                  <a:tcPr marL="50800" marR="50800" marT="50800" marB="50800" anchor="ctr" anchorCtr="0" horzOverflow="overflow"/>
+                  <a:tcPr marL="50800" marR="50800" marT="50800" marB="50800" anchor="ctr" horzOverflow="overflow"/>
                 </a:tc>
                 <a:tc>
                   <a:txBody>
@@ -7200,8 +7567,13 @@
                       </a:r>
                     </a:p>
                   </a:txBody>
-                  <a:tcPr marL="50800" marR="50800" marT="50800" marB="50800" anchor="ctr" anchorCtr="0" horzOverflow="overflow"/>
-                </a:tc>
+                  <a:tcPr marL="50800" marR="50800" marT="50800" marB="50800" anchor="ctr" horzOverflow="overflow"/>
+                </a:tc>
+                <a:extLst>
+                  <a:ext uri="{0D108BD9-81ED-4DB2-BD59-A6C34878D82A}">
+                    <a16:rowId xmlns:a16="http://schemas.microsoft.com/office/drawing/2014/main" val="10000"/>
+                  </a:ext>
+                </a:extLst>
               </a:tr>
               <a:tr h="756583">
                 <a:tc>
@@ -7230,7 +7602,7 @@
                       </a:r>
                     </a:p>
                   </a:txBody>
-                  <a:tcPr marL="50800" marR="50800" marT="50800" marB="50800" anchor="ctr" anchorCtr="0" horzOverflow="overflow"/>
+                  <a:tcPr marL="50800" marR="50800" marT="50800" marB="50800" anchor="ctr" horzOverflow="overflow"/>
                 </a:tc>
                 <a:tc>
                   <a:txBody>
@@ -7257,7 +7629,7 @@
                       </a:r>
                     </a:p>
                   </a:txBody>
-                  <a:tcPr marL="50800" marR="50800" marT="50800" marB="50800" anchor="ctr" anchorCtr="0" horzOverflow="overflow"/>
+                  <a:tcPr marL="50800" marR="50800" marT="50800" marB="50800" anchor="ctr" horzOverflow="overflow"/>
                 </a:tc>
                 <a:tc>
                   <a:txBody>
@@ -7281,7 +7653,7 @@
                       </a:r>
                     </a:p>
                   </a:txBody>
-                  <a:tcPr marL="50800" marR="50800" marT="50800" marB="50800" anchor="ctr" anchorCtr="0" horzOverflow="overflow"/>
+                  <a:tcPr marL="50800" marR="50800" marT="50800" marB="50800" anchor="ctr" horzOverflow="overflow"/>
                 </a:tc>
                 <a:tc>
                   <a:txBody>
@@ -7308,7 +7680,7 @@
                       </a:r>
                     </a:p>
                   </a:txBody>
-                  <a:tcPr marL="50800" marR="50800" marT="50800" marB="50800" anchor="ctr" anchorCtr="0" horzOverflow="overflow"/>
+                  <a:tcPr marL="50800" marR="50800" marT="50800" marB="50800" anchor="ctr" horzOverflow="overflow"/>
                 </a:tc>
                 <a:tc>
                   <a:txBody>
@@ -7336,8 +7708,13 @@
                       </a:r>
                     </a:p>
                   </a:txBody>
-                  <a:tcPr marL="50800" marR="50800" marT="50800" marB="50800" anchor="ctr" anchorCtr="0" horzOverflow="overflow"/>
-                </a:tc>
+                  <a:tcPr marL="50800" marR="50800" marT="50800" marB="50800" anchor="ctr" horzOverflow="overflow"/>
+                </a:tc>
+                <a:extLst>
+                  <a:ext uri="{0D108BD9-81ED-4DB2-BD59-A6C34878D82A}">
+                    <a16:rowId xmlns:a16="http://schemas.microsoft.com/office/drawing/2014/main" val="10001"/>
+                  </a:ext>
+                </a:extLst>
               </a:tr>
               <a:tr h="756583">
                 <a:tc>
@@ -7362,7 +7739,7 @@
                       </a:r>
                     </a:p>
                   </a:txBody>
-                  <a:tcPr marL="50800" marR="50800" marT="50800" marB="50800" anchor="ctr" anchorCtr="0" horzOverflow="overflow"/>
+                  <a:tcPr marL="50800" marR="50800" marT="50800" marB="50800" anchor="ctr" horzOverflow="overflow"/>
                 </a:tc>
                 <a:tc>
                   <a:txBody>
@@ -7386,7 +7763,7 @@
                       </a:r>
                     </a:p>
                   </a:txBody>
-                  <a:tcPr marL="50800" marR="50800" marT="50800" marB="50800" anchor="ctr" anchorCtr="0" horzOverflow="overflow"/>
+                  <a:tcPr marL="50800" marR="50800" marT="50800" marB="50800" anchor="ctr" horzOverflow="overflow"/>
                 </a:tc>
                 <a:tc>
                   <a:txBody>
@@ -7410,7 +7787,7 @@
                       </a:r>
                     </a:p>
                   </a:txBody>
-                  <a:tcPr marL="50800" marR="50800" marT="50800" marB="50800" anchor="ctr" anchorCtr="0" horzOverflow="overflow"/>
+                  <a:tcPr marL="50800" marR="50800" marT="50800" marB="50800" anchor="ctr" horzOverflow="overflow"/>
                 </a:tc>
                 <a:tc>
                   <a:txBody>
@@ -7434,7 +7811,7 @@
                       </a:r>
                     </a:p>
                   </a:txBody>
-                  <a:tcPr marL="50800" marR="50800" marT="50800" marB="50800" anchor="ctr" anchorCtr="0" horzOverflow="overflow"/>
+                  <a:tcPr marL="50800" marR="50800" marT="50800" marB="50800" anchor="ctr" horzOverflow="overflow"/>
                 </a:tc>
                 <a:tc>
                   <a:txBody>
@@ -7458,8 +7835,13 @@
                       </a:r>
                     </a:p>
                   </a:txBody>
-                  <a:tcPr marL="50800" marR="50800" marT="50800" marB="50800" anchor="ctr" anchorCtr="0" horzOverflow="overflow"/>
-                </a:tc>
+                  <a:tcPr marL="50800" marR="50800" marT="50800" marB="50800" anchor="ctr" horzOverflow="overflow"/>
+                </a:tc>
+                <a:extLst>
+                  <a:ext uri="{0D108BD9-81ED-4DB2-BD59-A6C34878D82A}">
+                    <a16:rowId xmlns:a16="http://schemas.microsoft.com/office/drawing/2014/main" val="10002"/>
+                  </a:ext>
+                </a:extLst>
               </a:tr>
               <a:tr h="756583">
                 <a:tc>
@@ -7488,7 +7870,7 @@
                       </a:r>
                     </a:p>
                   </a:txBody>
-                  <a:tcPr marL="50800" marR="50800" marT="50800" marB="50800" anchor="ctr" anchorCtr="0" horzOverflow="overflow"/>
+                  <a:tcPr marL="50800" marR="50800" marT="50800" marB="50800" anchor="ctr" horzOverflow="overflow"/>
                 </a:tc>
                 <a:tc>
                   <a:txBody>
@@ -7515,7 +7897,7 @@
                       </a:r>
                     </a:p>
                   </a:txBody>
-                  <a:tcPr marL="50800" marR="50800" marT="50800" marB="50800" anchor="ctr" anchorCtr="0" horzOverflow="overflow"/>
+                  <a:tcPr marL="50800" marR="50800" marT="50800" marB="50800" anchor="ctr" horzOverflow="overflow"/>
                 </a:tc>
                 <a:tc>
                   <a:txBody>
@@ -7539,7 +7921,7 @@
                       </a:r>
                     </a:p>
                   </a:txBody>
-                  <a:tcPr marL="50800" marR="50800" marT="50800" marB="50800" anchor="ctr" anchorCtr="0" horzOverflow="overflow"/>
+                  <a:tcPr marL="50800" marR="50800" marT="50800" marB="50800" anchor="ctr" horzOverflow="overflow"/>
                 </a:tc>
                 <a:tc>
                   <a:txBody>
@@ -7566,7 +7948,7 @@
                       </a:r>
                     </a:p>
                   </a:txBody>
-                  <a:tcPr marL="50800" marR="50800" marT="50800" marB="50800" anchor="ctr" anchorCtr="0" horzOverflow="overflow"/>
+                  <a:tcPr marL="50800" marR="50800" marT="50800" marB="50800" anchor="ctr" horzOverflow="overflow"/>
                 </a:tc>
                 <a:tc>
                   <a:txBody>
@@ -7594,8 +7976,13 @@
                       </a:r>
                     </a:p>
                   </a:txBody>
-                  <a:tcPr marL="50800" marR="50800" marT="50800" marB="50800" anchor="ctr" anchorCtr="0" horzOverflow="overflow"/>
-                </a:tc>
+                  <a:tcPr marL="50800" marR="50800" marT="50800" marB="50800" anchor="ctr" horzOverflow="overflow"/>
+                </a:tc>
+                <a:extLst>
+                  <a:ext uri="{0D108BD9-81ED-4DB2-BD59-A6C34878D82A}">
+                    <a16:rowId xmlns:a16="http://schemas.microsoft.com/office/drawing/2014/main" val="10003"/>
+                  </a:ext>
+                </a:extLst>
               </a:tr>
               <a:tr h="756583">
                 <a:tc>
@@ -7620,7 +8007,7 @@
                       </a:r>
                     </a:p>
                   </a:txBody>
-                  <a:tcPr marL="50800" marR="50800" marT="50800" marB="50800" anchor="ctr" anchorCtr="0" horzOverflow="overflow"/>
+                  <a:tcPr marL="50800" marR="50800" marT="50800" marB="50800" anchor="ctr" horzOverflow="overflow"/>
                 </a:tc>
                 <a:tc>
                   <a:txBody>
@@ -7648,7 +8035,7 @@
                       </a:r>
                     </a:p>
                   </a:txBody>
-                  <a:tcPr marL="50800" marR="50800" marT="50800" marB="50800" anchor="ctr" anchorCtr="0" horzOverflow="overflow"/>
+                  <a:tcPr marL="50800" marR="50800" marT="50800" marB="50800" anchor="ctr" horzOverflow="overflow"/>
                 </a:tc>
                 <a:tc>
                   <a:txBody>
@@ -7672,7 +8059,7 @@
                       </a:r>
                     </a:p>
                   </a:txBody>
-                  <a:tcPr marL="50800" marR="50800" marT="50800" marB="50800" anchor="ctr" anchorCtr="0" horzOverflow="overflow"/>
+                  <a:tcPr marL="50800" marR="50800" marT="50800" marB="50800" anchor="ctr" horzOverflow="overflow"/>
                 </a:tc>
                 <a:tc>
                   <a:txBody>
@@ -7700,7 +8087,7 @@
                       </a:r>
                     </a:p>
                   </a:txBody>
-                  <a:tcPr marL="50800" marR="50800" marT="50800" marB="50800" anchor="ctr" anchorCtr="0" horzOverflow="overflow"/>
+                  <a:tcPr marL="50800" marR="50800" marT="50800" marB="50800" anchor="ctr" horzOverflow="overflow"/>
                 </a:tc>
                 <a:tc>
                   <a:txBody>
@@ -7724,8 +8111,13 @@
                       </a:r>
                     </a:p>
                   </a:txBody>
-                  <a:tcPr marL="50800" marR="50800" marT="50800" marB="50800" anchor="ctr" anchorCtr="0" horzOverflow="overflow"/>
-                </a:tc>
+                  <a:tcPr marL="50800" marR="50800" marT="50800" marB="50800" anchor="ctr" horzOverflow="overflow"/>
+                </a:tc>
+                <a:extLst>
+                  <a:ext uri="{0D108BD9-81ED-4DB2-BD59-A6C34878D82A}">
+                    <a16:rowId xmlns:a16="http://schemas.microsoft.com/office/drawing/2014/main" val="10004"/>
+                  </a:ext>
+                </a:extLst>
               </a:tr>
             </a:tbl>
           </a:graphicData>
@@ -7735,24 +8127,60 @@
         <p:nvGraphicFramePr>
           <p:cNvPr id="158" name="Tаблица 1-1-2"/>
           <p:cNvGraphicFramePr/>
-          <p:nvPr/>
+          <p:nvPr>
+            <p:extLst>
+              <p:ext uri="{D42A27DB-BD31-4B8C-83A1-F6EECF244321}">
+                <p14:modId xmlns:p14="http://schemas.microsoft.com/office/powerpoint/2010/main" val="3377737017"/>
+              </p:ext>
+            </p:extLst>
+          </p:nvPr>
         </p:nvGraphicFramePr>
         <p:xfrm>
-          <a:off x="15512920" y="3544892"/>
-          <a:ext cx="4174580" cy="3795616"/>
+          <a:off x="15516098" y="5065839"/>
+          <a:ext cx="4161875" cy="3782915"/>
         </p:xfrm>
-        <a:graphic xmlns:a="http://schemas.openxmlformats.org/drawingml/2006/main">
+        <a:graphic>
           <a:graphicData uri="http://schemas.openxmlformats.org/drawingml/2006/table">
             <a:tbl>
-              <a:tblPr firstCol="0" firstRow="0" lastCol="0" lastRow="0" bandCol="0" bandRow="0" rtl="0">
+              <a:tblPr>
                 <a:tableStyleId>{4C3C2611-4C71-4FC5-86AE-919BDF0F9419}</a:tableStyleId>
               </a:tblPr>
               <a:tblGrid>
-                <a:gridCol w="832375"/>
-                <a:gridCol w="832375"/>
-                <a:gridCol w="832375"/>
-                <a:gridCol w="832375"/>
-                <a:gridCol w="832375"/>
+                <a:gridCol w="832375">
+                  <a:extLst>
+                    <a:ext uri="{9D8B030D-6E8A-4147-A177-3AD203B41FA5}">
+                      <a16:colId xmlns:a16="http://schemas.microsoft.com/office/drawing/2014/main" val="20000"/>
+                    </a:ext>
+                  </a:extLst>
+                </a:gridCol>
+                <a:gridCol w="832375">
+                  <a:extLst>
+                    <a:ext uri="{9D8B030D-6E8A-4147-A177-3AD203B41FA5}">
+                      <a16:colId xmlns:a16="http://schemas.microsoft.com/office/drawing/2014/main" val="20001"/>
+                    </a:ext>
+                  </a:extLst>
+                </a:gridCol>
+                <a:gridCol w="832375">
+                  <a:extLst>
+                    <a:ext uri="{9D8B030D-6E8A-4147-A177-3AD203B41FA5}">
+                      <a16:colId xmlns:a16="http://schemas.microsoft.com/office/drawing/2014/main" val="20002"/>
+                    </a:ext>
+                  </a:extLst>
+                </a:gridCol>
+                <a:gridCol w="832375">
+                  <a:extLst>
+                    <a:ext uri="{9D8B030D-6E8A-4147-A177-3AD203B41FA5}">
+                      <a16:colId xmlns:a16="http://schemas.microsoft.com/office/drawing/2014/main" val="20003"/>
+                    </a:ext>
+                  </a:extLst>
+                </a:gridCol>
+                <a:gridCol w="832375">
+                  <a:extLst>
+                    <a:ext uri="{9D8B030D-6E8A-4147-A177-3AD203B41FA5}">
+                      <a16:colId xmlns:a16="http://schemas.microsoft.com/office/drawing/2014/main" val="20004"/>
+                    </a:ext>
+                  </a:extLst>
+                </a:gridCol>
               </a:tblGrid>
               <a:tr h="756583">
                 <a:tc>
@@ -7777,7 +8205,7 @@
                       </a:r>
                     </a:p>
                   </a:txBody>
-                  <a:tcPr marL="50800" marR="50800" marT="50800" marB="50800" anchor="ctr" anchorCtr="0" horzOverflow="overflow"/>
+                  <a:tcPr marL="50800" marR="50800" marT="50800" marB="50800" anchor="ctr" horzOverflow="overflow"/>
                 </a:tc>
                 <a:tc>
                   <a:txBody>
@@ -7801,7 +8229,7 @@
                       </a:r>
                     </a:p>
                   </a:txBody>
-                  <a:tcPr marL="50800" marR="50800" marT="50800" marB="50800" anchor="ctr" anchorCtr="0" horzOverflow="overflow"/>
+                  <a:tcPr marL="50800" marR="50800" marT="50800" marB="50800" anchor="ctr" horzOverflow="overflow"/>
                 </a:tc>
                 <a:tc>
                   <a:txBody>
@@ -7825,7 +8253,7 @@
                       </a:r>
                     </a:p>
                   </a:txBody>
-                  <a:tcPr marL="50800" marR="50800" marT="50800" marB="50800" anchor="ctr" anchorCtr="0" horzOverflow="overflow"/>
+                  <a:tcPr marL="50800" marR="50800" marT="50800" marB="50800" anchor="ctr" horzOverflow="overflow"/>
                 </a:tc>
                 <a:tc>
                   <a:txBody>
@@ -7849,7 +8277,7 @@
                       </a:r>
                     </a:p>
                   </a:txBody>
-                  <a:tcPr marL="50800" marR="50800" marT="50800" marB="50800" anchor="ctr" anchorCtr="0" horzOverflow="overflow"/>
+                  <a:tcPr marL="50800" marR="50800" marT="50800" marB="50800" anchor="ctr" horzOverflow="overflow"/>
                 </a:tc>
                 <a:tc>
                   <a:txBody>
@@ -7873,8 +8301,13 @@
                       </a:r>
                     </a:p>
                   </a:txBody>
-                  <a:tcPr marL="50800" marR="50800" marT="50800" marB="50800" anchor="ctr" anchorCtr="0" horzOverflow="overflow"/>
-                </a:tc>
+                  <a:tcPr marL="50800" marR="50800" marT="50800" marB="50800" anchor="ctr" horzOverflow="overflow"/>
+                </a:tc>
+                <a:extLst>
+                  <a:ext uri="{0D108BD9-81ED-4DB2-BD59-A6C34878D82A}">
+                    <a16:rowId xmlns:a16="http://schemas.microsoft.com/office/drawing/2014/main" val="10000"/>
+                  </a:ext>
+                </a:extLst>
               </a:tr>
               <a:tr h="756583">
                 <a:tc>
@@ -7899,7 +8332,7 @@
                       </a:r>
                     </a:p>
                   </a:txBody>
-                  <a:tcPr marL="50800" marR="50800" marT="50800" marB="50800" anchor="ctr" anchorCtr="0" horzOverflow="overflow"/>
+                  <a:tcPr marL="50800" marR="50800" marT="50800" marB="50800" anchor="ctr" horzOverflow="overflow"/>
                 </a:tc>
                 <a:tc>
                   <a:txBody>
@@ -7923,7 +8356,7 @@
                       </a:r>
                     </a:p>
                   </a:txBody>
-                  <a:tcPr marL="50800" marR="50800" marT="50800" marB="50800" anchor="ctr" anchorCtr="0" horzOverflow="overflow"/>
+                  <a:tcPr marL="50800" marR="50800" marT="50800" marB="50800" anchor="ctr" horzOverflow="overflow"/>
                 </a:tc>
                 <a:tc>
                   <a:txBody>
@@ -7947,7 +8380,7 @@
                       </a:r>
                     </a:p>
                   </a:txBody>
-                  <a:tcPr marL="50800" marR="50800" marT="50800" marB="50800" anchor="ctr" anchorCtr="0" horzOverflow="overflow"/>
+                  <a:tcPr marL="50800" marR="50800" marT="50800" marB="50800" anchor="ctr" horzOverflow="overflow"/>
                 </a:tc>
                 <a:tc>
                   <a:txBody>
@@ -7971,7 +8404,7 @@
                       </a:r>
                     </a:p>
                   </a:txBody>
-                  <a:tcPr marL="50800" marR="50800" marT="50800" marB="50800" anchor="ctr" anchorCtr="0" horzOverflow="overflow"/>
+                  <a:tcPr marL="50800" marR="50800" marT="50800" marB="50800" anchor="ctr" horzOverflow="overflow"/>
                 </a:tc>
                 <a:tc>
                   <a:txBody>
@@ -7995,8 +8428,13 @@
                       </a:r>
                     </a:p>
                   </a:txBody>
-                  <a:tcPr marL="50800" marR="50800" marT="50800" marB="50800" anchor="ctr" anchorCtr="0" horzOverflow="overflow"/>
-                </a:tc>
+                  <a:tcPr marL="50800" marR="50800" marT="50800" marB="50800" anchor="ctr" horzOverflow="overflow"/>
+                </a:tc>
+                <a:extLst>
+                  <a:ext uri="{0D108BD9-81ED-4DB2-BD59-A6C34878D82A}">
+                    <a16:rowId xmlns:a16="http://schemas.microsoft.com/office/drawing/2014/main" val="10001"/>
+                  </a:ext>
+                </a:extLst>
               </a:tr>
               <a:tr h="756583">
                 <a:tc>
@@ -8021,7 +8459,7 @@
                       </a:r>
                     </a:p>
                   </a:txBody>
-                  <a:tcPr marL="50800" marR="50800" marT="50800" marB="50800" anchor="ctr" anchorCtr="0" horzOverflow="overflow"/>
+                  <a:tcPr marL="50800" marR="50800" marT="50800" marB="50800" anchor="ctr" horzOverflow="overflow"/>
                 </a:tc>
                 <a:tc>
                   <a:txBody>
@@ -8045,7 +8483,7 @@
                       </a:r>
                     </a:p>
                   </a:txBody>
-                  <a:tcPr marL="50800" marR="50800" marT="50800" marB="50800" anchor="ctr" anchorCtr="0" horzOverflow="overflow"/>
+                  <a:tcPr marL="50800" marR="50800" marT="50800" marB="50800" anchor="ctr" horzOverflow="overflow"/>
                 </a:tc>
                 <a:tc>
                   <a:txBody>
@@ -8069,7 +8507,7 @@
                       </a:r>
                     </a:p>
                   </a:txBody>
-                  <a:tcPr marL="50800" marR="50800" marT="50800" marB="50800" anchor="ctr" anchorCtr="0" horzOverflow="overflow"/>
+                  <a:tcPr marL="50800" marR="50800" marT="50800" marB="50800" anchor="ctr" horzOverflow="overflow"/>
                 </a:tc>
                 <a:tc>
                   <a:txBody>
@@ -8093,7 +8531,7 @@
                       </a:r>
                     </a:p>
                   </a:txBody>
-                  <a:tcPr marL="50800" marR="50800" marT="50800" marB="50800" anchor="ctr" anchorCtr="0" horzOverflow="overflow"/>
+                  <a:tcPr marL="50800" marR="50800" marT="50800" marB="50800" anchor="ctr" horzOverflow="overflow"/>
                 </a:tc>
                 <a:tc>
                   <a:txBody>
@@ -8117,8 +8555,13 @@
                       </a:r>
                     </a:p>
                   </a:txBody>
-                  <a:tcPr marL="50800" marR="50800" marT="50800" marB="50800" anchor="ctr" anchorCtr="0" horzOverflow="overflow"/>
-                </a:tc>
+                  <a:tcPr marL="50800" marR="50800" marT="50800" marB="50800" anchor="ctr" horzOverflow="overflow"/>
+                </a:tc>
+                <a:extLst>
+                  <a:ext uri="{0D108BD9-81ED-4DB2-BD59-A6C34878D82A}">
+                    <a16:rowId xmlns:a16="http://schemas.microsoft.com/office/drawing/2014/main" val="10002"/>
+                  </a:ext>
+                </a:extLst>
               </a:tr>
               <a:tr h="756583">
                 <a:tc>
@@ -8143,7 +8586,7 @@
                       </a:r>
                     </a:p>
                   </a:txBody>
-                  <a:tcPr marL="50800" marR="50800" marT="50800" marB="50800" anchor="ctr" anchorCtr="0" horzOverflow="overflow"/>
+                  <a:tcPr marL="50800" marR="50800" marT="50800" marB="50800" anchor="ctr" horzOverflow="overflow"/>
                 </a:tc>
                 <a:tc>
                   <a:txBody>
@@ -8167,7 +8610,7 @@
                       </a:r>
                     </a:p>
                   </a:txBody>
-                  <a:tcPr marL="50800" marR="50800" marT="50800" marB="50800" anchor="ctr" anchorCtr="0" horzOverflow="overflow"/>
+                  <a:tcPr marL="50800" marR="50800" marT="50800" marB="50800" anchor="ctr" horzOverflow="overflow"/>
                 </a:tc>
                 <a:tc>
                   <a:txBody>
@@ -8191,7 +8634,7 @@
                       </a:r>
                     </a:p>
                   </a:txBody>
-                  <a:tcPr marL="50800" marR="50800" marT="50800" marB="50800" anchor="ctr" anchorCtr="0" horzOverflow="overflow"/>
+                  <a:tcPr marL="50800" marR="50800" marT="50800" marB="50800" anchor="ctr" horzOverflow="overflow"/>
                 </a:tc>
                 <a:tc>
                   <a:txBody>
@@ -8215,7 +8658,7 @@
                       </a:r>
                     </a:p>
                   </a:txBody>
-                  <a:tcPr marL="50800" marR="50800" marT="50800" marB="50800" anchor="ctr" anchorCtr="0" horzOverflow="overflow"/>
+                  <a:tcPr marL="50800" marR="50800" marT="50800" marB="50800" anchor="ctr" horzOverflow="overflow"/>
                 </a:tc>
                 <a:tc>
                   <a:txBody>
@@ -8239,8 +8682,13 @@
                       </a:r>
                     </a:p>
                   </a:txBody>
-                  <a:tcPr marL="50800" marR="50800" marT="50800" marB="50800" anchor="ctr" anchorCtr="0" horzOverflow="overflow"/>
-                </a:tc>
+                  <a:tcPr marL="50800" marR="50800" marT="50800" marB="50800" anchor="ctr" horzOverflow="overflow"/>
+                </a:tc>
+                <a:extLst>
+                  <a:ext uri="{0D108BD9-81ED-4DB2-BD59-A6C34878D82A}">
+                    <a16:rowId xmlns:a16="http://schemas.microsoft.com/office/drawing/2014/main" val="10003"/>
+                  </a:ext>
+                </a:extLst>
               </a:tr>
               <a:tr h="756583">
                 <a:tc>
@@ -8265,7 +8713,7 @@
                       </a:r>
                     </a:p>
                   </a:txBody>
-                  <a:tcPr marL="50800" marR="50800" marT="50800" marB="50800" anchor="ctr" anchorCtr="0" horzOverflow="overflow"/>
+                  <a:tcPr marL="50800" marR="50800" marT="50800" marB="50800" anchor="ctr" horzOverflow="overflow"/>
                 </a:tc>
                 <a:tc>
                   <a:txBody>
@@ -8289,7 +8737,7 @@
                       </a:r>
                     </a:p>
                   </a:txBody>
-                  <a:tcPr marL="50800" marR="50800" marT="50800" marB="50800" anchor="ctr" anchorCtr="0" horzOverflow="overflow"/>
+                  <a:tcPr marL="50800" marR="50800" marT="50800" marB="50800" anchor="ctr" horzOverflow="overflow"/>
                 </a:tc>
                 <a:tc>
                   <a:txBody>
@@ -8313,7 +8761,7 @@
                       </a:r>
                     </a:p>
                   </a:txBody>
-                  <a:tcPr marL="50800" marR="50800" marT="50800" marB="50800" anchor="ctr" anchorCtr="0" horzOverflow="overflow"/>
+                  <a:tcPr marL="50800" marR="50800" marT="50800" marB="50800" anchor="ctr" horzOverflow="overflow"/>
                 </a:tc>
                 <a:tc>
                   <a:txBody>
@@ -8337,7 +8785,7 @@
                       </a:r>
                     </a:p>
                   </a:txBody>
-                  <a:tcPr marL="50800" marR="50800" marT="50800" marB="50800" anchor="ctr" anchorCtr="0" horzOverflow="overflow"/>
+                  <a:tcPr marL="50800" marR="50800" marT="50800" marB="50800" anchor="ctr" horzOverflow="overflow"/>
                 </a:tc>
                 <a:tc>
                   <a:txBody>
@@ -8361,8 +8809,13 @@
                       </a:r>
                     </a:p>
                   </a:txBody>
-                  <a:tcPr marL="50800" marR="50800" marT="50800" marB="50800" anchor="ctr" anchorCtr="0" horzOverflow="overflow"/>
-                </a:tc>
+                  <a:tcPr marL="50800" marR="50800" marT="50800" marB="50800" anchor="ctr" horzOverflow="overflow"/>
+                </a:tc>
+                <a:extLst>
+                  <a:ext uri="{0D108BD9-81ED-4DB2-BD59-A6C34878D82A}">
+                    <a16:rowId xmlns:a16="http://schemas.microsoft.com/office/drawing/2014/main" val="10004"/>
+                  </a:ext>
+                </a:extLst>
               </a:tr>
             </a:tbl>
           </a:graphicData>
@@ -8376,8 +8829,8 @@
         </p:nvSpPr>
         <p:spPr>
           <a:xfrm>
-            <a:off x="364571" y="550752"/>
-            <a:ext cx="23654858" cy="2816521"/>
+            <a:off x="364571" y="688094"/>
+            <a:ext cx="23654858" cy="3795911"/>
           </a:xfrm>
           <a:prstGeom prst="rect">
             <a:avLst/>
@@ -8387,7 +8840,7 @@
           </a:ln>
           <a:extLst>
             <a:ext uri="{C572A759-6A51-4108-AA02-DFA0A04FC94B}">
-              <ma14:wrappingTextBoxFlag xmlns:ma14="http://schemas.microsoft.com/office/mac/drawingml/2011/main" val="1"/>
+              <ma14:wrappingTextBoxFlag xmlns:ma14="http://schemas.microsoft.com/office/mac/drawingml/2011/main" xmlns:a14="http://schemas.microsoft.com/office/drawing/2010/main" xmlns:m="http://schemas.openxmlformats.org/officeDocument/2006/math" xmlns="" val="1"/>
             </a:ext>
           </a:extLst>
         </p:spPr>
@@ -8397,8 +8850,563 @@
           </a:bodyPr>
           <a:lstStyle/>
           <a:p>
-            <a:pPr algn="l" defTabSz="457200">
-              <a:defRPr sz="3750">
+            <a:pPr algn="l" defTabSz="825500">
+              <a:defRPr sz="4000" b="1">
+                <a:latin typeface="Arial"/>
+                <a:ea typeface="Arial"/>
+                <a:cs typeface="Arial"/>
+                <a:sym typeface="Arial"/>
+              </a:defRPr>
+            </a:pPr>
+            <a:r>
+              <a:rPr dirty="0" err="1"/>
+              <a:t>Рождение</a:t>
+            </a:r>
+            <a:r>
+              <a:rPr dirty="0"/>
+              <a:t>: </a:t>
+            </a:r>
+            <a:r>
+              <a:rPr dirty="0" err="1"/>
+              <a:t>В</a:t>
+            </a:r>
+            <a:r>
+              <a:rPr dirty="0"/>
+              <a:t> </a:t>
+            </a:r>
+            <a:r>
+              <a:rPr dirty="0" err="1"/>
+              <a:t>пустой</a:t>
+            </a:r>
+            <a:r>
+              <a:rPr dirty="0"/>
+              <a:t> (</a:t>
+            </a:r>
+            <a:r>
+              <a:rPr dirty="0" err="1"/>
+              <a:t>мертвой</a:t>
+            </a:r>
+            <a:r>
+              <a:rPr dirty="0"/>
+              <a:t>) </a:t>
+            </a:r>
+            <a:r>
+              <a:rPr dirty="0" err="1"/>
+              <a:t>клетке</a:t>
+            </a:r>
+            <a:r>
+              <a:rPr dirty="0"/>
+              <a:t>, </a:t>
+            </a:r>
+            <a:r>
+              <a:rPr dirty="0" err="1"/>
+              <a:t>соседствующей</a:t>
+            </a:r>
+            <a:r>
+              <a:rPr dirty="0"/>
+              <a:t> </a:t>
+            </a:r>
+            <a:r>
+              <a:rPr dirty="0" err="1"/>
+              <a:t>с</a:t>
+            </a:r>
+            <a:r>
+              <a:rPr dirty="0"/>
+              <a:t> </a:t>
+            </a:r>
+            <a:r>
+              <a:rPr dirty="0" err="1"/>
+              <a:t>ровно</a:t>
+            </a:r>
+            <a:r>
+              <a:rPr dirty="0"/>
+              <a:t> </a:t>
+            </a:r>
+            <a:r>
+              <a:rPr dirty="0" err="1"/>
+              <a:t>тремя</a:t>
+            </a:r>
+            <a:r>
+              <a:rPr dirty="0"/>
+              <a:t> </a:t>
+            </a:r>
+            <a:r>
+              <a:rPr dirty="0" err="1"/>
+              <a:t>живыми</a:t>
+            </a:r>
+            <a:r>
+              <a:rPr dirty="0"/>
+              <a:t> </a:t>
+            </a:r>
+            <a:r>
+              <a:rPr dirty="0" err="1"/>
+              <a:t>клетками</a:t>
+            </a:r>
+            <a:r>
+              <a:rPr dirty="0"/>
+              <a:t>, </a:t>
+            </a:r>
+            <a:r>
+              <a:rPr dirty="0" err="1"/>
+              <a:t>зарождается</a:t>
+            </a:r>
+            <a:r>
+              <a:rPr dirty="0"/>
+              <a:t> </a:t>
+            </a:r>
+            <a:r>
+              <a:rPr dirty="0" err="1"/>
+              <a:t>жизнь</a:t>
+            </a:r>
+            <a:r>
+              <a:rPr dirty="0"/>
+              <a:t>.</a:t>
+            </a:r>
+          </a:p>
+          <a:p>
+            <a:pPr algn="l" defTabSz="825500">
+              <a:defRPr sz="4000" b="1">
+                <a:latin typeface="Arial"/>
+                <a:ea typeface="Arial"/>
+                <a:cs typeface="Arial"/>
+                <a:sym typeface="Arial"/>
+              </a:defRPr>
+            </a:pPr>
+            <a:r>
+              <a:rPr dirty="0" err="1"/>
+              <a:t>Выживание</a:t>
+            </a:r>
+            <a:r>
+              <a:rPr dirty="0"/>
+              <a:t>: </a:t>
+            </a:r>
+            <a:r>
+              <a:rPr dirty="0" err="1"/>
+              <a:t>Живые</a:t>
+            </a:r>
+            <a:r>
+              <a:rPr dirty="0"/>
+              <a:t> </a:t>
+            </a:r>
+            <a:r>
+              <a:rPr dirty="0" err="1"/>
+              <a:t>клетки</a:t>
+            </a:r>
+            <a:r>
+              <a:rPr dirty="0"/>
+              <a:t> </a:t>
+            </a:r>
+            <a:r>
+              <a:rPr dirty="0" err="1"/>
+              <a:t>остаются</a:t>
+            </a:r>
+            <a:r>
+              <a:rPr dirty="0"/>
+              <a:t> </a:t>
+            </a:r>
+            <a:r>
+              <a:rPr dirty="0" err="1"/>
+              <a:t>живыми</a:t>
+            </a:r>
+            <a:r>
+              <a:rPr dirty="0"/>
+              <a:t>, </a:t>
+            </a:r>
+            <a:r>
+              <a:rPr dirty="0" err="1"/>
+              <a:t>если</a:t>
+            </a:r>
+            <a:r>
+              <a:rPr dirty="0"/>
+              <a:t> </a:t>
+            </a:r>
+            <a:r>
+              <a:rPr dirty="0" err="1"/>
+              <a:t>у</a:t>
+            </a:r>
+            <a:r>
+              <a:rPr dirty="0"/>
+              <a:t> </a:t>
+            </a:r>
+            <a:r>
+              <a:rPr dirty="0" err="1"/>
+              <a:t>них</a:t>
+            </a:r>
+            <a:r>
+              <a:rPr dirty="0"/>
+              <a:t> </a:t>
+            </a:r>
+            <a:r>
+              <a:rPr dirty="0" err="1"/>
+              <a:t>есть</a:t>
+            </a:r>
+            <a:r>
+              <a:rPr dirty="0"/>
+              <a:t> </a:t>
+            </a:r>
+            <a:r>
+              <a:rPr dirty="0" err="1"/>
+              <a:t>два</a:t>
+            </a:r>
+            <a:r>
+              <a:rPr dirty="0"/>
+              <a:t> </a:t>
+            </a:r>
+            <a:r>
+              <a:rPr dirty="0" err="1"/>
+              <a:t>или</a:t>
+            </a:r>
+            <a:r>
+              <a:rPr dirty="0"/>
+              <a:t> </a:t>
+            </a:r>
+            <a:r>
+              <a:rPr dirty="0" err="1"/>
+              <a:t>три</a:t>
+            </a:r>
+            <a:r>
+              <a:rPr dirty="0"/>
+              <a:t> </a:t>
+            </a:r>
+            <a:r>
+              <a:rPr dirty="0" err="1"/>
+              <a:t>живых</a:t>
+            </a:r>
+            <a:r>
+              <a:rPr dirty="0"/>
+              <a:t> </a:t>
+            </a:r>
+            <a:r>
+              <a:rPr dirty="0" err="1"/>
+              <a:t>соседа</a:t>
+            </a:r>
+            <a:r>
+              <a:rPr dirty="0"/>
+              <a:t>.</a:t>
+            </a:r>
+          </a:p>
+          <a:p>
+            <a:pPr algn="l" defTabSz="825500">
+              <a:defRPr sz="4000" b="1">
+                <a:latin typeface="Arial"/>
+                <a:ea typeface="Arial"/>
+                <a:cs typeface="Arial"/>
+                <a:sym typeface="Arial"/>
+              </a:defRPr>
+            </a:pPr>
+            <a:r>
+              <a:rPr dirty="0" err="1"/>
+              <a:t>Смерть</a:t>
+            </a:r>
+            <a:r>
+              <a:rPr dirty="0"/>
+              <a:t>: </a:t>
+            </a:r>
+            <a:r>
+              <a:rPr dirty="0" err="1"/>
+              <a:t>Живые</a:t>
+            </a:r>
+            <a:r>
+              <a:rPr dirty="0"/>
+              <a:t> </a:t>
+            </a:r>
+            <a:r>
+              <a:rPr dirty="0" err="1"/>
+              <a:t>клетки</a:t>
+            </a:r>
+            <a:r>
+              <a:rPr dirty="0"/>
+              <a:t> </a:t>
+            </a:r>
+            <a:r>
+              <a:rPr dirty="0" err="1"/>
+              <a:t>умирают</a:t>
+            </a:r>
+            <a:r>
+              <a:rPr dirty="0"/>
+              <a:t> </a:t>
+            </a:r>
+            <a:r>
+              <a:rPr dirty="0" err="1"/>
+              <a:t>от</a:t>
+            </a:r>
+            <a:r>
+              <a:rPr dirty="0"/>
+              <a:t> </a:t>
+            </a:r>
+            <a:r>
+              <a:rPr dirty="0" err="1"/>
+              <a:t>одиночества</a:t>
+            </a:r>
+            <a:r>
+              <a:rPr dirty="0"/>
+              <a:t>, </a:t>
+            </a:r>
+            <a:r>
+              <a:rPr dirty="0" err="1"/>
+              <a:t>если</a:t>
+            </a:r>
+            <a:r>
+              <a:rPr dirty="0"/>
+              <a:t> </a:t>
+            </a:r>
+            <a:r>
+              <a:rPr dirty="0" err="1"/>
+              <a:t>у</a:t>
+            </a:r>
+            <a:r>
+              <a:rPr dirty="0"/>
+              <a:t> </a:t>
+            </a:r>
+            <a:r>
+              <a:rPr dirty="0" err="1"/>
+              <a:t>них</a:t>
+            </a:r>
+            <a:r>
+              <a:rPr dirty="0"/>
+              <a:t> </a:t>
+            </a:r>
+            <a:r>
+              <a:rPr dirty="0" err="1"/>
+              <a:t>меньше</a:t>
+            </a:r>
+            <a:r>
+              <a:rPr dirty="0"/>
+              <a:t> </a:t>
+            </a:r>
+            <a:r>
+              <a:rPr dirty="0" err="1"/>
+              <a:t>двух</a:t>
+            </a:r>
+            <a:r>
+              <a:rPr dirty="0"/>
+              <a:t> </a:t>
+            </a:r>
+            <a:r>
+              <a:rPr dirty="0" err="1"/>
+              <a:t>живых</a:t>
+            </a:r>
+            <a:r>
+              <a:rPr dirty="0"/>
+              <a:t> </a:t>
+            </a:r>
+            <a:r>
+              <a:rPr dirty="0" err="1"/>
+              <a:t>соседей</a:t>
+            </a:r>
+            <a:r>
+              <a:rPr dirty="0"/>
+              <a:t>, </a:t>
+            </a:r>
+            <a:r>
+              <a:rPr dirty="0" err="1"/>
+              <a:t>или</a:t>
+            </a:r>
+            <a:r>
+              <a:rPr dirty="0"/>
+              <a:t> </a:t>
+            </a:r>
+            <a:r>
+              <a:rPr dirty="0" err="1"/>
+              <a:t>от</a:t>
+            </a:r>
+            <a:r>
+              <a:rPr dirty="0"/>
+              <a:t> </a:t>
+            </a:r>
+            <a:r>
+              <a:rPr dirty="0" err="1"/>
+              <a:t>перенаселенности</a:t>
+            </a:r>
+            <a:r>
+              <a:rPr dirty="0"/>
+              <a:t>, </a:t>
+            </a:r>
+            <a:r>
+              <a:rPr dirty="0" err="1"/>
+              <a:t>если</a:t>
+            </a:r>
+            <a:r>
+              <a:rPr dirty="0"/>
+              <a:t> </a:t>
+            </a:r>
+            <a:r>
+              <a:rPr dirty="0" err="1"/>
+              <a:t>у</a:t>
+            </a:r>
+            <a:r>
+              <a:rPr dirty="0"/>
+              <a:t> </a:t>
+            </a:r>
+            <a:r>
+              <a:rPr dirty="0" err="1"/>
+              <a:t>них</a:t>
+            </a:r>
+            <a:r>
+              <a:rPr dirty="0"/>
+              <a:t> </a:t>
+            </a:r>
+            <a:r>
+              <a:rPr dirty="0" err="1"/>
+              <a:t>больше</a:t>
+            </a:r>
+            <a:r>
+              <a:rPr dirty="0"/>
+              <a:t> </a:t>
+            </a:r>
+            <a:r>
+              <a:rPr dirty="0" err="1"/>
+              <a:t>трех</a:t>
+            </a:r>
+            <a:r>
+              <a:rPr dirty="0"/>
+              <a:t> </a:t>
+            </a:r>
+            <a:r>
+              <a:rPr dirty="0" err="1"/>
+              <a:t>живых</a:t>
+            </a:r>
+            <a:r>
+              <a:rPr dirty="0"/>
+              <a:t> </a:t>
+            </a:r>
+            <a:r>
+              <a:rPr dirty="0" err="1"/>
+              <a:t>соседей</a:t>
+            </a:r>
+            <a:r>
+              <a:rPr dirty="0"/>
+              <a:t>.</a:t>
+            </a:r>
+            <a:endParaRPr lang="ru-RU" dirty="0"/>
+          </a:p>
+          <a:p>
+            <a:pPr algn="l" defTabSz="825500">
+              <a:defRPr sz="4000" b="1">
+                <a:latin typeface="Arial"/>
+                <a:ea typeface="Arial"/>
+                <a:cs typeface="Arial"/>
+                <a:sym typeface="Arial"/>
+              </a:defRPr>
+            </a:pPr>
+            <a:r>
+              <a:rPr lang="ru-RU" dirty="0"/>
+              <a:t>Поле</a:t>
+            </a:r>
+            <a:r>
+              <a:rPr lang="en-US" dirty="0"/>
+              <a:t>: 15x50</a:t>
+            </a:r>
+            <a:endParaRPr dirty="0"/>
+          </a:p>
+        </p:txBody>
+      </p:sp>
+    </p:spTree>
+  </p:cSld>
+  <p:clrMapOvr>
+    <a:masterClrMapping/>
+  </p:clrMapOvr>
+  <p:transition spd="med"/>
+</p:sld>
+</file>
+
+<file path=ppt/slides/slide3.xml><?xml version="1.0" encoding="utf-8"?>
+<p:sld xmlns:a="http://schemas.openxmlformats.org/drawingml/2006/main" xmlns:r="http://schemas.openxmlformats.org/officeDocument/2006/relationships" xmlns:p="http://schemas.openxmlformats.org/presentationml/2006/main">
+  <p:cSld>
+    <p:spTree>
+      <p:nvGrpSpPr>
+        <p:cNvPr id="1" name=""/>
+        <p:cNvGrpSpPr/>
+        <p:nvPr/>
+      </p:nvGrpSpPr>
+      <p:grpSpPr>
+        <a:xfrm>
+          <a:off x="0" y="0"/>
+          <a:ext cx="0" cy="0"/>
+          <a:chOff x="0" y="0"/>
+          <a:chExt cx="0" cy="0"/>
+        </a:xfrm>
+      </p:grpSpPr>
+      <p:sp>
+        <p:nvSpPr>
+          <p:cNvPr id="161" name="Необходимые методы"/>
+          <p:cNvSpPr txBox="1"/>
+          <p:nvPr/>
+        </p:nvSpPr>
+        <p:spPr>
+          <a:xfrm>
+            <a:off x="3783653" y="338438"/>
+            <a:ext cx="16816695" cy="1755206"/>
+          </a:xfrm>
+          <a:prstGeom prst="rect">
+            <a:avLst/>
+          </a:prstGeom>
+          <a:ln w="12700">
+            <a:miter lim="400000"/>
+          </a:ln>
+          <a:extLst>
+            <a:ext uri="{C572A759-6A51-4108-AA02-DFA0A04FC94B}">
+              <ma14:wrappingTextBoxFlag xmlns:ma14="http://schemas.microsoft.com/office/mac/drawingml/2011/main" xmlns:a14="http://schemas.microsoft.com/office/drawing/2010/main" xmlns:m="http://schemas.openxmlformats.org/officeDocument/2006/math" xmlns="" val="1"/>
+            </a:ext>
+          </a:extLst>
+        </p:spPr>
+        <p:txBody>
+          <a:bodyPr lIns="50800" tIns="50800" rIns="50800" bIns="50800" anchor="ctr">
+            <a:spAutoFit/>
+          </a:bodyPr>
+          <a:lstStyle>
+            <a:lvl1pPr algn="l">
+              <a:lnSpc>
+                <a:spcPct val="80000"/>
+              </a:lnSpc>
+              <a:defRPr sz="11600" b="1" spc="-232">
+                <a:latin typeface="Arial"/>
+                <a:ea typeface="Arial"/>
+                <a:cs typeface="Arial"/>
+                <a:sym typeface="Arial"/>
+              </a:defRPr>
+            </a:lvl1pPr>
+          </a:lstStyle>
+          <a:p>
+            <a:r>
+              <a:t>Необходимые методы</a:t>
+            </a:r>
+          </a:p>
+        </p:txBody>
+      </p:sp>
+      <p:sp>
+        <p:nvSpPr>
+          <p:cNvPr id="162" name="def main(): Старт программы, инициализация остальных элементов…"/>
+          <p:cNvSpPr txBox="1"/>
+          <p:nvPr/>
+        </p:nvSpPr>
+        <p:spPr>
+          <a:xfrm>
+            <a:off x="364571" y="4283832"/>
+            <a:ext cx="23654858" cy="5148335"/>
+          </a:xfrm>
+          <a:prstGeom prst="rect">
+            <a:avLst/>
+          </a:prstGeom>
+          <a:ln w="12700">
+            <a:miter lim="400000"/>
+          </a:ln>
+          <a:extLst>
+            <a:ext uri="{C572A759-6A51-4108-AA02-DFA0A04FC94B}">
+              <ma14:wrappingTextBoxFlag xmlns:ma14="http://schemas.microsoft.com/office/mac/drawingml/2011/main" xmlns:a14="http://schemas.microsoft.com/office/drawing/2010/main" xmlns:m="http://schemas.openxmlformats.org/officeDocument/2006/math" xmlns="" val="1"/>
+            </a:ext>
+          </a:extLst>
+        </p:spPr>
+        <p:txBody>
+          <a:bodyPr lIns="50800" tIns="50800" rIns="50800" bIns="50800" anchor="ctr">
+            <a:spAutoFit/>
+          </a:bodyPr>
+          <a:lstStyle/>
+          <a:p>
+            <a:pPr marL="694531" indent="-694531" algn="l" defTabSz="457200">
+              <a:buSzPct val="100000"/>
+              <a:buAutoNum type="arabicParenR"/>
+              <a:defRPr sz="4950">
                 <a:solidFill>
                   <a:srgbClr val="F8F8F8"/>
                 </a:solidFill>
@@ -8409,12 +9417,14 @@
               </a:defRPr>
             </a:pPr>
             <a:r>
-              <a:t>Рождение: В пустой (мертвой) клетке, соседствующей с ровно тремя живыми клетками, зарождается жизнь.</a:t>
+              <a:t>def main(): Старт программы, инициализация остальных элементов</a:t>
             </a:r>
           </a:p>
           <a:p>
-            <a:pPr algn="l" defTabSz="457200">
-              <a:defRPr sz="3750">
+            <a:pPr marL="694531" indent="-694531" algn="l" defTabSz="457200">
+              <a:buSzPct val="100000"/>
+              <a:buAutoNum type="arabicParenR"/>
+              <a:defRPr sz="4950">
                 <a:solidFill>
                   <a:srgbClr val="F8F8F8"/>
                 </a:solidFill>
@@ -8425,12 +9435,14 @@
               </a:defRPr>
             </a:pPr>
             <a:r>
-              <a:t>Выживание: Живые клетки остаются живыми, если у них есть два или три живых соседа.</a:t>
+              <a:t>def alive_or_dead(array, y, x): Расчёт живых соседей для массива array на позиции x, y</a:t>
             </a:r>
           </a:p>
           <a:p>
-            <a:pPr algn="l" defTabSz="457200">
-              <a:defRPr sz="3750">
+            <a:pPr marL="694531" indent="-694531" algn="l" defTabSz="457200">
+              <a:buSzPct val="100000"/>
+              <a:buAutoNum type="arabicParenR"/>
+              <a:defRPr sz="4950">
                 <a:solidFill>
                   <a:srgbClr val="F8F8F8"/>
                 </a:solidFill>
@@ -8441,7 +9453,43 @@
               </a:defRPr>
             </a:pPr>
             <a:r>
-              <a:t>Смерть: Живые клетки умирают от одиночества, если у них меньше двух живых соседей, или от перенаселенности, если у них больше трех живых соседей.</a:t>
+              <a:t>def check_live(array): Создаёт новую матрицу, основываясь на данных предоставленных методом alive_or_dead</a:t>
+            </a:r>
+          </a:p>
+          <a:p>
+            <a:pPr marL="694531" indent="-694531" algn="l" defTabSz="457200">
+              <a:buSzPct val="100000"/>
+              <a:buAutoNum type="arabicParenR"/>
+              <a:defRPr sz="4950">
+                <a:solidFill>
+                  <a:srgbClr val="F8F8F8"/>
+                </a:solidFill>
+                <a:latin typeface="Arial"/>
+                <a:ea typeface="Arial"/>
+                <a:cs typeface="Arial"/>
+                <a:sym typeface="Arial"/>
+              </a:defRPr>
+            </a:pPr>
+            <a:r>
+              <a:t>def print_array(array): Печатает массив</a:t>
+            </a:r>
+          </a:p>
+          <a:p>
+            <a:pPr marL="694531" indent="-694531" algn="l" defTabSz="457200">
+              <a:buSzPct val="100000"/>
+              <a:buAutoNum type="arabicParenR"/>
+              <a:defRPr sz="4950">
+                <a:solidFill>
+                  <a:srgbClr val="F8F8F8"/>
+                </a:solidFill>
+                <a:latin typeface="Arial"/>
+                <a:ea typeface="Arial"/>
+                <a:cs typeface="Arial"/>
+                <a:sym typeface="Arial"/>
+              </a:defRPr>
+            </a:pPr>
+            <a:r>
+              <a:t>create_array(): создаёт стартовый массив, заполненный  0 или 1</a:t>
             </a:r>
           </a:p>
         </p:txBody>
@@ -8451,22 +9499,23 @@
   <p:clrMapOvr>
     <a:masterClrMapping/>
   </p:clrMapOvr>
-  <p:transition xmlns:p14="http://schemas.microsoft.com/office/powerpoint/2010/main" spd="med" advClick="1"/>
+  <p:transition spd="med"/>
 </p:sld>
 </file>
 
-<file path=ppt/slides/slide3.xml><?xml version="1.0" encoding="utf-8"?>
-<p:sld xmlns:a="http://schemas.openxmlformats.org/drawingml/2006/main" xmlns:r="http://schemas.openxmlformats.org/officeDocument/2006/relationships" xmlns:p="http://schemas.openxmlformats.org/presentationml/2006/main" xmlns:m="http://schemas.openxmlformats.org/officeDocument/2006/math" xmlns:a14="http://schemas.microsoft.com/office/drawing/2010/main" showMasterSp="1" showMasterPhAnim="1">
+<file path=ppt/slides/slide4.xml><?xml version="1.0" encoding="utf-8"?>
+<p:sld xmlns:a="http://schemas.openxmlformats.org/drawingml/2006/main" xmlns:r="http://schemas.openxmlformats.org/officeDocument/2006/relationships" xmlns:p="http://schemas.openxmlformats.org/presentationml/2006/main">
   <p:cSld>
     <p:bg>
       <p:bgPr>
         <a:blipFill rotWithShape="1">
           <a:blip r:embed="rId2"/>
-          <a:srcRect l="0" t="0" r="0" b="0"/>
+          <a:srcRect/>
           <a:stretch>
             <a:fillRect/>
           </a:stretch>
         </a:blipFill>
+        <a:effectLst/>
       </p:bgPr>
     </p:bg>
     <p:spTree>
@@ -8488,12 +9537,12 @@
   <p:clrMapOvr>
     <a:masterClrMapping/>
   </p:clrMapOvr>
-  <p:transition xmlns:p14="http://schemas.microsoft.com/office/powerpoint/2010/main" spd="med" advClick="1"/>
+  <p:transition spd="med"/>
 </p:sld>
 </file>
 
 <file path=ppt/theme/theme1.xml><?xml version="1.0" encoding="utf-8"?>
-<a:theme xmlns:a="http://schemas.openxmlformats.org/drawingml/2006/main" xmlns:r="http://schemas.openxmlformats.org/officeDocument/2006/relationships" name="20_BasicBlack">
+<a:theme xmlns:a="http://schemas.openxmlformats.org/drawingml/2006/main" name="20_BasicBlack">
   <a:themeElements>
     <a:clrScheme name="20_BasicBlack">
       <a:dk1>
@@ -8692,7 +9741,7 @@
         <a:effectLst/>
         <a:sp3d/>
       </a:spPr>
-      <a:bodyPr rot="0" spcFirstLastPara="1" vertOverflow="overflow" horzOverflow="overflow" vert="horz" wrap="square" lIns="50800" tIns="50800" rIns="50800" bIns="50800" numCol="1" spcCol="38100" rtlCol="0" anchor="ctr" upright="0">
+      <a:bodyPr rot="0" spcFirstLastPara="1" vertOverflow="overflow" horzOverflow="overflow" vert="horz" wrap="square" lIns="50800" tIns="50800" rIns="50800" bIns="50800" numCol="1" spcCol="38100" rtlCol="0" anchor="ctr">
         <a:spAutoFit/>
       </a:bodyPr>
       <a:lstStyle>
@@ -8711,7 +9760,7 @@
           <a:buFontTx/>
           <a:buNone/>
           <a:tabLst/>
-          <a:defRPr b="0" baseline="0" cap="none" i="0" spc="0" strike="noStrike" sz="3200" u="none" kumimoji="0" normalizeH="0">
+          <a:defRPr kumimoji="0" sz="3200" b="0" i="0" u="none" strike="noStrike" cap="none" spc="0" normalizeH="0" baseline="0">
             <a:ln>
               <a:noFill/>
             </a:ln>
@@ -8741,7 +9790,7 @@
           <a:buFontTx/>
           <a:buNone/>
           <a:tabLst/>
-          <a:defRPr b="0" baseline="0" cap="none" i="0" spc="0" strike="noStrike" sz="1800" u="none" kumimoji="0" normalizeH="0">
+          <a:defRPr kumimoji="0" sz="1800" b="0" i="0" u="none" strike="noStrike" cap="none" spc="0" normalizeH="0" baseline="0">
             <a:ln>
               <a:noFill/>
             </a:ln>
@@ -8767,7 +9816,7 @@
           <a:buFontTx/>
           <a:buNone/>
           <a:tabLst/>
-          <a:defRPr b="0" baseline="0" cap="none" i="0" spc="0" strike="noStrike" sz="1800" u="none" kumimoji="0" normalizeH="0">
+          <a:defRPr kumimoji="0" sz="1800" b="0" i="0" u="none" strike="noStrike" cap="none" spc="0" normalizeH="0" baseline="0">
             <a:ln>
               <a:noFill/>
             </a:ln>
@@ -8793,7 +9842,7 @@
           <a:buFontTx/>
           <a:buNone/>
           <a:tabLst/>
-          <a:defRPr b="0" baseline="0" cap="none" i="0" spc="0" strike="noStrike" sz="1800" u="none" kumimoji="0" normalizeH="0">
+          <a:defRPr kumimoji="0" sz="1800" b="0" i="0" u="none" strike="noStrike" cap="none" spc="0" normalizeH="0" baseline="0">
             <a:ln>
               <a:noFill/>
             </a:ln>
@@ -8819,7 +9868,7 @@
           <a:buFontTx/>
           <a:buNone/>
           <a:tabLst/>
-          <a:defRPr b="0" baseline="0" cap="none" i="0" spc="0" strike="noStrike" sz="1800" u="none" kumimoji="0" normalizeH="0">
+          <a:defRPr kumimoji="0" sz="1800" b="0" i="0" u="none" strike="noStrike" cap="none" spc="0" normalizeH="0" baseline="0">
             <a:ln>
               <a:noFill/>
             </a:ln>
@@ -8845,7 +9894,7 @@
           <a:buFontTx/>
           <a:buNone/>
           <a:tabLst/>
-          <a:defRPr b="0" baseline="0" cap="none" i="0" spc="0" strike="noStrike" sz="1800" u="none" kumimoji="0" normalizeH="0">
+          <a:defRPr kumimoji="0" sz="1800" b="0" i="0" u="none" strike="noStrike" cap="none" spc="0" normalizeH="0" baseline="0">
             <a:ln>
               <a:noFill/>
             </a:ln>
@@ -8871,7 +9920,7 @@
           <a:buFontTx/>
           <a:buNone/>
           <a:tabLst/>
-          <a:defRPr b="0" baseline="0" cap="none" i="0" spc="0" strike="noStrike" sz="1800" u="none" kumimoji="0" normalizeH="0">
+          <a:defRPr kumimoji="0" sz="1800" b="0" i="0" u="none" strike="noStrike" cap="none" spc="0" normalizeH="0" baseline="0">
             <a:ln>
               <a:noFill/>
             </a:ln>
@@ -8897,7 +9946,7 @@
           <a:buFontTx/>
           <a:buNone/>
           <a:tabLst/>
-          <a:defRPr b="0" baseline="0" cap="none" i="0" spc="0" strike="noStrike" sz="1800" u="none" kumimoji="0" normalizeH="0">
+          <a:defRPr kumimoji="0" sz="1800" b="0" i="0" u="none" strike="noStrike" cap="none" spc="0" normalizeH="0" baseline="0">
             <a:ln>
               <a:noFill/>
             </a:ln>
@@ -8923,7 +9972,7 @@
           <a:buFontTx/>
           <a:buNone/>
           <a:tabLst/>
-          <a:defRPr b="0" baseline="0" cap="none" i="0" spc="0" strike="noStrike" sz="1800" u="none" kumimoji="0" normalizeH="0">
+          <a:defRPr kumimoji="0" sz="1800" b="0" i="0" u="none" strike="noStrike" cap="none" spc="0" normalizeH="0" baseline="0">
             <a:ln>
               <a:noFill/>
             </a:ln>
@@ -8949,7 +9998,7 @@
           <a:buFontTx/>
           <a:buNone/>
           <a:tabLst/>
-          <a:defRPr b="0" baseline="0" cap="none" i="0" spc="0" strike="noStrike" sz="1800" u="none" kumimoji="0" normalizeH="0">
+          <a:defRPr kumimoji="0" sz="1800" b="0" i="0" u="none" strike="noStrike" cap="none" spc="0" normalizeH="0" baseline="0">
             <a:ln>
               <a:noFill/>
             </a:ln>
@@ -8962,9 +10011,15 @@
         </a:lvl9pPr>
       </a:lstStyle>
       <a:style>
-        <a:lnRef idx="0"/>
-        <a:fillRef idx="0"/>
-        <a:effectRef idx="0"/>
+        <a:lnRef idx="0">
+          <a:scrgbClr r="0" g="0" b="0"/>
+        </a:lnRef>
+        <a:fillRef idx="0">
+          <a:scrgbClr r="0" g="0" b="0"/>
+        </a:fillRef>
+        <a:effectRef idx="0">
+          <a:scrgbClr r="0" g="0" b="0"/>
+        </a:effectRef>
         <a:fontRef idx="none"/>
       </a:style>
     </a:spDef>
@@ -8981,7 +10036,7 @@
         <a:effectLst/>
         <a:sp3d/>
       </a:spPr>
-      <a:bodyPr rot="0" spcFirstLastPara="1" vertOverflow="overflow" horzOverflow="overflow" vert="horz" wrap="square" lIns="91439" tIns="45719" rIns="91439" bIns="45719" numCol="1" spcCol="38100" rtlCol="0" anchor="t" upright="0">
+      <a:bodyPr rot="0" spcFirstLastPara="1" vertOverflow="overflow" horzOverflow="overflow" vert="horz" wrap="square" lIns="91439" tIns="45719" rIns="91439" bIns="45719" numCol="1" spcCol="38100" rtlCol="0" anchor="t">
         <a:noAutofit/>
       </a:bodyPr>
       <a:lstStyle>
@@ -9000,7 +10055,7 @@
           <a:buFontTx/>
           <a:buNone/>
           <a:tabLst/>
-          <a:defRPr b="0" baseline="0" cap="none" i="0" spc="0" strike="noStrike" sz="1800" u="none" kumimoji="0" normalizeH="0">
+          <a:defRPr kumimoji="0" sz="1800" b="0" i="0" u="none" strike="noStrike" cap="none" spc="0" normalizeH="0" baseline="0">
             <a:ln>
               <a:noFill/>
             </a:ln>
@@ -9026,7 +10081,7 @@
           <a:buFontTx/>
           <a:buNone/>
           <a:tabLst/>
-          <a:defRPr b="0" baseline="0" cap="none" i="0" spc="0" strike="noStrike" sz="1800" u="none" kumimoji="0" normalizeH="0">
+          <a:defRPr kumimoji="0" sz="1800" b="0" i="0" u="none" strike="noStrike" cap="none" spc="0" normalizeH="0" baseline="0">
             <a:ln>
               <a:noFill/>
             </a:ln>
@@ -9052,7 +10107,7 @@
           <a:buFontTx/>
           <a:buNone/>
           <a:tabLst/>
-          <a:defRPr b="0" baseline="0" cap="none" i="0" spc="0" strike="noStrike" sz="1800" u="none" kumimoji="0" normalizeH="0">
+          <a:defRPr kumimoji="0" sz="1800" b="0" i="0" u="none" strike="noStrike" cap="none" spc="0" normalizeH="0" baseline="0">
             <a:ln>
               <a:noFill/>
             </a:ln>
@@ -9078,7 +10133,7 @@
           <a:buFontTx/>
           <a:buNone/>
           <a:tabLst/>
-          <a:defRPr b="0" baseline="0" cap="none" i="0" spc="0" strike="noStrike" sz="1800" u="none" kumimoji="0" normalizeH="0">
+          <a:defRPr kumimoji="0" sz="1800" b="0" i="0" u="none" strike="noStrike" cap="none" spc="0" normalizeH="0" baseline="0">
             <a:ln>
               <a:noFill/>
             </a:ln>
@@ -9104,7 +10159,7 @@
           <a:buFontTx/>
           <a:buNone/>
           <a:tabLst/>
-          <a:defRPr b="0" baseline="0" cap="none" i="0" spc="0" strike="noStrike" sz="1800" u="none" kumimoji="0" normalizeH="0">
+          <a:defRPr kumimoji="0" sz="1800" b="0" i="0" u="none" strike="noStrike" cap="none" spc="0" normalizeH="0" baseline="0">
             <a:ln>
               <a:noFill/>
             </a:ln>
@@ -9130,7 +10185,7 @@
           <a:buFontTx/>
           <a:buNone/>
           <a:tabLst/>
-          <a:defRPr b="0" baseline="0" cap="none" i="0" spc="0" strike="noStrike" sz="1800" u="none" kumimoji="0" normalizeH="0">
+          <a:defRPr kumimoji="0" sz="1800" b="0" i="0" u="none" strike="noStrike" cap="none" spc="0" normalizeH="0" baseline="0">
             <a:ln>
               <a:noFill/>
             </a:ln>
@@ -9156,7 +10211,7 @@
           <a:buFontTx/>
           <a:buNone/>
           <a:tabLst/>
-          <a:defRPr b="0" baseline="0" cap="none" i="0" spc="0" strike="noStrike" sz="1800" u="none" kumimoji="0" normalizeH="0">
+          <a:defRPr kumimoji="0" sz="1800" b="0" i="0" u="none" strike="noStrike" cap="none" spc="0" normalizeH="0" baseline="0">
             <a:ln>
               <a:noFill/>
             </a:ln>
@@ -9182,7 +10237,7 @@
           <a:buFontTx/>
           <a:buNone/>
           <a:tabLst/>
-          <a:defRPr b="0" baseline="0" cap="none" i="0" spc="0" strike="noStrike" sz="1800" u="none" kumimoji="0" normalizeH="0">
+          <a:defRPr kumimoji="0" sz="1800" b="0" i="0" u="none" strike="noStrike" cap="none" spc="0" normalizeH="0" baseline="0">
             <a:ln>
               <a:noFill/>
             </a:ln>
@@ -9208,7 +10263,7 @@
           <a:buFontTx/>
           <a:buNone/>
           <a:tabLst/>
-          <a:defRPr b="0" baseline="0" cap="none" i="0" spc="0" strike="noStrike" sz="1800" u="none" kumimoji="0" normalizeH="0">
+          <a:defRPr kumimoji="0" sz="1800" b="0" i="0" u="none" strike="noStrike" cap="none" spc="0" normalizeH="0" baseline="0">
             <a:ln>
               <a:noFill/>
             </a:ln>
@@ -9234,7 +10289,7 @@
           <a:buFontTx/>
           <a:buNone/>
           <a:tabLst/>
-          <a:defRPr b="0" baseline="0" cap="none" i="0" spc="0" strike="noStrike" sz="1800" u="none" kumimoji="0" normalizeH="0">
+          <a:defRPr kumimoji="0" sz="1800" b="0" i="0" u="none" strike="noStrike" cap="none" spc="0" normalizeH="0" baseline="0">
             <a:ln>
               <a:noFill/>
             </a:ln>
@@ -9247,9 +10302,15 @@
         </a:lvl9pPr>
       </a:lstStyle>
       <a:style>
-        <a:lnRef idx="0"/>
-        <a:fillRef idx="0"/>
-        <a:effectRef idx="0"/>
+        <a:lnRef idx="0">
+          <a:scrgbClr r="0" g="0" b="0"/>
+        </a:lnRef>
+        <a:fillRef idx="0">
+          <a:scrgbClr r="0" g="0" b="0"/>
+        </a:fillRef>
+        <a:effectRef idx="0">
+          <a:scrgbClr r="0" g="0" b="0"/>
+        </a:effectRef>
         <a:fontRef idx="none"/>
       </a:style>
     </a:lnDef>
@@ -9263,7 +10324,7 @@
         <a:effectLst/>
         <a:sp3d/>
       </a:spPr>
-      <a:bodyPr rot="0" spcFirstLastPara="1" vertOverflow="overflow" horzOverflow="overflow" vert="horz" wrap="square" lIns="50800" tIns="50800" rIns="50800" bIns="50800" numCol="1" spcCol="38100" rtlCol="0" anchor="ctr" upright="0">
+      <a:bodyPr rot="0" spcFirstLastPara="1" vertOverflow="overflow" horzOverflow="overflow" vert="horz" wrap="square" lIns="50800" tIns="50800" rIns="50800" bIns="50800" numCol="1" spcCol="38100" rtlCol="0" anchor="ctr">
         <a:spAutoFit/>
       </a:bodyPr>
       <a:lstStyle>
@@ -9282,7 +10343,7 @@
           <a:buFontTx/>
           <a:buNone/>
           <a:tabLst/>
-          <a:defRPr b="0" baseline="0" cap="none" i="0" spc="0" strike="noStrike" sz="2400" u="none" kumimoji="0" normalizeH="0">
+          <a:defRPr kumimoji="0" sz="2400" b="0" i="0" u="none" strike="noStrike" cap="none" spc="0" normalizeH="0" baseline="0">
             <a:ln>
               <a:noFill/>
             </a:ln>
@@ -9312,7 +10373,7 @@
           <a:buFontTx/>
           <a:buNone/>
           <a:tabLst/>
-          <a:defRPr b="0" baseline="0" cap="none" i="0" spc="0" strike="noStrike" sz="1800" u="none" kumimoji="0" normalizeH="0">
+          <a:defRPr kumimoji="0" sz="1800" b="0" i="0" u="none" strike="noStrike" cap="none" spc="0" normalizeH="0" baseline="0">
             <a:ln>
               <a:noFill/>
             </a:ln>
@@ -9338,7 +10399,7 @@
           <a:buFontTx/>
           <a:buNone/>
           <a:tabLst/>
-          <a:defRPr b="0" baseline="0" cap="none" i="0" spc="0" strike="noStrike" sz="1800" u="none" kumimoji="0" normalizeH="0">
+          <a:defRPr kumimoji="0" sz="1800" b="0" i="0" u="none" strike="noStrike" cap="none" spc="0" normalizeH="0" baseline="0">
             <a:ln>
               <a:noFill/>
             </a:ln>
@@ -9364,7 +10425,7 @@
           <a:buFontTx/>
           <a:buNone/>
           <a:tabLst/>
-          <a:defRPr b="0" baseline="0" cap="none" i="0" spc="0" strike="noStrike" sz="1800" u="none" kumimoji="0" normalizeH="0">
+          <a:defRPr kumimoji="0" sz="1800" b="0" i="0" u="none" strike="noStrike" cap="none" spc="0" normalizeH="0" baseline="0">
             <a:ln>
               <a:noFill/>
             </a:ln>
@@ -9390,7 +10451,7 @@
           <a:buFontTx/>
           <a:buNone/>
           <a:tabLst/>
-          <a:defRPr b="0" baseline="0" cap="none" i="0" spc="0" strike="noStrike" sz="1800" u="none" kumimoji="0" normalizeH="0">
+          <a:defRPr kumimoji="0" sz="1800" b="0" i="0" u="none" strike="noStrike" cap="none" spc="0" normalizeH="0" baseline="0">
             <a:ln>
               <a:noFill/>
             </a:ln>
@@ -9416,7 +10477,7 @@
           <a:buFontTx/>
           <a:buNone/>
           <a:tabLst/>
-          <a:defRPr b="0" baseline="0" cap="none" i="0" spc="0" strike="noStrike" sz="1800" u="none" kumimoji="0" normalizeH="0">
+          <a:defRPr kumimoji="0" sz="1800" b="0" i="0" u="none" strike="noStrike" cap="none" spc="0" normalizeH="0" baseline="0">
             <a:ln>
               <a:noFill/>
             </a:ln>
@@ -9442,7 +10503,7 @@
           <a:buFontTx/>
           <a:buNone/>
           <a:tabLst/>
-          <a:defRPr b="0" baseline="0" cap="none" i="0" spc="0" strike="noStrike" sz="1800" u="none" kumimoji="0" normalizeH="0">
+          <a:defRPr kumimoji="0" sz="1800" b="0" i="0" u="none" strike="noStrike" cap="none" spc="0" normalizeH="0" baseline="0">
             <a:ln>
               <a:noFill/>
             </a:ln>
@@ -9468,7 +10529,7 @@
           <a:buFontTx/>
           <a:buNone/>
           <a:tabLst/>
-          <a:defRPr b="0" baseline="0" cap="none" i="0" spc="0" strike="noStrike" sz="1800" u="none" kumimoji="0" normalizeH="0">
+          <a:defRPr kumimoji="0" sz="1800" b="0" i="0" u="none" strike="noStrike" cap="none" spc="0" normalizeH="0" baseline="0">
             <a:ln>
               <a:noFill/>
             </a:ln>
@@ -9494,7 +10555,7 @@
           <a:buFontTx/>
           <a:buNone/>
           <a:tabLst/>
-          <a:defRPr b="0" baseline="0" cap="none" i="0" spc="0" strike="noStrike" sz="1800" u="none" kumimoji="0" normalizeH="0">
+          <a:defRPr kumimoji="0" sz="1800" b="0" i="0" u="none" strike="noStrike" cap="none" spc="0" normalizeH="0" baseline="0">
             <a:ln>
               <a:noFill/>
             </a:ln>
@@ -9520,7 +10581,7 @@
           <a:buFontTx/>
           <a:buNone/>
           <a:tabLst/>
-          <a:defRPr b="0" baseline="0" cap="none" i="0" spc="0" strike="noStrike" sz="1800" u="none" kumimoji="0" normalizeH="0">
+          <a:defRPr kumimoji="0" sz="1800" b="0" i="0" u="none" strike="noStrike" cap="none" spc="0" normalizeH="0" baseline="0">
             <a:ln>
               <a:noFill/>
             </a:ln>
@@ -9533,18 +10594,25 @@
         </a:lvl9pPr>
       </a:lstStyle>
       <a:style>
-        <a:lnRef idx="0"/>
-        <a:fillRef idx="0"/>
-        <a:effectRef idx="0"/>
+        <a:lnRef idx="0">
+          <a:scrgbClr r="0" g="0" b="0"/>
+        </a:lnRef>
+        <a:fillRef idx="0">
+          <a:scrgbClr r="0" g="0" b="0"/>
+        </a:fillRef>
+        <a:effectRef idx="0">
+          <a:scrgbClr r="0" g="0" b="0"/>
+        </a:effectRef>
         <a:fontRef idx="none"/>
       </a:style>
     </a:txDef>
   </a:objectDefaults>
+  <a:extraClrSchemeLst/>
 </a:theme>
 </file>
 
 <file path=ppt/theme/theme2.xml><?xml version="1.0" encoding="utf-8"?>
-<a:theme xmlns:a="http://schemas.openxmlformats.org/drawingml/2006/main" xmlns:r="http://schemas.openxmlformats.org/officeDocument/2006/relationships" name="20_BasicBlack">
+<a:theme xmlns:a="http://schemas.openxmlformats.org/drawingml/2006/main" name="20_BasicBlack">
   <a:themeElements>
     <a:clrScheme name="20_BasicBlack">
       <a:dk1>
@@ -9743,7 +10811,7 @@
         <a:effectLst/>
         <a:sp3d/>
       </a:spPr>
-      <a:bodyPr rot="0" spcFirstLastPara="1" vertOverflow="overflow" horzOverflow="overflow" vert="horz" wrap="square" lIns="50800" tIns="50800" rIns="50800" bIns="50800" numCol="1" spcCol="38100" rtlCol="0" anchor="ctr" upright="0">
+      <a:bodyPr rot="0" spcFirstLastPara="1" vertOverflow="overflow" horzOverflow="overflow" vert="horz" wrap="square" lIns="50800" tIns="50800" rIns="50800" bIns="50800" numCol="1" spcCol="38100" rtlCol="0" anchor="ctr">
         <a:spAutoFit/>
       </a:bodyPr>
       <a:lstStyle>
@@ -9762,7 +10830,7 @@
           <a:buFontTx/>
           <a:buNone/>
           <a:tabLst/>
-          <a:defRPr b="0" baseline="0" cap="none" i="0" spc="0" strike="noStrike" sz="3200" u="none" kumimoji="0" normalizeH="0">
+          <a:defRPr kumimoji="0" sz="3200" b="0" i="0" u="none" strike="noStrike" cap="none" spc="0" normalizeH="0" baseline="0">
             <a:ln>
               <a:noFill/>
             </a:ln>
@@ -9792,7 +10860,7 @@
           <a:buFontTx/>
           <a:buNone/>
           <a:tabLst/>
-          <a:defRPr b="0" baseline="0" cap="none" i="0" spc="0" strike="noStrike" sz="1800" u="none" kumimoji="0" normalizeH="0">
+          <a:defRPr kumimoji="0" sz="1800" b="0" i="0" u="none" strike="noStrike" cap="none" spc="0" normalizeH="0" baseline="0">
             <a:ln>
               <a:noFill/>
             </a:ln>
@@ -9818,7 +10886,7 @@
           <a:buFontTx/>
           <a:buNone/>
           <a:tabLst/>
-          <a:defRPr b="0" baseline="0" cap="none" i="0" spc="0" strike="noStrike" sz="1800" u="none" kumimoji="0" normalizeH="0">
+          <a:defRPr kumimoji="0" sz="1800" b="0" i="0" u="none" strike="noStrike" cap="none" spc="0" normalizeH="0" baseline="0">
             <a:ln>
               <a:noFill/>
             </a:ln>
@@ -9844,7 +10912,7 @@
           <a:buFontTx/>
           <a:buNone/>
           <a:tabLst/>
-          <a:defRPr b="0" baseline="0" cap="none" i="0" spc="0" strike="noStrike" sz="1800" u="none" kumimoji="0" normalizeH="0">
+          <a:defRPr kumimoji="0" sz="1800" b="0" i="0" u="none" strike="noStrike" cap="none" spc="0" normalizeH="0" baseline="0">
             <a:ln>
               <a:noFill/>
             </a:ln>
@@ -9870,7 +10938,7 @@
           <a:buFontTx/>
           <a:buNone/>
           <a:tabLst/>
-          <a:defRPr b="0" baseline="0" cap="none" i="0" spc="0" strike="noStrike" sz="1800" u="none" kumimoji="0" normalizeH="0">
+          <a:defRPr kumimoji="0" sz="1800" b="0" i="0" u="none" strike="noStrike" cap="none" spc="0" normalizeH="0" baseline="0">
             <a:ln>
               <a:noFill/>
             </a:ln>
@@ -9896,7 +10964,7 @@
           <a:buFontTx/>
           <a:buNone/>
           <a:tabLst/>
-          <a:defRPr b="0" baseline="0" cap="none" i="0" spc="0" strike="noStrike" sz="1800" u="none" kumimoji="0" normalizeH="0">
+          <a:defRPr kumimoji="0" sz="1800" b="0" i="0" u="none" strike="noStrike" cap="none" spc="0" normalizeH="0" baseline="0">
             <a:ln>
               <a:noFill/>
             </a:ln>
@@ -9922,7 +10990,7 @@
           <a:buFontTx/>
           <a:buNone/>
           <a:tabLst/>
-          <a:defRPr b="0" baseline="0" cap="none" i="0" spc="0" strike="noStrike" sz="1800" u="none" kumimoji="0" normalizeH="0">
+          <a:defRPr kumimoji="0" sz="1800" b="0" i="0" u="none" strike="noStrike" cap="none" spc="0" normalizeH="0" baseline="0">
             <a:ln>
               <a:noFill/>
             </a:ln>
@@ -9948,7 +11016,7 @@
           <a:buFontTx/>
           <a:buNone/>
           <a:tabLst/>
-          <a:defRPr b="0" baseline="0" cap="none" i="0" spc="0" strike="noStrike" sz="1800" u="none" kumimoji="0" normalizeH="0">
+          <a:defRPr kumimoji="0" sz="1800" b="0" i="0" u="none" strike="noStrike" cap="none" spc="0" normalizeH="0" baseline="0">
             <a:ln>
               <a:noFill/>
             </a:ln>
@@ -9974,7 +11042,7 @@
           <a:buFontTx/>
           <a:buNone/>
           <a:tabLst/>
-          <a:defRPr b="0" baseline="0" cap="none" i="0" spc="0" strike="noStrike" sz="1800" u="none" kumimoji="0" normalizeH="0">
+          <a:defRPr kumimoji="0" sz="1800" b="0" i="0" u="none" strike="noStrike" cap="none" spc="0" normalizeH="0" baseline="0">
             <a:ln>
               <a:noFill/>
             </a:ln>
@@ -10000,7 +11068,7 @@
           <a:buFontTx/>
           <a:buNone/>
           <a:tabLst/>
-          <a:defRPr b="0" baseline="0" cap="none" i="0" spc="0" strike="noStrike" sz="1800" u="none" kumimoji="0" normalizeH="0">
+          <a:defRPr kumimoji="0" sz="1800" b="0" i="0" u="none" strike="noStrike" cap="none" spc="0" normalizeH="0" baseline="0">
             <a:ln>
               <a:noFill/>
             </a:ln>
@@ -10013,9 +11081,15 @@
         </a:lvl9pPr>
       </a:lstStyle>
       <a:style>
-        <a:lnRef idx="0"/>
-        <a:fillRef idx="0"/>
-        <a:effectRef idx="0"/>
+        <a:lnRef idx="0">
+          <a:scrgbClr r="0" g="0" b="0"/>
+        </a:lnRef>
+        <a:fillRef idx="0">
+          <a:scrgbClr r="0" g="0" b="0"/>
+        </a:fillRef>
+        <a:effectRef idx="0">
+          <a:scrgbClr r="0" g="0" b="0"/>
+        </a:effectRef>
         <a:fontRef idx="none"/>
       </a:style>
     </a:spDef>
@@ -10032,7 +11106,7 @@
         <a:effectLst/>
         <a:sp3d/>
       </a:spPr>
-      <a:bodyPr rot="0" spcFirstLastPara="1" vertOverflow="overflow" horzOverflow="overflow" vert="horz" wrap="square" lIns="91439" tIns="45719" rIns="91439" bIns="45719" numCol="1" spcCol="38100" rtlCol="0" anchor="t" upright="0">
+      <a:bodyPr rot="0" spcFirstLastPara="1" vertOverflow="overflow" horzOverflow="overflow" vert="horz" wrap="square" lIns="91439" tIns="45719" rIns="91439" bIns="45719" numCol="1" spcCol="38100" rtlCol="0" anchor="t">
         <a:noAutofit/>
       </a:bodyPr>
       <a:lstStyle>
@@ -10051,7 +11125,7 @@
           <a:buFontTx/>
           <a:buNone/>
           <a:tabLst/>
-          <a:defRPr b="0" baseline="0" cap="none" i="0" spc="0" strike="noStrike" sz="1800" u="none" kumimoji="0" normalizeH="0">
+          <a:defRPr kumimoji="0" sz="1800" b="0" i="0" u="none" strike="noStrike" cap="none" spc="0" normalizeH="0" baseline="0">
             <a:ln>
               <a:noFill/>
             </a:ln>
@@ -10077,7 +11151,7 @@
           <a:buFontTx/>
           <a:buNone/>
           <a:tabLst/>
-          <a:defRPr b="0" baseline="0" cap="none" i="0" spc="0" strike="noStrike" sz="1800" u="none" kumimoji="0" normalizeH="0">
+          <a:defRPr kumimoji="0" sz="1800" b="0" i="0" u="none" strike="noStrike" cap="none" spc="0" normalizeH="0" baseline="0">
             <a:ln>
               <a:noFill/>
             </a:ln>
@@ -10103,7 +11177,7 @@
           <a:buFontTx/>
           <a:buNone/>
           <a:tabLst/>
-          <a:defRPr b="0" baseline="0" cap="none" i="0" spc="0" strike="noStrike" sz="1800" u="none" kumimoji="0" normalizeH="0">
+          <a:defRPr kumimoji="0" sz="1800" b="0" i="0" u="none" strike="noStrike" cap="none" spc="0" normalizeH="0" baseline="0">
             <a:ln>
               <a:noFill/>
             </a:ln>
@@ -10129,7 +11203,7 @@
           <a:buFontTx/>
           <a:buNone/>
           <a:tabLst/>
-          <a:defRPr b="0" baseline="0" cap="none" i="0" spc="0" strike="noStrike" sz="1800" u="none" kumimoji="0" normalizeH="0">
+          <a:defRPr kumimoji="0" sz="1800" b="0" i="0" u="none" strike="noStrike" cap="none" spc="0" normalizeH="0" baseline="0">
             <a:ln>
               <a:noFill/>
             </a:ln>
@@ -10155,7 +11229,7 @@
           <a:buFontTx/>
           <a:buNone/>
           <a:tabLst/>
-          <a:defRPr b="0" baseline="0" cap="none" i="0" spc="0" strike="noStrike" sz="1800" u="none" kumimoji="0" normalizeH="0">
+          <a:defRPr kumimoji="0" sz="1800" b="0" i="0" u="none" strike="noStrike" cap="none" spc="0" normalizeH="0" baseline="0">
             <a:ln>
               <a:noFill/>
             </a:ln>
@@ -10181,7 +11255,7 @@
           <a:buFontTx/>
           <a:buNone/>
           <a:tabLst/>
-          <a:defRPr b="0" baseline="0" cap="none" i="0" spc="0" strike="noStrike" sz="1800" u="none" kumimoji="0" normalizeH="0">
+          <a:defRPr kumimoji="0" sz="1800" b="0" i="0" u="none" strike="noStrike" cap="none" spc="0" normalizeH="0" baseline="0">
             <a:ln>
               <a:noFill/>
             </a:ln>
@@ -10207,7 +11281,7 @@
           <a:buFontTx/>
           <a:buNone/>
           <a:tabLst/>
-          <a:defRPr b="0" baseline="0" cap="none" i="0" spc="0" strike="noStrike" sz="1800" u="none" kumimoji="0" normalizeH="0">
+          <a:defRPr kumimoji="0" sz="1800" b="0" i="0" u="none" strike="noStrike" cap="none" spc="0" normalizeH="0" baseline="0">
             <a:ln>
               <a:noFill/>
             </a:ln>
@@ -10233,7 +11307,7 @@
           <a:buFontTx/>
           <a:buNone/>
           <a:tabLst/>
-          <a:defRPr b="0" baseline="0" cap="none" i="0" spc="0" strike="noStrike" sz="1800" u="none" kumimoji="0" normalizeH="0">
+          <a:defRPr kumimoji="0" sz="1800" b="0" i="0" u="none" strike="noStrike" cap="none" spc="0" normalizeH="0" baseline="0">
             <a:ln>
               <a:noFill/>
             </a:ln>
@@ -10259,7 +11333,7 @@
           <a:buFontTx/>
           <a:buNone/>
           <a:tabLst/>
-          <a:defRPr b="0" baseline="0" cap="none" i="0" spc="0" strike="noStrike" sz="1800" u="none" kumimoji="0" normalizeH="0">
+          <a:defRPr kumimoji="0" sz="1800" b="0" i="0" u="none" strike="noStrike" cap="none" spc="0" normalizeH="0" baseline="0">
             <a:ln>
               <a:noFill/>
             </a:ln>
@@ -10285,7 +11359,7 @@
           <a:buFontTx/>
           <a:buNone/>
           <a:tabLst/>
-          <a:defRPr b="0" baseline="0" cap="none" i="0" spc="0" strike="noStrike" sz="1800" u="none" kumimoji="0" normalizeH="0">
+          <a:defRPr kumimoji="0" sz="1800" b="0" i="0" u="none" strike="noStrike" cap="none" spc="0" normalizeH="0" baseline="0">
             <a:ln>
               <a:noFill/>
             </a:ln>
@@ -10298,9 +11372,15 @@
         </a:lvl9pPr>
       </a:lstStyle>
       <a:style>
-        <a:lnRef idx="0"/>
-        <a:fillRef idx="0"/>
-        <a:effectRef idx="0"/>
+        <a:lnRef idx="0">
+          <a:scrgbClr r="0" g="0" b="0"/>
+        </a:lnRef>
+        <a:fillRef idx="0">
+          <a:scrgbClr r="0" g="0" b="0"/>
+        </a:fillRef>
+        <a:effectRef idx="0">
+          <a:scrgbClr r="0" g="0" b="0"/>
+        </a:effectRef>
         <a:fontRef idx="none"/>
       </a:style>
     </a:lnDef>
@@ -10314,7 +11394,7 @@
         <a:effectLst/>
         <a:sp3d/>
       </a:spPr>
-      <a:bodyPr rot="0" spcFirstLastPara="1" vertOverflow="overflow" horzOverflow="overflow" vert="horz" wrap="square" lIns="50800" tIns="50800" rIns="50800" bIns="50800" numCol="1" spcCol="38100" rtlCol="0" anchor="ctr" upright="0">
+      <a:bodyPr rot="0" spcFirstLastPara="1" vertOverflow="overflow" horzOverflow="overflow" vert="horz" wrap="square" lIns="50800" tIns="50800" rIns="50800" bIns="50800" numCol="1" spcCol="38100" rtlCol="0" anchor="ctr">
         <a:spAutoFit/>
       </a:bodyPr>
       <a:lstStyle>
@@ -10333,7 +11413,7 @@
           <a:buFontTx/>
           <a:buNone/>
           <a:tabLst/>
-          <a:defRPr b="0" baseline="0" cap="none" i="0" spc="0" strike="noStrike" sz="2400" u="none" kumimoji="0" normalizeH="0">
+          <a:defRPr kumimoji="0" sz="2400" b="0" i="0" u="none" strike="noStrike" cap="none" spc="0" normalizeH="0" baseline="0">
             <a:ln>
               <a:noFill/>
             </a:ln>
@@ -10363,7 +11443,7 @@
           <a:buFontTx/>
           <a:buNone/>
           <a:tabLst/>
-          <a:defRPr b="0" baseline="0" cap="none" i="0" spc="0" strike="noStrike" sz="1800" u="none" kumimoji="0" normalizeH="0">
+          <a:defRPr kumimoji="0" sz="1800" b="0" i="0" u="none" strike="noStrike" cap="none" spc="0" normalizeH="0" baseline="0">
             <a:ln>
               <a:noFill/>
             </a:ln>
@@ -10389,7 +11469,7 @@
           <a:buFontTx/>
           <a:buNone/>
           <a:tabLst/>
-          <a:defRPr b="0" baseline="0" cap="none" i="0" spc="0" strike="noStrike" sz="1800" u="none" kumimoji="0" normalizeH="0">
+          <a:defRPr kumimoji="0" sz="1800" b="0" i="0" u="none" strike="noStrike" cap="none" spc="0" normalizeH="0" baseline="0">
             <a:ln>
               <a:noFill/>
             </a:ln>
@@ -10415,7 +11495,7 @@
           <a:buFontTx/>
           <a:buNone/>
           <a:tabLst/>
-          <a:defRPr b="0" baseline="0" cap="none" i="0" spc="0" strike="noStrike" sz="1800" u="none" kumimoji="0" normalizeH="0">
+          <a:defRPr kumimoji="0" sz="1800" b="0" i="0" u="none" strike="noStrike" cap="none" spc="0" normalizeH="0" baseline="0">
             <a:ln>
               <a:noFill/>
             </a:ln>
@@ -10441,7 +11521,7 @@
           <a:buFontTx/>
           <a:buNone/>
           <a:tabLst/>
-          <a:defRPr b="0" baseline="0" cap="none" i="0" spc="0" strike="noStrike" sz="1800" u="none" kumimoji="0" normalizeH="0">
+          <a:defRPr kumimoji="0" sz="1800" b="0" i="0" u="none" strike="noStrike" cap="none" spc="0" normalizeH="0" baseline="0">
             <a:ln>
               <a:noFill/>
             </a:ln>
@@ -10467,7 +11547,7 @@
           <a:buFontTx/>
           <a:buNone/>
           <a:tabLst/>
-          <a:defRPr b="0" baseline="0" cap="none" i="0" spc="0" strike="noStrike" sz="1800" u="none" kumimoji="0" normalizeH="0">
+          <a:defRPr kumimoji="0" sz="1800" b="0" i="0" u="none" strike="noStrike" cap="none" spc="0" normalizeH="0" baseline="0">
             <a:ln>
               <a:noFill/>
             </a:ln>
@@ -10493,7 +11573,7 @@
           <a:buFontTx/>
           <a:buNone/>
           <a:tabLst/>
-          <a:defRPr b="0" baseline="0" cap="none" i="0" spc="0" strike="noStrike" sz="1800" u="none" kumimoji="0" normalizeH="0">
+          <a:defRPr kumimoji="0" sz="1800" b="0" i="0" u="none" strike="noStrike" cap="none" spc="0" normalizeH="0" baseline="0">
             <a:ln>
               <a:noFill/>
             </a:ln>
@@ -10519,7 +11599,7 @@
           <a:buFontTx/>
           <a:buNone/>
           <a:tabLst/>
-          <a:defRPr b="0" baseline="0" cap="none" i="0" spc="0" strike="noStrike" sz="1800" u="none" kumimoji="0" normalizeH="0">
+          <a:defRPr kumimoji="0" sz="1800" b="0" i="0" u="none" strike="noStrike" cap="none" spc="0" normalizeH="0" baseline="0">
             <a:ln>
               <a:noFill/>
             </a:ln>
@@ -10545,7 +11625,7 @@
           <a:buFontTx/>
           <a:buNone/>
           <a:tabLst/>
-          <a:defRPr b="0" baseline="0" cap="none" i="0" spc="0" strike="noStrike" sz="1800" u="none" kumimoji="0" normalizeH="0">
+          <a:defRPr kumimoji="0" sz="1800" b="0" i="0" u="none" strike="noStrike" cap="none" spc="0" normalizeH="0" baseline="0">
             <a:ln>
               <a:noFill/>
             </a:ln>
@@ -10571,7 +11651,7 @@
           <a:buFontTx/>
           <a:buNone/>
           <a:tabLst/>
-          <a:defRPr b="0" baseline="0" cap="none" i="0" spc="0" strike="noStrike" sz="1800" u="none" kumimoji="0" normalizeH="0">
+          <a:defRPr kumimoji="0" sz="1800" b="0" i="0" u="none" strike="noStrike" cap="none" spc="0" normalizeH="0" baseline="0">
             <a:ln>
               <a:noFill/>
             </a:ln>
@@ -10584,12 +11664,19 @@
         </a:lvl9pPr>
       </a:lstStyle>
       <a:style>
-        <a:lnRef idx="0"/>
-        <a:fillRef idx="0"/>
-        <a:effectRef idx="0"/>
+        <a:lnRef idx="0">
+          <a:scrgbClr r="0" g="0" b="0"/>
+        </a:lnRef>
+        <a:fillRef idx="0">
+          <a:scrgbClr r="0" g="0" b="0"/>
+        </a:fillRef>
+        <a:effectRef idx="0">
+          <a:scrgbClr r="0" g="0" b="0"/>
+        </a:effectRef>
         <a:fontRef idx="none"/>
       </a:style>
     </a:txDef>
   </a:objectDefaults>
+  <a:extraClrSchemeLst/>
 </a:theme>
 </file>